--- a/lesson02.pptx
+++ b/lesson02.pptx
@@ -5,7 +5,7 @@
     <p:sldMasterId id="2147483648" r:id="rId1"/>
   </p:sldMasterIdLst>
   <p:notesMasterIdLst>
-    <p:notesMasterId r:id="rId31"/>
+    <p:notesMasterId r:id="rId30"/>
   </p:notesMasterIdLst>
   <p:sldIdLst>
     <p:sldId id="386" r:id="rId2"/>
@@ -13,30 +13,29 @@
     <p:sldId id="327" r:id="rId4"/>
     <p:sldId id="391" r:id="rId5"/>
     <p:sldId id="392" r:id="rId6"/>
-    <p:sldId id="393" r:id="rId7"/>
-    <p:sldId id="396" r:id="rId8"/>
-    <p:sldId id="397" r:id="rId9"/>
-    <p:sldId id="398" r:id="rId10"/>
-    <p:sldId id="328" r:id="rId11"/>
-    <p:sldId id="339" r:id="rId12"/>
-    <p:sldId id="340" r:id="rId13"/>
-    <p:sldId id="342" r:id="rId14"/>
-    <p:sldId id="390" r:id="rId15"/>
-    <p:sldId id="341" r:id="rId16"/>
-    <p:sldId id="384" r:id="rId17"/>
-    <p:sldId id="385" r:id="rId18"/>
-    <p:sldId id="376" r:id="rId19"/>
-    <p:sldId id="377" r:id="rId20"/>
-    <p:sldId id="362" r:id="rId21"/>
-    <p:sldId id="259" r:id="rId22"/>
-    <p:sldId id="347" r:id="rId23"/>
-    <p:sldId id="289" r:id="rId24"/>
-    <p:sldId id="290" r:id="rId25"/>
-    <p:sldId id="352" r:id="rId26"/>
-    <p:sldId id="351" r:id="rId27"/>
-    <p:sldId id="371" r:id="rId28"/>
-    <p:sldId id="294" r:id="rId29"/>
-    <p:sldId id="295" r:id="rId30"/>
+    <p:sldId id="396" r:id="rId7"/>
+    <p:sldId id="397" r:id="rId8"/>
+    <p:sldId id="398" r:id="rId9"/>
+    <p:sldId id="328" r:id="rId10"/>
+    <p:sldId id="339" r:id="rId11"/>
+    <p:sldId id="340" r:id="rId12"/>
+    <p:sldId id="342" r:id="rId13"/>
+    <p:sldId id="390" r:id="rId14"/>
+    <p:sldId id="341" r:id="rId15"/>
+    <p:sldId id="384" r:id="rId16"/>
+    <p:sldId id="385" r:id="rId17"/>
+    <p:sldId id="376" r:id="rId18"/>
+    <p:sldId id="377" r:id="rId19"/>
+    <p:sldId id="362" r:id="rId20"/>
+    <p:sldId id="259" r:id="rId21"/>
+    <p:sldId id="347" r:id="rId22"/>
+    <p:sldId id="289" r:id="rId23"/>
+    <p:sldId id="290" r:id="rId24"/>
+    <p:sldId id="352" r:id="rId25"/>
+    <p:sldId id="351" r:id="rId26"/>
+    <p:sldId id="371" r:id="rId27"/>
+    <p:sldId id="294" r:id="rId28"/>
+    <p:sldId id="295" r:id="rId29"/>
   </p:sldIdLst>
   <p:sldSz cx="12192000" cy="6858000"/>
   <p:notesSz cx="6858000" cy="9144000"/>
@@ -145,7 +144,6 @@
             <p14:sldId id="327"/>
             <p14:sldId id="391"/>
             <p14:sldId id="392"/>
-            <p14:sldId id="393"/>
             <p14:sldId id="396"/>
             <p14:sldId id="397"/>
             <p14:sldId id="398"/>
@@ -206,7 +204,7 @@
 <file path=ppt/revisionInfo.xml><?xml version="1.0" encoding="utf-8"?>
 <p1510:revInfo xmlns:a="http://schemas.openxmlformats.org/drawingml/2006/main" xmlns:r="http://schemas.openxmlformats.org/officeDocument/2006/relationships" xmlns:p1510="http://schemas.microsoft.com/office/powerpoint/2015/10/main">
   <p1510:revLst>
-    <p1510:client id="{6281C7F5-4F88-4773-9DB9-77B73DD9AA2D}" v="2" dt="2022-06-04T11:11:43.893"/>
+    <p1510:client id="{6281C7F5-4F88-4773-9DB9-77B73DD9AA2D}" v="17" dt="2022-06-05T17:33:19.526"/>
   </p1510:revLst>
 </p1510:revInfo>
 </file>
@@ -973,8 +971,8 @@
   </pc:docChgLst>
   <pc:docChgLst>
     <pc:chgData name="Anatoliy Kigel" userId="7432c6c4687b0a9c" providerId="LiveId" clId="{6281C7F5-4F88-4773-9DB9-77B73DD9AA2D}"/>
-    <pc:docChg chg="undo custSel addSld delSld modSld modSection">
-      <pc:chgData name="Anatoliy Kigel" userId="7432c6c4687b0a9c" providerId="LiveId" clId="{6281C7F5-4F88-4773-9DB9-77B73DD9AA2D}" dt="2022-06-04T11:12:50.817" v="67" actId="1036"/>
+    <pc:docChg chg="undo custSel addSld delSld modSld sldOrd modSection">
+      <pc:chgData name="Anatoliy Kigel" userId="7432c6c4687b0a9c" providerId="LiveId" clId="{6281C7F5-4F88-4773-9DB9-77B73DD9AA2D}" dt="2022-06-05T17:33:19.526" v="176" actId="1038"/>
       <pc:docMkLst>
         <pc:docMk/>
       </pc:docMkLst>
@@ -1006,8 +1004,123 @@
           <pc:sldMk cId="3960645647" sldId="350"/>
         </pc:sldMkLst>
       </pc:sldChg>
+      <pc:sldChg chg="modSp mod ord">
+        <pc:chgData name="Anatoliy Kigel" userId="7432c6c4687b0a9c" providerId="LiveId" clId="{6281C7F5-4F88-4773-9DB9-77B73DD9AA2D}" dt="2022-06-05T17:14:31.678" v="144"/>
+        <pc:sldMkLst>
+          <pc:docMk/>
+          <pc:sldMk cId="3468376918" sldId="352"/>
+        </pc:sldMkLst>
+        <pc:spChg chg="mod">
+          <ac:chgData name="Anatoliy Kigel" userId="7432c6c4687b0a9c" providerId="LiveId" clId="{6281C7F5-4F88-4773-9DB9-77B73DD9AA2D}" dt="2022-06-05T17:12:45.957" v="140" actId="465"/>
+          <ac:spMkLst>
+            <pc:docMk/>
+            <pc:sldMk cId="3468376918" sldId="352"/>
+            <ac:spMk id="3" creationId="{00000000-0000-0000-0000-000000000000}"/>
+          </ac:spMkLst>
+        </pc:spChg>
+        <pc:spChg chg="mod">
+          <ac:chgData name="Anatoliy Kigel" userId="7432c6c4687b0a9c" providerId="LiveId" clId="{6281C7F5-4F88-4773-9DB9-77B73DD9AA2D}" dt="2022-06-05T17:12:45.957" v="140" actId="465"/>
+          <ac:spMkLst>
+            <pc:docMk/>
+            <pc:sldMk cId="3468376918" sldId="352"/>
+            <ac:spMk id="10" creationId="{00000000-0000-0000-0000-000000000000}"/>
+          </ac:spMkLst>
+        </pc:spChg>
+        <pc:spChg chg="mod">
+          <ac:chgData name="Anatoliy Kigel" userId="7432c6c4687b0a9c" providerId="LiveId" clId="{6281C7F5-4F88-4773-9DB9-77B73DD9AA2D}" dt="2022-06-05T17:12:45.957" v="140" actId="465"/>
+          <ac:spMkLst>
+            <pc:docMk/>
+            <pc:sldMk cId="3468376918" sldId="352"/>
+            <ac:spMk id="13" creationId="{00000000-0000-0000-0000-000000000000}"/>
+          </ac:spMkLst>
+        </pc:spChg>
+      </pc:sldChg>
+      <pc:sldChg chg="add del">
+        <pc:chgData name="Anatoliy Kigel" userId="7432c6c4687b0a9c" providerId="LiveId" clId="{6281C7F5-4F88-4773-9DB9-77B73DD9AA2D}" dt="2022-06-05T17:08:06.835" v="70" actId="47"/>
+        <pc:sldMkLst>
+          <pc:docMk/>
+          <pc:sldMk cId="647673204" sldId="360"/>
+        </pc:sldMkLst>
+      </pc:sldChg>
+      <pc:sldChg chg="add del">
+        <pc:chgData name="Anatoliy Kigel" userId="7432c6c4687b0a9c" providerId="LiveId" clId="{6281C7F5-4F88-4773-9DB9-77B73DD9AA2D}" dt="2022-06-05T17:08:06.835" v="70" actId="47"/>
+        <pc:sldMkLst>
+          <pc:docMk/>
+          <pc:sldMk cId="554092839" sldId="365"/>
+        </pc:sldMkLst>
+      </pc:sldChg>
       <pc:sldChg chg="addSp delSp modSp mod">
-        <pc:chgData name="Anatoliy Kigel" userId="7432c6c4687b0a9c" providerId="LiveId" clId="{6281C7F5-4F88-4773-9DB9-77B73DD9AA2D}" dt="2022-06-04T11:12:50.817" v="67" actId="1036"/>
+        <pc:chgData name="Anatoliy Kigel" userId="7432c6c4687b0a9c" providerId="LiveId" clId="{6281C7F5-4F88-4773-9DB9-77B73DD9AA2D}" dt="2022-06-05T17:33:19.526" v="176" actId="1038"/>
+        <pc:sldMkLst>
+          <pc:docMk/>
+          <pc:sldMk cId="2301730362" sldId="371"/>
+        </pc:sldMkLst>
+        <pc:spChg chg="mod">
+          <ac:chgData name="Anatoliy Kigel" userId="7432c6c4687b0a9c" providerId="LiveId" clId="{6281C7F5-4F88-4773-9DB9-77B73DD9AA2D}" dt="2022-06-05T17:32:51.318" v="170" actId="1037"/>
+          <ac:spMkLst>
+            <pc:docMk/>
+            <pc:sldMk cId="2301730362" sldId="371"/>
+            <ac:spMk id="10" creationId="{00000000-0000-0000-0000-000000000000}"/>
+          </ac:spMkLst>
+        </pc:spChg>
+        <pc:spChg chg="mod">
+          <ac:chgData name="Anatoliy Kigel" userId="7432c6c4687b0a9c" providerId="LiveId" clId="{6281C7F5-4F88-4773-9DB9-77B73DD9AA2D}" dt="2022-06-05T17:32:51.318" v="170" actId="1037"/>
+          <ac:spMkLst>
+            <pc:docMk/>
+            <pc:sldMk cId="2301730362" sldId="371"/>
+            <ac:spMk id="12" creationId="{00000000-0000-0000-0000-000000000000}"/>
+          </ac:spMkLst>
+        </pc:spChg>
+        <pc:picChg chg="del">
+          <ac:chgData name="Anatoliy Kigel" userId="7432c6c4687b0a9c" providerId="LiveId" clId="{6281C7F5-4F88-4773-9DB9-77B73DD9AA2D}" dt="2022-06-05T17:31:06.522" v="155" actId="478"/>
+          <ac:picMkLst>
+            <pc:docMk/>
+            <pc:sldMk cId="2301730362" sldId="371"/>
+            <ac:picMk id="2" creationId="{00000000-0000-0000-0000-000000000000}"/>
+          </ac:picMkLst>
+        </pc:picChg>
+        <pc:picChg chg="add mod">
+          <ac:chgData name="Anatoliy Kigel" userId="7432c6c4687b0a9c" providerId="LiveId" clId="{6281C7F5-4F88-4773-9DB9-77B73DD9AA2D}" dt="2022-06-05T17:33:19.526" v="176" actId="1038"/>
+          <ac:picMkLst>
+            <pc:docMk/>
+            <pc:sldMk cId="2301730362" sldId="371"/>
+            <ac:picMk id="1026" creationId="{2167926F-2BA7-59AC-8016-BC0712D056FD}"/>
+          </ac:picMkLst>
+        </pc:picChg>
+      </pc:sldChg>
+      <pc:sldChg chg="delSp modSp mod">
+        <pc:chgData name="Anatoliy Kigel" userId="7432c6c4687b0a9c" providerId="LiveId" clId="{6281C7F5-4F88-4773-9DB9-77B73DD9AA2D}" dt="2022-06-05T17:17:00.231" v="154" actId="1036"/>
+        <pc:sldMkLst>
+          <pc:docMk/>
+          <pc:sldMk cId="2689196661" sldId="377"/>
+        </pc:sldMkLst>
+        <pc:spChg chg="del">
+          <ac:chgData name="Anatoliy Kigel" userId="7432c6c4687b0a9c" providerId="LiveId" clId="{6281C7F5-4F88-4773-9DB9-77B73DD9AA2D}" dt="2022-06-05T17:16:53.404" v="145" actId="478"/>
+          <ac:spMkLst>
+            <pc:docMk/>
+            <pc:sldMk cId="2689196661" sldId="377"/>
+            <ac:spMk id="3" creationId="{00000000-0000-0000-0000-000000000000}"/>
+          </ac:spMkLst>
+        </pc:spChg>
+        <pc:spChg chg="mod">
+          <ac:chgData name="Anatoliy Kigel" userId="7432c6c4687b0a9c" providerId="LiveId" clId="{6281C7F5-4F88-4773-9DB9-77B73DD9AA2D}" dt="2022-06-05T17:17:00.231" v="154" actId="1036"/>
+          <ac:spMkLst>
+            <pc:docMk/>
+            <pc:sldMk cId="2689196661" sldId="377"/>
+            <ac:spMk id="7" creationId="{00000000-0000-0000-0000-000000000000}"/>
+          </ac:spMkLst>
+        </pc:spChg>
+        <pc:spChg chg="mod">
+          <ac:chgData name="Anatoliy Kigel" userId="7432c6c4687b0a9c" providerId="LiveId" clId="{6281C7F5-4F88-4773-9DB9-77B73DD9AA2D}" dt="2022-06-05T17:16:59.106" v="150" actId="1036"/>
+          <ac:spMkLst>
+            <pc:docMk/>
+            <pc:sldMk cId="2689196661" sldId="377"/>
+            <ac:spMk id="10" creationId="{00000000-0000-0000-0000-000000000000}"/>
+          </ac:spMkLst>
+        </pc:spChg>
+      </pc:sldChg>
+      <pc:sldChg chg="addSp delSp modSp del mod">
+        <pc:chgData name="Anatoliy Kigel" userId="7432c6c4687b0a9c" providerId="LiveId" clId="{6281C7F5-4F88-4773-9DB9-77B73DD9AA2D}" dt="2022-06-05T17:00:56.287" v="68" actId="47"/>
         <pc:sldMkLst>
           <pc:docMk/>
           <pc:sldMk cId="44952471" sldId="393"/>
@@ -1157,7 +1270,7 @@
             <a:fld id="{85522811-C5C6-42D2-A409-F8556720C93F}" type="datetimeFigureOut">
               <a:rPr lang="uk-UA" smtClean="0"/>
               <a:pPr/>
-              <a:t>04.06.2022</a:t>
+              <a:t>05.06.2022</a:t>
             </a:fld>
             <a:endParaRPr lang="uk-UA"/>
           </a:p>
@@ -1702,7 +1815,7 @@
             <a:fld id="{E6FC6B0D-6115-4D7C-8040-9C8E2349BB6E}" type="datetime1">
               <a:rPr lang="uk-UA" smtClean="0"/>
               <a:pPr/>
-              <a:t>04.06.2022</a:t>
+              <a:t>05.06.2022</a:t>
             </a:fld>
             <a:endParaRPr lang="uk-UA"/>
           </a:p>
@@ -1869,7 +1982,7 @@
             <a:fld id="{996367BA-0A39-4DE2-BFC3-D5290044365E}" type="datetime1">
               <a:rPr lang="uk-UA" smtClean="0"/>
               <a:pPr/>
-              <a:t>04.06.2022</a:t>
+              <a:t>05.06.2022</a:t>
             </a:fld>
             <a:endParaRPr lang="uk-UA"/>
           </a:p>
@@ -2046,7 +2159,7 @@
             <a:fld id="{1BD6A67F-6C29-47DC-AF8A-FDB3C787DF70}" type="datetime1">
               <a:rPr lang="uk-UA" smtClean="0"/>
               <a:pPr/>
-              <a:t>04.06.2022</a:t>
+              <a:t>05.06.2022</a:t>
             </a:fld>
             <a:endParaRPr lang="uk-UA"/>
           </a:p>
@@ -2213,7 +2326,7 @@
             <a:fld id="{1657D9C5-7FF1-434F-B56E-9BAD559744E9}" type="datetime1">
               <a:rPr lang="uk-UA" smtClean="0"/>
               <a:pPr/>
-              <a:t>04.06.2022</a:t>
+              <a:t>05.06.2022</a:t>
             </a:fld>
             <a:endParaRPr lang="uk-UA"/>
           </a:p>
@@ -2456,7 +2569,7 @@
             <a:fld id="{2CEB0FC9-DE63-476B-A1A9-BE934D9049F8}" type="datetime1">
               <a:rPr lang="uk-UA" smtClean="0"/>
               <a:pPr/>
-              <a:t>04.06.2022</a:t>
+              <a:t>05.06.2022</a:t>
             </a:fld>
             <a:endParaRPr lang="uk-UA"/>
           </a:p>
@@ -2741,7 +2854,7 @@
             <a:fld id="{F964460F-86E2-4DF6-9D0F-12F5005CF375}" type="datetime1">
               <a:rPr lang="uk-UA" smtClean="0"/>
               <a:pPr/>
-              <a:t>04.06.2022</a:t>
+              <a:t>05.06.2022</a:t>
             </a:fld>
             <a:endParaRPr lang="uk-UA"/>
           </a:p>
@@ -3160,7 +3273,7 @@
             <a:fld id="{C521715E-DDCD-4267-B0A5-2918B6F6768A}" type="datetime1">
               <a:rPr lang="uk-UA" smtClean="0"/>
               <a:pPr/>
-              <a:t>04.06.2022</a:t>
+              <a:t>05.06.2022</a:t>
             </a:fld>
             <a:endParaRPr lang="uk-UA"/>
           </a:p>
@@ -3275,7 +3388,7 @@
             <a:fld id="{9289842C-EB2D-4EBB-A272-2F6A49D9794D}" type="datetime1">
               <a:rPr lang="uk-UA" smtClean="0"/>
               <a:pPr/>
-              <a:t>04.06.2022</a:t>
+              <a:t>05.06.2022</a:t>
             </a:fld>
             <a:endParaRPr lang="uk-UA"/>
           </a:p>
@@ -3367,7 +3480,7 @@
             <a:fld id="{D036F091-B700-4B52-99AC-85D0FD94D904}" type="datetime1">
               <a:rPr lang="uk-UA" smtClean="0"/>
               <a:pPr/>
-              <a:t>04.06.2022</a:t>
+              <a:t>05.06.2022</a:t>
             </a:fld>
             <a:endParaRPr lang="uk-UA"/>
           </a:p>
@@ -3641,7 +3754,7 @@
             <a:fld id="{B35DFABA-3811-4634-B803-2EAC4CD0063B}" type="datetime1">
               <a:rPr lang="uk-UA" smtClean="0"/>
               <a:pPr/>
-              <a:t>04.06.2022</a:t>
+              <a:t>05.06.2022</a:t>
             </a:fld>
             <a:endParaRPr lang="uk-UA"/>
           </a:p>
@@ -3891,7 +4004,7 @@
             <a:fld id="{8A9EA25E-F88E-463A-A119-D1E55A881002}" type="datetime1">
               <a:rPr lang="uk-UA" smtClean="0"/>
               <a:pPr/>
-              <a:t>04.06.2022</a:t>
+              <a:t>05.06.2022</a:t>
             </a:fld>
             <a:endParaRPr lang="uk-UA"/>
           </a:p>
@@ -4101,7 +4214,7 @@
             <a:fld id="{E708ED03-0080-49A2-B709-7DA4ACB3A1C3}" type="datetime1">
               <a:rPr lang="uk-UA" smtClean="0"/>
               <a:pPr/>
-              <a:t>04.06.2022</a:t>
+              <a:t>05.06.2022</a:t>
             </a:fld>
             <a:endParaRPr lang="uk-UA"/>
           </a:p>
@@ -4820,77 +4933,209 @@
       </p:grpSpPr>
       <p:sp>
         <p:nvSpPr>
-          <p:cNvPr id="5" name="Прямоугольник 4"/>
-          <p:cNvSpPr/>
+          <p:cNvPr id="7" name="TextBox 6"/>
+          <p:cNvSpPr txBox="1"/>
           <p:nvPr/>
         </p:nvSpPr>
         <p:spPr>
           <a:xfrm>
-            <a:off x="0" y="0"/>
-            <a:ext cx="12192000" cy="6858000"/>
+            <a:off x="1127448" y="3501008"/>
+            <a:ext cx="10009112" cy="1569660"/>
           </a:xfrm>
           <a:prstGeom prst="rect">
             <a:avLst/>
           </a:prstGeom>
-          <a:solidFill>
-            <a:schemeClr val="tx2">
-              <a:lumMod val="75000"/>
-            </a:schemeClr>
-          </a:solidFill>
+          <a:noFill/>
+        </p:spPr>
+        <p:txBody>
+          <a:bodyPr wrap="square" rtlCol="0">
+            <a:spAutoFit/>
+          </a:bodyPr>
+          <a:lstStyle/>
+          <a:p>
+            <a:pPr algn="ctr"/>
+            <a:r>
+              <a:rPr lang="ru-RU" sz="4800" b="1" dirty="0">
+                <a:solidFill>
+                  <a:srgbClr val="0070C0"/>
+                </a:solidFill>
+              </a:rPr>
+              <a:t>СТРОЧНЫЕ</a:t>
+            </a:r>
+            <a:r>
+              <a:rPr lang="ru-RU" sz="4800" b="1" dirty="0"/>
+              <a:t> или </a:t>
+            </a:r>
+            <a:r>
+              <a:rPr lang="ru-RU" sz="4800" b="1" dirty="0">
+                <a:solidFill>
+                  <a:srgbClr val="00B050"/>
+                </a:solidFill>
+              </a:rPr>
+              <a:t>БЛОЧНЫЕ</a:t>
+            </a:r>
+            <a:endParaRPr lang="ru-RU" sz="4800" b="1" dirty="0"/>
+          </a:p>
+          <a:p>
+            <a:pPr algn="ctr"/>
+            <a:r>
+              <a:rPr lang="en-US" sz="4800" b="1" dirty="0">
+                <a:solidFill>
+                  <a:srgbClr val="0070C0"/>
+                </a:solidFill>
+              </a:rPr>
+              <a:t>INLINE</a:t>
+            </a:r>
+            <a:r>
+              <a:rPr lang="en-US" sz="4800" b="1" dirty="0"/>
+              <a:t> </a:t>
+            </a:r>
+            <a:r>
+              <a:rPr lang="ru-RU" sz="4800" b="1" dirty="0"/>
+              <a:t>/</a:t>
+            </a:r>
+            <a:r>
+              <a:rPr lang="en-US" sz="4800" b="1" dirty="0"/>
+              <a:t> </a:t>
+            </a:r>
+            <a:r>
+              <a:rPr lang="en-US" sz="4800" b="1" dirty="0">
+                <a:solidFill>
+                  <a:srgbClr val="00B050"/>
+                </a:solidFill>
+              </a:rPr>
+              <a:t>BLOCK</a:t>
+            </a:r>
+            <a:endParaRPr lang="uk-UA" sz="4800" b="1" dirty="0"/>
+          </a:p>
+        </p:txBody>
+      </p:sp>
+      <p:sp>
+        <p:nvSpPr>
+          <p:cNvPr id="5" name="Номер слайда 36"/>
+          <p:cNvSpPr txBox="1">
+            <a:spLocks/>
+          </p:cNvSpPr>
+          <p:nvPr/>
+        </p:nvSpPr>
+        <p:spPr>
+          <a:xfrm>
+            <a:off x="11136560" y="6165304"/>
+            <a:ext cx="648072" cy="432048"/>
+          </a:xfrm>
+          <a:prstGeom prst="roundRect">
+            <a:avLst/>
+          </a:prstGeom>
+          <a:ln w="25400" cap="flat" cmpd="sng" algn="ctr">
+            <a:solidFill>
+              <a:schemeClr val="tx2">
+                <a:lumMod val="60000"/>
+                <a:lumOff val="40000"/>
+              </a:schemeClr>
+            </a:solidFill>
+            <a:prstDash val="solid"/>
+          </a:ln>
         </p:spPr>
         <p:style>
           <a:lnRef idx="2">
-            <a:schemeClr val="accent1">
-              <a:shade val="50000"/>
-            </a:schemeClr>
+            <a:schemeClr val="accent1"/>
           </a:lnRef>
           <a:fillRef idx="1">
-            <a:schemeClr val="accent1"/>
+            <a:schemeClr val="lt1"/>
           </a:fillRef>
           <a:effectRef idx="0">
             <a:schemeClr val="accent1"/>
           </a:effectRef>
           <a:fontRef idx="minor">
-            <a:schemeClr val="lt1"/>
+            <a:schemeClr val="dk1"/>
           </a:fontRef>
         </p:style>
         <p:txBody>
-          <a:bodyPr rtlCol="0" anchor="ctr"/>
+          <a:bodyPr vert="horz" lIns="91440" tIns="45720" rIns="91440" bIns="45720" rtlCol="0" anchor="ctr"/>
+          <a:lstStyle/>
+          <a:p>
+            <a:pPr algn="ctr">
+              <a:defRPr/>
+            </a:pPr>
+            <a:fld id="{6389AA22-90B4-448C-8B6B-C699140D38B9}" type="slidenum">
+              <a:rPr lang="uk-UA" sz="2400" b="1">
+                <a:solidFill>
+                  <a:schemeClr val="bg1">
+                    <a:lumMod val="50000"/>
+                  </a:schemeClr>
+                </a:solidFill>
+              </a:rPr>
+              <a:pPr algn="ctr">
+                <a:defRPr/>
+              </a:pPr>
+              <a:t>10</a:t>
+            </a:fld>
+            <a:endParaRPr lang="uk-UA" sz="2400" b="1" dirty="0">
+              <a:solidFill>
+                <a:schemeClr val="bg1">
+                  <a:lumMod val="50000"/>
+                </a:schemeClr>
+              </a:solidFill>
+            </a:endParaRPr>
+          </a:p>
+        </p:txBody>
+      </p:sp>
+      <p:sp>
+        <p:nvSpPr>
+          <p:cNvPr id="4" name="TextBox 3"/>
+          <p:cNvSpPr txBox="1"/>
+          <p:nvPr/>
+        </p:nvSpPr>
+        <p:spPr>
+          <a:xfrm>
+            <a:off x="0" y="1025441"/>
+            <a:ext cx="12192000" cy="1323439"/>
+          </a:xfrm>
+          <a:prstGeom prst="rect">
+            <a:avLst/>
+          </a:prstGeom>
+          <a:noFill/>
+        </p:spPr>
+        <p:txBody>
+          <a:bodyPr wrap="square" rtlCol="0">
+            <a:spAutoFit/>
+          </a:bodyPr>
           <a:lstStyle/>
           <a:p>
             <a:pPr algn="ctr"/>
             <a:r>
-              <a:rPr lang="en-US" sz="6600" b="1" dirty="0"/>
-              <a:t>3</a:t>
-            </a:r>
-            <a:r>
-              <a:rPr lang="uk-UA" sz="6600" b="1" dirty="0"/>
-              <a:t>. </a:t>
-            </a:r>
-            <a:r>
-              <a:rPr lang="uk-UA" sz="6600" b="1" dirty="0" err="1"/>
-              <a:t>Строчно</a:t>
-            </a:r>
-            <a:r>
-              <a:rPr lang="uk-UA" sz="6600" b="1" dirty="0"/>
-              <a:t>/</a:t>
-            </a:r>
-            <a:r>
-              <a:rPr lang="uk-UA" sz="6600" b="1" dirty="0" err="1"/>
-              <a:t>блочная</a:t>
-            </a:r>
-            <a:r>
-              <a:rPr lang="uk-UA" sz="6600" b="1" dirty="0"/>
-              <a:t> модель</a:t>
-            </a:r>
-            <a:endParaRPr lang="en-US" sz="6600" b="1" dirty="0"/>
+              <a:rPr lang="ru-RU" sz="4000" b="1" dirty="0"/>
+              <a:t>Все теги внутри </a:t>
+            </a:r>
+            <a:r>
+              <a:rPr lang="en-US" sz="4000" b="1" dirty="0">
+                <a:solidFill>
+                  <a:schemeClr val="accent6">
+                    <a:lumMod val="75000"/>
+                  </a:schemeClr>
+                </a:solidFill>
+              </a:rPr>
+              <a:t>&lt;BODY&gt; </a:t>
+            </a:r>
+            <a:r>
+              <a:rPr lang="ru-RU" sz="4000" b="1" dirty="0"/>
+              <a:t>относятся </a:t>
+            </a:r>
+            <a:endParaRPr lang="en-US" sz="4000" b="1" dirty="0"/>
+          </a:p>
+          <a:p>
+            <a:pPr algn="ctr"/>
+            <a:r>
+              <a:rPr lang="ru-RU" sz="4000" b="1" dirty="0"/>
+              <a:t>к одной из двух категорий</a:t>
+            </a:r>
           </a:p>
         </p:txBody>
       </p:sp>
     </p:spTree>
     <p:extLst>
       <p:ext uri="{BB962C8B-B14F-4D97-AF65-F5344CB8AC3E}">
-        <p14:creationId xmlns:p14="http://schemas.microsoft.com/office/powerpoint/2010/main" val="3110395867"/>
+        <p14:creationId xmlns:p14="http://schemas.microsoft.com/office/powerpoint/2010/main" val="706587884"/>
       </p:ext>
     </p:extLst>
   </p:cSld>
@@ -4925,8 +5170,8 @@
         </p:nvSpPr>
         <p:spPr>
           <a:xfrm>
-            <a:off x="1127448" y="3501008"/>
-            <a:ext cx="10009112" cy="1569660"/>
+            <a:off x="0" y="149731"/>
+            <a:ext cx="12192000" cy="830997"/>
           </a:xfrm>
           <a:prstGeom prst="rect">
             <a:avLst/>
@@ -4941,56 +5186,12 @@
           <a:p>
             <a:pPr algn="ctr"/>
             <a:r>
-              <a:rPr lang="ru-RU" sz="4800" b="1" dirty="0">
-                <a:solidFill>
-                  <a:srgbClr val="0070C0"/>
-                </a:solidFill>
-              </a:rPr>
-              <a:t>СТРОЧНЫЕ</a:t>
+              <a:rPr lang="ru-RU" sz="4800" b="1" dirty="0" err="1"/>
+              <a:t>Строчно</a:t>
             </a:r>
             <a:r>
               <a:rPr lang="ru-RU" sz="4800" b="1" dirty="0"/>
-              <a:t> или </a:t>
-            </a:r>
-            <a:r>
-              <a:rPr lang="ru-RU" sz="4800" b="1" dirty="0">
-                <a:solidFill>
-                  <a:srgbClr val="00B050"/>
-                </a:solidFill>
-              </a:rPr>
-              <a:t>БЛОЧНЫЕ</a:t>
-            </a:r>
-            <a:endParaRPr lang="ru-RU" sz="4800" b="1" dirty="0"/>
-          </a:p>
-          <a:p>
-            <a:pPr algn="ctr"/>
-            <a:r>
-              <a:rPr lang="en-US" sz="4800" b="1" dirty="0">
-                <a:solidFill>
-                  <a:srgbClr val="0070C0"/>
-                </a:solidFill>
-              </a:rPr>
-              <a:t>INLINE</a:t>
-            </a:r>
-            <a:r>
-              <a:rPr lang="en-US" sz="4800" b="1" dirty="0"/>
-              <a:t> </a:t>
-            </a:r>
-            <a:r>
-              <a:rPr lang="ru-RU" sz="4800" b="1" dirty="0"/>
-              <a:t>/</a:t>
-            </a:r>
-            <a:r>
-              <a:rPr lang="en-US" sz="4800" b="1" dirty="0"/>
-              <a:t> </a:t>
-            </a:r>
-            <a:r>
-              <a:rPr lang="en-US" sz="4800" b="1" dirty="0">
-                <a:solidFill>
-                  <a:srgbClr val="00B050"/>
-                </a:solidFill>
-              </a:rPr>
-              <a:t>BLOCK</a:t>
+              <a:t>/блочная модель</a:t>
             </a:r>
             <a:endParaRPr lang="uk-UA" sz="4800" b="1" dirty="0"/>
           </a:p>
@@ -4998,7 +5199,7 @@
       </p:sp>
       <p:sp>
         <p:nvSpPr>
-          <p:cNvPr id="5" name="Номер слайда 36"/>
+          <p:cNvPr id="6" name="Номер слайда 36"/>
           <p:cNvSpPr txBox="1">
             <a:spLocks/>
           </p:cNvSpPr>
@@ -5068,14 +5269,16 @@
       </p:sp>
       <p:sp>
         <p:nvSpPr>
-          <p:cNvPr id="4" name="TextBox 3"/>
-          <p:cNvSpPr txBox="1"/>
+          <p:cNvPr id="28674" name="AutoShape 2" descr="http://polarpost.ru/forum/download/file.php?id=33679&amp;mode=view"/>
+          <p:cNvSpPr>
+            <a:spLocks noChangeAspect="1" noChangeArrowheads="1"/>
+          </p:cNvSpPr>
           <p:nvPr/>
         </p:nvSpPr>
-        <p:spPr>
-          <a:xfrm>
-            <a:off x="0" y="1025441"/>
-            <a:ext cx="12192000" cy="1323439"/>
+        <p:spPr bwMode="auto">
+          <a:xfrm>
+            <a:off x="1679575" y="-144463"/>
+            <a:ext cx="304800" cy="304801"/>
           </a:xfrm>
           <a:prstGeom prst="rect">
             <a:avLst/>
@@ -5083,45 +5286,210 @@
           <a:noFill/>
         </p:spPr>
         <p:txBody>
-          <a:bodyPr wrap="square" rtlCol="0">
-            <a:spAutoFit/>
+          <a:bodyPr vert="horz" wrap="square" lIns="91440" tIns="45720" rIns="91440" bIns="45720" numCol="1" anchor="t" anchorCtr="0" compatLnSpc="1">
+            <a:prstTxWarp prst="textNoShape">
+              <a:avLst/>
+            </a:prstTxWarp>
           </a:bodyPr>
           <a:lstStyle/>
           <a:p>
-            <a:pPr algn="ctr"/>
-            <a:r>
-              <a:rPr lang="ru-RU" sz="4000" b="1" dirty="0"/>
-              <a:t>Все теги внутри </a:t>
-            </a:r>
-            <a:r>
-              <a:rPr lang="en-US" sz="4000" b="1" dirty="0">
-                <a:solidFill>
-                  <a:schemeClr val="accent6">
-                    <a:lumMod val="75000"/>
-                  </a:schemeClr>
-                </a:solidFill>
-              </a:rPr>
-              <a:t>&lt;BODY&gt; </a:t>
-            </a:r>
-            <a:r>
-              <a:rPr lang="ru-RU" sz="4000" b="1" dirty="0"/>
-              <a:t>относятся </a:t>
-            </a:r>
-            <a:endParaRPr lang="en-US" sz="4000" b="1" dirty="0"/>
-          </a:p>
-          <a:p>
-            <a:pPr algn="ctr"/>
-            <a:r>
-              <a:rPr lang="ru-RU" sz="4000" b="1" dirty="0"/>
-              <a:t>к одной из двух категорий</a:t>
-            </a:r>
-          </a:p>
-        </p:txBody>
-      </p:sp>
+            <a:endParaRPr lang="ru-RU"/>
+          </a:p>
+        </p:txBody>
+      </p:sp>
+      <p:sp>
+        <p:nvSpPr>
+          <p:cNvPr id="28676" name="AutoShape 4" descr="http://polarpost.ru/forum/download/file.php?id=33679&amp;mode=view"/>
+          <p:cNvSpPr>
+            <a:spLocks noChangeAspect="1" noChangeArrowheads="1"/>
+          </p:cNvSpPr>
+          <p:nvPr/>
+        </p:nvSpPr>
+        <p:spPr bwMode="auto">
+          <a:xfrm>
+            <a:off x="1679575" y="-144463"/>
+            <a:ext cx="304800" cy="304801"/>
+          </a:xfrm>
+          <a:prstGeom prst="rect">
+            <a:avLst/>
+          </a:prstGeom>
+          <a:noFill/>
+        </p:spPr>
+        <p:txBody>
+          <a:bodyPr vert="horz" wrap="square" lIns="91440" tIns="45720" rIns="91440" bIns="45720" numCol="1" anchor="t" anchorCtr="0" compatLnSpc="1">
+            <a:prstTxWarp prst="textNoShape">
+              <a:avLst/>
+            </a:prstTxWarp>
+          </a:bodyPr>
+          <a:lstStyle/>
+          <a:p>
+            <a:endParaRPr lang="ru-RU"/>
+          </a:p>
+        </p:txBody>
+      </p:sp>
+      <p:sp>
+        <p:nvSpPr>
+          <p:cNvPr id="28678" name="AutoShape 6" descr="http://polarpost.ru/forum/download/file.php?id=33679&amp;mode=view"/>
+          <p:cNvSpPr>
+            <a:spLocks noChangeAspect="1" noChangeArrowheads="1"/>
+          </p:cNvSpPr>
+          <p:nvPr/>
+        </p:nvSpPr>
+        <p:spPr bwMode="auto">
+          <a:xfrm>
+            <a:off x="1679575" y="-144463"/>
+            <a:ext cx="304800" cy="304801"/>
+          </a:xfrm>
+          <a:prstGeom prst="rect">
+            <a:avLst/>
+          </a:prstGeom>
+          <a:noFill/>
+        </p:spPr>
+        <p:txBody>
+          <a:bodyPr vert="horz" wrap="square" lIns="91440" tIns="45720" rIns="91440" bIns="45720" numCol="1" anchor="t" anchorCtr="0" compatLnSpc="1">
+            <a:prstTxWarp prst="textNoShape">
+              <a:avLst/>
+            </a:prstTxWarp>
+          </a:bodyPr>
+          <a:lstStyle/>
+          <a:p>
+            <a:endParaRPr lang="ru-RU"/>
+          </a:p>
+        </p:txBody>
+      </p:sp>
+      <p:sp>
+        <p:nvSpPr>
+          <p:cNvPr id="28680" name="AutoShape 8" descr="http://polarpost.ru/forum/download/file.php?id=33679&amp;mode=view"/>
+          <p:cNvSpPr>
+            <a:spLocks noChangeAspect="1" noChangeArrowheads="1"/>
+          </p:cNvSpPr>
+          <p:nvPr/>
+        </p:nvSpPr>
+        <p:spPr bwMode="auto">
+          <a:xfrm>
+            <a:off x="1679575" y="-144463"/>
+            <a:ext cx="304800" cy="304801"/>
+          </a:xfrm>
+          <a:prstGeom prst="rect">
+            <a:avLst/>
+          </a:prstGeom>
+          <a:noFill/>
+        </p:spPr>
+        <p:txBody>
+          <a:bodyPr vert="horz" wrap="square" lIns="91440" tIns="45720" rIns="91440" bIns="45720" numCol="1" anchor="t" anchorCtr="0" compatLnSpc="1">
+            <a:prstTxWarp prst="textNoShape">
+              <a:avLst/>
+            </a:prstTxWarp>
+          </a:bodyPr>
+          <a:lstStyle/>
+          <a:p>
+            <a:endParaRPr lang="ru-RU"/>
+          </a:p>
+        </p:txBody>
+      </p:sp>
+      <p:sp>
+        <p:nvSpPr>
+          <p:cNvPr id="28682" name="AutoShape 10" descr="http://polarpost.ru/forum/download/file.php?id=33679&amp;mode=view"/>
+          <p:cNvSpPr>
+            <a:spLocks noChangeAspect="1" noChangeArrowheads="1"/>
+          </p:cNvSpPr>
+          <p:nvPr/>
+        </p:nvSpPr>
+        <p:spPr bwMode="auto">
+          <a:xfrm>
+            <a:off x="1679575" y="-144463"/>
+            <a:ext cx="304800" cy="304801"/>
+          </a:xfrm>
+          <a:prstGeom prst="rect">
+            <a:avLst/>
+          </a:prstGeom>
+          <a:noFill/>
+        </p:spPr>
+        <p:txBody>
+          <a:bodyPr vert="horz" wrap="square" lIns="91440" tIns="45720" rIns="91440" bIns="45720" numCol="1" anchor="t" anchorCtr="0" compatLnSpc="1">
+            <a:prstTxWarp prst="textNoShape">
+              <a:avLst/>
+            </a:prstTxWarp>
+          </a:bodyPr>
+          <a:lstStyle/>
+          <a:p>
+            <a:endParaRPr lang="ru-RU"/>
+          </a:p>
+        </p:txBody>
+      </p:sp>
+      <p:sp>
+        <p:nvSpPr>
+          <p:cNvPr id="28684" name="AutoShape 12" descr="http://polarpost.ru/forum/download/file.php?id=33679&amp;mode=view"/>
+          <p:cNvSpPr>
+            <a:spLocks noChangeAspect="1" noChangeArrowheads="1"/>
+          </p:cNvSpPr>
+          <p:nvPr/>
+        </p:nvSpPr>
+        <p:spPr bwMode="auto">
+          <a:xfrm>
+            <a:off x="1679575" y="-144463"/>
+            <a:ext cx="304800" cy="304801"/>
+          </a:xfrm>
+          <a:prstGeom prst="rect">
+            <a:avLst/>
+          </a:prstGeom>
+          <a:noFill/>
+        </p:spPr>
+        <p:txBody>
+          <a:bodyPr vert="horz" wrap="square" lIns="91440" tIns="45720" rIns="91440" bIns="45720" numCol="1" anchor="t" anchorCtr="0" compatLnSpc="1">
+            <a:prstTxWarp prst="textNoShape">
+              <a:avLst/>
+            </a:prstTxWarp>
+          </a:bodyPr>
+          <a:lstStyle/>
+          <a:p>
+            <a:endParaRPr lang="ru-RU"/>
+          </a:p>
+        </p:txBody>
+      </p:sp>
+      <p:pic>
+        <p:nvPicPr>
+          <p:cNvPr id="28686" name="Picture 14" descr="http://image.zn.ua/media/images/original/Nov2014/102997.jpg"/>
+          <p:cNvPicPr>
+            <a:picLocks noChangeAspect="1" noChangeArrowheads="1"/>
+          </p:cNvPicPr>
+          <p:nvPr/>
+        </p:nvPicPr>
+        <p:blipFill>
+          <a:blip r:embed="rId2" cstate="print"/>
+          <a:srcRect/>
+          <a:stretch>
+            <a:fillRect/>
+          </a:stretch>
+        </p:blipFill>
+        <p:spPr bwMode="auto">
+          <a:xfrm>
+            <a:off x="2279576" y="1163653"/>
+            <a:ext cx="7844753" cy="5217675"/>
+          </a:xfrm>
+          <a:prstGeom prst="rect">
+            <a:avLst/>
+          </a:prstGeom>
+          <a:ln>
+            <a:solidFill>
+              <a:schemeClr val="bg1">
+                <a:lumMod val="85000"/>
+              </a:schemeClr>
+            </a:solidFill>
+          </a:ln>
+          <a:effectLst>
+            <a:outerShdw blurRad="292100" dist="139700" dir="2700000" algn="tl" rotWithShape="0">
+              <a:srgbClr val="333333">
+                <a:alpha val="65000"/>
+              </a:srgbClr>
+            </a:outerShdw>
+          </a:effectLst>
+        </p:spPr>
+      </p:pic>
     </p:spTree>
     <p:extLst>
       <p:ext uri="{BB962C8B-B14F-4D97-AF65-F5344CB8AC3E}">
-        <p14:creationId xmlns:p14="http://schemas.microsoft.com/office/powerpoint/2010/main" val="706587884"/>
+        <p14:creationId xmlns:p14="http://schemas.microsoft.com/office/powerpoint/2010/main" val="318009249"/>
       </p:ext>
     </p:extLst>
   </p:cSld>
@@ -5156,8 +5524,8 @@
         </p:nvSpPr>
         <p:spPr>
           <a:xfrm>
-            <a:off x="0" y="149731"/>
-            <a:ext cx="12192000" cy="830997"/>
+            <a:off x="1524000" y="437764"/>
+            <a:ext cx="9144000" cy="830997"/>
           </a:xfrm>
           <a:prstGeom prst="rect">
             <a:avLst/>
@@ -5172,12 +5540,8 @@
           <a:p>
             <a:pPr algn="ctr"/>
             <a:r>
-              <a:rPr lang="ru-RU" sz="4800" b="1" dirty="0" err="1"/>
-              <a:t>Строчно</a:t>
-            </a:r>
-            <a:r>
               <a:rPr lang="ru-RU" sz="4800" b="1" dirty="0"/>
-              <a:t>/блочная модель</a:t>
+              <a:t>Строчные и блочные теги</a:t>
             </a:r>
             <a:endParaRPr lang="uk-UA" sz="4800" b="1" dirty="0"/>
           </a:p>
@@ -5193,7 +5557,7 @@
         </p:nvSpPr>
         <p:spPr>
           <a:xfrm>
-            <a:off x="11136560" y="6165304"/>
+            <a:off x="11136560" y="6093296"/>
             <a:ext cx="648072" cy="432048"/>
           </a:xfrm>
           <a:prstGeom prst="roundRect">
@@ -5255,356 +5619,6 @@
       </p:sp>
       <p:sp>
         <p:nvSpPr>
-          <p:cNvPr id="28674" name="AutoShape 2" descr="http://polarpost.ru/forum/download/file.php?id=33679&amp;mode=view"/>
-          <p:cNvSpPr>
-            <a:spLocks noChangeAspect="1" noChangeArrowheads="1"/>
-          </p:cNvSpPr>
-          <p:nvPr/>
-        </p:nvSpPr>
-        <p:spPr bwMode="auto">
-          <a:xfrm>
-            <a:off x="1679575" y="-144463"/>
-            <a:ext cx="304800" cy="304801"/>
-          </a:xfrm>
-          <a:prstGeom prst="rect">
-            <a:avLst/>
-          </a:prstGeom>
-          <a:noFill/>
-        </p:spPr>
-        <p:txBody>
-          <a:bodyPr vert="horz" wrap="square" lIns="91440" tIns="45720" rIns="91440" bIns="45720" numCol="1" anchor="t" anchorCtr="0" compatLnSpc="1">
-            <a:prstTxWarp prst="textNoShape">
-              <a:avLst/>
-            </a:prstTxWarp>
-          </a:bodyPr>
-          <a:lstStyle/>
-          <a:p>
-            <a:endParaRPr lang="ru-RU"/>
-          </a:p>
-        </p:txBody>
-      </p:sp>
-      <p:sp>
-        <p:nvSpPr>
-          <p:cNvPr id="28676" name="AutoShape 4" descr="http://polarpost.ru/forum/download/file.php?id=33679&amp;mode=view"/>
-          <p:cNvSpPr>
-            <a:spLocks noChangeAspect="1" noChangeArrowheads="1"/>
-          </p:cNvSpPr>
-          <p:nvPr/>
-        </p:nvSpPr>
-        <p:spPr bwMode="auto">
-          <a:xfrm>
-            <a:off x="1679575" y="-144463"/>
-            <a:ext cx="304800" cy="304801"/>
-          </a:xfrm>
-          <a:prstGeom prst="rect">
-            <a:avLst/>
-          </a:prstGeom>
-          <a:noFill/>
-        </p:spPr>
-        <p:txBody>
-          <a:bodyPr vert="horz" wrap="square" lIns="91440" tIns="45720" rIns="91440" bIns="45720" numCol="1" anchor="t" anchorCtr="0" compatLnSpc="1">
-            <a:prstTxWarp prst="textNoShape">
-              <a:avLst/>
-            </a:prstTxWarp>
-          </a:bodyPr>
-          <a:lstStyle/>
-          <a:p>
-            <a:endParaRPr lang="ru-RU"/>
-          </a:p>
-        </p:txBody>
-      </p:sp>
-      <p:sp>
-        <p:nvSpPr>
-          <p:cNvPr id="28678" name="AutoShape 6" descr="http://polarpost.ru/forum/download/file.php?id=33679&amp;mode=view"/>
-          <p:cNvSpPr>
-            <a:spLocks noChangeAspect="1" noChangeArrowheads="1"/>
-          </p:cNvSpPr>
-          <p:nvPr/>
-        </p:nvSpPr>
-        <p:spPr bwMode="auto">
-          <a:xfrm>
-            <a:off x="1679575" y="-144463"/>
-            <a:ext cx="304800" cy="304801"/>
-          </a:xfrm>
-          <a:prstGeom prst="rect">
-            <a:avLst/>
-          </a:prstGeom>
-          <a:noFill/>
-        </p:spPr>
-        <p:txBody>
-          <a:bodyPr vert="horz" wrap="square" lIns="91440" tIns="45720" rIns="91440" bIns="45720" numCol="1" anchor="t" anchorCtr="0" compatLnSpc="1">
-            <a:prstTxWarp prst="textNoShape">
-              <a:avLst/>
-            </a:prstTxWarp>
-          </a:bodyPr>
-          <a:lstStyle/>
-          <a:p>
-            <a:endParaRPr lang="ru-RU"/>
-          </a:p>
-        </p:txBody>
-      </p:sp>
-      <p:sp>
-        <p:nvSpPr>
-          <p:cNvPr id="28680" name="AutoShape 8" descr="http://polarpost.ru/forum/download/file.php?id=33679&amp;mode=view"/>
-          <p:cNvSpPr>
-            <a:spLocks noChangeAspect="1" noChangeArrowheads="1"/>
-          </p:cNvSpPr>
-          <p:nvPr/>
-        </p:nvSpPr>
-        <p:spPr bwMode="auto">
-          <a:xfrm>
-            <a:off x="1679575" y="-144463"/>
-            <a:ext cx="304800" cy="304801"/>
-          </a:xfrm>
-          <a:prstGeom prst="rect">
-            <a:avLst/>
-          </a:prstGeom>
-          <a:noFill/>
-        </p:spPr>
-        <p:txBody>
-          <a:bodyPr vert="horz" wrap="square" lIns="91440" tIns="45720" rIns="91440" bIns="45720" numCol="1" anchor="t" anchorCtr="0" compatLnSpc="1">
-            <a:prstTxWarp prst="textNoShape">
-              <a:avLst/>
-            </a:prstTxWarp>
-          </a:bodyPr>
-          <a:lstStyle/>
-          <a:p>
-            <a:endParaRPr lang="ru-RU"/>
-          </a:p>
-        </p:txBody>
-      </p:sp>
-      <p:sp>
-        <p:nvSpPr>
-          <p:cNvPr id="28682" name="AutoShape 10" descr="http://polarpost.ru/forum/download/file.php?id=33679&amp;mode=view"/>
-          <p:cNvSpPr>
-            <a:spLocks noChangeAspect="1" noChangeArrowheads="1"/>
-          </p:cNvSpPr>
-          <p:nvPr/>
-        </p:nvSpPr>
-        <p:spPr bwMode="auto">
-          <a:xfrm>
-            <a:off x="1679575" y="-144463"/>
-            <a:ext cx="304800" cy="304801"/>
-          </a:xfrm>
-          <a:prstGeom prst="rect">
-            <a:avLst/>
-          </a:prstGeom>
-          <a:noFill/>
-        </p:spPr>
-        <p:txBody>
-          <a:bodyPr vert="horz" wrap="square" lIns="91440" tIns="45720" rIns="91440" bIns="45720" numCol="1" anchor="t" anchorCtr="0" compatLnSpc="1">
-            <a:prstTxWarp prst="textNoShape">
-              <a:avLst/>
-            </a:prstTxWarp>
-          </a:bodyPr>
-          <a:lstStyle/>
-          <a:p>
-            <a:endParaRPr lang="ru-RU"/>
-          </a:p>
-        </p:txBody>
-      </p:sp>
-      <p:sp>
-        <p:nvSpPr>
-          <p:cNvPr id="28684" name="AutoShape 12" descr="http://polarpost.ru/forum/download/file.php?id=33679&amp;mode=view"/>
-          <p:cNvSpPr>
-            <a:spLocks noChangeAspect="1" noChangeArrowheads="1"/>
-          </p:cNvSpPr>
-          <p:nvPr/>
-        </p:nvSpPr>
-        <p:spPr bwMode="auto">
-          <a:xfrm>
-            <a:off x="1679575" y="-144463"/>
-            <a:ext cx="304800" cy="304801"/>
-          </a:xfrm>
-          <a:prstGeom prst="rect">
-            <a:avLst/>
-          </a:prstGeom>
-          <a:noFill/>
-        </p:spPr>
-        <p:txBody>
-          <a:bodyPr vert="horz" wrap="square" lIns="91440" tIns="45720" rIns="91440" bIns="45720" numCol="1" anchor="t" anchorCtr="0" compatLnSpc="1">
-            <a:prstTxWarp prst="textNoShape">
-              <a:avLst/>
-            </a:prstTxWarp>
-          </a:bodyPr>
-          <a:lstStyle/>
-          <a:p>
-            <a:endParaRPr lang="ru-RU"/>
-          </a:p>
-        </p:txBody>
-      </p:sp>
-      <p:pic>
-        <p:nvPicPr>
-          <p:cNvPr id="28686" name="Picture 14" descr="http://image.zn.ua/media/images/original/Nov2014/102997.jpg"/>
-          <p:cNvPicPr>
-            <a:picLocks noChangeAspect="1" noChangeArrowheads="1"/>
-          </p:cNvPicPr>
-          <p:nvPr/>
-        </p:nvPicPr>
-        <p:blipFill>
-          <a:blip r:embed="rId2" cstate="print"/>
-          <a:srcRect/>
-          <a:stretch>
-            <a:fillRect/>
-          </a:stretch>
-        </p:blipFill>
-        <p:spPr bwMode="auto">
-          <a:xfrm>
-            <a:off x="2279576" y="1163653"/>
-            <a:ext cx="7844753" cy="5217675"/>
-          </a:xfrm>
-          <a:prstGeom prst="rect">
-            <a:avLst/>
-          </a:prstGeom>
-          <a:ln>
-            <a:solidFill>
-              <a:schemeClr val="bg1">
-                <a:lumMod val="85000"/>
-              </a:schemeClr>
-            </a:solidFill>
-          </a:ln>
-          <a:effectLst>
-            <a:outerShdw blurRad="292100" dist="139700" dir="2700000" algn="tl" rotWithShape="0">
-              <a:srgbClr val="333333">
-                <a:alpha val="65000"/>
-              </a:srgbClr>
-            </a:outerShdw>
-          </a:effectLst>
-        </p:spPr>
-      </p:pic>
-    </p:spTree>
-    <p:extLst>
-      <p:ext uri="{BB962C8B-B14F-4D97-AF65-F5344CB8AC3E}">
-        <p14:creationId xmlns:p14="http://schemas.microsoft.com/office/powerpoint/2010/main" val="318009249"/>
-      </p:ext>
-    </p:extLst>
-  </p:cSld>
-  <p:clrMapOvr>
-    <a:masterClrMapping/>
-  </p:clrMapOvr>
-</p:sld>
-</file>
-
-<file path=ppt/slides/slide13.xml><?xml version="1.0" encoding="utf-8"?>
-<p:sld xmlns:a="http://schemas.openxmlformats.org/drawingml/2006/main" xmlns:r="http://schemas.openxmlformats.org/officeDocument/2006/relationships" xmlns:p="http://schemas.openxmlformats.org/presentationml/2006/main">
-  <p:cSld>
-    <p:spTree>
-      <p:nvGrpSpPr>
-        <p:cNvPr id="1" name=""/>
-        <p:cNvGrpSpPr/>
-        <p:nvPr/>
-      </p:nvGrpSpPr>
-      <p:grpSpPr>
-        <a:xfrm>
-          <a:off x="0" y="0"/>
-          <a:ext cx="0" cy="0"/>
-          <a:chOff x="0" y="0"/>
-          <a:chExt cx="0" cy="0"/>
-        </a:xfrm>
-      </p:grpSpPr>
-      <p:sp>
-        <p:nvSpPr>
-          <p:cNvPr id="7" name="TextBox 6"/>
-          <p:cNvSpPr txBox="1"/>
-          <p:nvPr/>
-        </p:nvSpPr>
-        <p:spPr>
-          <a:xfrm>
-            <a:off x="1524000" y="437764"/>
-            <a:ext cx="9144000" cy="830997"/>
-          </a:xfrm>
-          <a:prstGeom prst="rect">
-            <a:avLst/>
-          </a:prstGeom>
-          <a:noFill/>
-        </p:spPr>
-        <p:txBody>
-          <a:bodyPr wrap="square" rtlCol="0">
-            <a:spAutoFit/>
-          </a:bodyPr>
-          <a:lstStyle/>
-          <a:p>
-            <a:pPr algn="ctr"/>
-            <a:r>
-              <a:rPr lang="ru-RU" sz="4800" b="1" dirty="0"/>
-              <a:t>Строчные и блочные теги</a:t>
-            </a:r>
-            <a:endParaRPr lang="uk-UA" sz="4800" b="1" dirty="0"/>
-          </a:p>
-        </p:txBody>
-      </p:sp>
-      <p:sp>
-        <p:nvSpPr>
-          <p:cNvPr id="6" name="Номер слайда 36"/>
-          <p:cNvSpPr txBox="1">
-            <a:spLocks/>
-          </p:cNvSpPr>
-          <p:nvPr/>
-        </p:nvSpPr>
-        <p:spPr>
-          <a:xfrm>
-            <a:off x="11136560" y="6093296"/>
-            <a:ext cx="648072" cy="432048"/>
-          </a:xfrm>
-          <a:prstGeom prst="roundRect">
-            <a:avLst/>
-          </a:prstGeom>
-          <a:ln w="25400" cap="flat" cmpd="sng" algn="ctr">
-            <a:solidFill>
-              <a:schemeClr val="tx2">
-                <a:lumMod val="60000"/>
-                <a:lumOff val="40000"/>
-              </a:schemeClr>
-            </a:solidFill>
-            <a:prstDash val="solid"/>
-          </a:ln>
-        </p:spPr>
-        <p:style>
-          <a:lnRef idx="2">
-            <a:schemeClr val="accent1"/>
-          </a:lnRef>
-          <a:fillRef idx="1">
-            <a:schemeClr val="lt1"/>
-          </a:fillRef>
-          <a:effectRef idx="0">
-            <a:schemeClr val="accent1"/>
-          </a:effectRef>
-          <a:fontRef idx="minor">
-            <a:schemeClr val="dk1"/>
-          </a:fontRef>
-        </p:style>
-        <p:txBody>
-          <a:bodyPr vert="horz" lIns="91440" tIns="45720" rIns="91440" bIns="45720" rtlCol="0" anchor="ctr"/>
-          <a:lstStyle/>
-          <a:p>
-            <a:pPr algn="ctr">
-              <a:defRPr/>
-            </a:pPr>
-            <a:fld id="{6389AA22-90B4-448C-8B6B-C699140D38B9}" type="slidenum">
-              <a:rPr lang="uk-UA" sz="2400" b="1">
-                <a:solidFill>
-                  <a:schemeClr val="bg1">
-                    <a:lumMod val="50000"/>
-                  </a:schemeClr>
-                </a:solidFill>
-              </a:rPr>
-              <a:pPr algn="ctr">
-                <a:defRPr/>
-              </a:pPr>
-              <a:t>13</a:t>
-            </a:fld>
-            <a:endParaRPr lang="uk-UA" sz="2400" b="1" dirty="0">
-              <a:solidFill>
-                <a:schemeClr val="bg1">
-                  <a:lumMod val="50000"/>
-                </a:schemeClr>
-              </a:solidFill>
-            </a:endParaRPr>
-          </a:p>
-        </p:txBody>
-      </p:sp>
-      <p:sp>
-        <p:nvSpPr>
           <p:cNvPr id="5" name="Прямоугольник 4"/>
           <p:cNvSpPr/>
           <p:nvPr/>
@@ -5680,7 +5694,7 @@
 </p:sld>
 </file>
 
-<file path=ppt/slides/slide14.xml><?xml version="1.0" encoding="utf-8"?>
+<file path=ppt/slides/slide13.xml><?xml version="1.0" encoding="utf-8"?>
 <p:sld xmlns:a="http://schemas.openxmlformats.org/drawingml/2006/main" xmlns:r="http://schemas.openxmlformats.org/officeDocument/2006/relationships" xmlns:p="http://schemas.openxmlformats.org/presentationml/2006/main">
   <p:cSld>
     <p:spTree>
@@ -5744,6 +5758,385 @@
 </p:sld>
 </file>
 
+<file path=ppt/slides/slide14.xml><?xml version="1.0" encoding="utf-8"?>
+<p:sld xmlns:a="http://schemas.openxmlformats.org/drawingml/2006/main" xmlns:r="http://schemas.openxmlformats.org/officeDocument/2006/relationships" xmlns:p="http://schemas.openxmlformats.org/presentationml/2006/main">
+  <p:cSld>
+    <p:spTree>
+      <p:nvGrpSpPr>
+        <p:cNvPr id="1" name=""/>
+        <p:cNvGrpSpPr/>
+        <p:nvPr/>
+      </p:nvGrpSpPr>
+      <p:grpSpPr>
+        <a:xfrm>
+          <a:off x="0" y="0"/>
+          <a:ext cx="0" cy="0"/>
+          <a:chOff x="0" y="0"/>
+          <a:chExt cx="0" cy="0"/>
+        </a:xfrm>
+      </p:grpSpPr>
+      <p:sp>
+        <p:nvSpPr>
+          <p:cNvPr id="5" name="TextBox 4"/>
+          <p:cNvSpPr txBox="1"/>
+          <p:nvPr/>
+        </p:nvSpPr>
+        <p:spPr>
+          <a:xfrm>
+            <a:off x="3071664" y="769766"/>
+            <a:ext cx="6404702" cy="923330"/>
+          </a:xfrm>
+          <a:prstGeom prst="rect">
+            <a:avLst/>
+          </a:prstGeom>
+          <a:noFill/>
+        </p:spPr>
+        <p:txBody>
+          <a:bodyPr wrap="none" rtlCol="0">
+            <a:spAutoFit/>
+          </a:bodyPr>
+          <a:lstStyle/>
+          <a:p>
+            <a:r>
+              <a:rPr lang="ru-RU" sz="5400" b="1" dirty="0"/>
+              <a:t>Блочные (</a:t>
+            </a:r>
+            <a:r>
+              <a:rPr lang="en-US" sz="5400" b="1" dirty="0"/>
+              <a:t>Block</a:t>
+            </a:r>
+            <a:r>
+              <a:rPr lang="ru-RU" sz="5400" b="1" dirty="0"/>
+              <a:t>)</a:t>
+            </a:r>
+            <a:r>
+              <a:rPr lang="en-US" sz="5400" b="1" dirty="0"/>
+              <a:t> </a:t>
+            </a:r>
+            <a:r>
+              <a:rPr lang="uk-UA" sz="5400" b="1" dirty="0"/>
+              <a:t>теги</a:t>
+            </a:r>
+          </a:p>
+        </p:txBody>
+      </p:sp>
+      <p:sp>
+        <p:nvSpPr>
+          <p:cNvPr id="6" name="TextBox 5"/>
+          <p:cNvSpPr txBox="1"/>
+          <p:nvPr/>
+        </p:nvSpPr>
+        <p:spPr>
+          <a:xfrm>
+            <a:off x="3288180" y="2204865"/>
+            <a:ext cx="5615640" cy="584775"/>
+          </a:xfrm>
+          <a:prstGeom prst="rect">
+            <a:avLst/>
+          </a:prstGeom>
+          <a:noFill/>
+        </p:spPr>
+        <p:txBody>
+          <a:bodyPr wrap="none" rtlCol="0">
+            <a:spAutoFit/>
+          </a:bodyPr>
+          <a:lstStyle/>
+          <a:p>
+            <a:r>
+              <a:rPr lang="en-US" sz="3200" b="1" dirty="0">
+                <a:latin typeface="Courier New" pitchFamily="49" charset="0"/>
+                <a:cs typeface="Courier New" pitchFamily="49" charset="0"/>
+              </a:rPr>
+              <a:t>&lt;p&gt;, &lt;h1&gt;</a:t>
+            </a:r>
+            <a:r>
+              <a:rPr lang="ru-RU" sz="3200" b="1" dirty="0">
+                <a:latin typeface="Courier New" pitchFamily="49" charset="0"/>
+                <a:cs typeface="Courier New" pitchFamily="49" charset="0"/>
+              </a:rPr>
+              <a:t>…</a:t>
+            </a:r>
+            <a:r>
+              <a:rPr lang="en-US" sz="3200" b="1" dirty="0">
+                <a:latin typeface="Courier New" pitchFamily="49" charset="0"/>
+                <a:cs typeface="Courier New" pitchFamily="49" charset="0"/>
+              </a:rPr>
+              <a:t>&lt;h6&gt;, </a:t>
+            </a:r>
+            <a:r>
+              <a:rPr lang="en-US" sz="3200" b="1" dirty="0">
+                <a:solidFill>
+                  <a:srgbClr val="00B050"/>
+                </a:solidFill>
+                <a:latin typeface="Courier New" pitchFamily="49" charset="0"/>
+                <a:cs typeface="Courier New" pitchFamily="49" charset="0"/>
+              </a:rPr>
+              <a:t>&lt;div&gt;</a:t>
+            </a:r>
+            <a:r>
+              <a:rPr lang="ru-RU" sz="3200" b="1" dirty="0">
+                <a:latin typeface="Courier New" pitchFamily="49" charset="0"/>
+                <a:cs typeface="Courier New" pitchFamily="49" charset="0"/>
+              </a:rPr>
+              <a:t>…</a:t>
+            </a:r>
+            <a:endParaRPr lang="uk-UA" sz="3200" b="1" dirty="0">
+              <a:latin typeface="Courier New" pitchFamily="49" charset="0"/>
+              <a:cs typeface="Courier New" pitchFamily="49" charset="0"/>
+            </a:endParaRPr>
+          </a:p>
+        </p:txBody>
+      </p:sp>
+      <p:sp>
+        <p:nvSpPr>
+          <p:cNvPr id="7" name="TextBox 6"/>
+          <p:cNvSpPr txBox="1"/>
+          <p:nvPr/>
+        </p:nvSpPr>
+        <p:spPr>
+          <a:xfrm>
+            <a:off x="2909760" y="3789040"/>
+            <a:ext cx="6728509" cy="923330"/>
+          </a:xfrm>
+          <a:prstGeom prst="rect">
+            <a:avLst/>
+          </a:prstGeom>
+          <a:noFill/>
+        </p:spPr>
+        <p:txBody>
+          <a:bodyPr wrap="none" rtlCol="0">
+            <a:spAutoFit/>
+          </a:bodyPr>
+          <a:lstStyle/>
+          <a:p>
+            <a:r>
+              <a:rPr lang="ru-RU" sz="5400" b="1" dirty="0"/>
+              <a:t>Строчные (</a:t>
+            </a:r>
+            <a:r>
+              <a:rPr lang="en-US" sz="5400" b="1" dirty="0"/>
+              <a:t>Inline</a:t>
+            </a:r>
+            <a:r>
+              <a:rPr lang="ru-RU" sz="5400" b="1" dirty="0"/>
+              <a:t>) теги</a:t>
+            </a:r>
+            <a:endParaRPr lang="uk-UA" sz="5400" b="1" dirty="0"/>
+          </a:p>
+        </p:txBody>
+      </p:sp>
+      <p:sp>
+        <p:nvSpPr>
+          <p:cNvPr id="8" name="TextBox 7"/>
+          <p:cNvSpPr txBox="1"/>
+          <p:nvPr/>
+        </p:nvSpPr>
+        <p:spPr>
+          <a:xfrm>
+            <a:off x="1807007" y="5157193"/>
+            <a:ext cx="8577989" cy="584775"/>
+          </a:xfrm>
+          <a:prstGeom prst="rect">
+            <a:avLst/>
+          </a:prstGeom>
+          <a:noFill/>
+        </p:spPr>
+        <p:txBody>
+          <a:bodyPr wrap="none" rtlCol="0">
+            <a:spAutoFit/>
+          </a:bodyPr>
+          <a:lstStyle/>
+          <a:p>
+            <a:r>
+              <a:rPr lang="en-US" sz="3200" b="1" dirty="0">
+                <a:latin typeface="Courier New" pitchFamily="49" charset="0"/>
+                <a:cs typeface="Courier New" pitchFamily="49" charset="0"/>
+              </a:rPr>
+              <a:t>&lt;b&gt;, &lt;</a:t>
+            </a:r>
+            <a:r>
+              <a:rPr lang="en-US" sz="3200" b="1" dirty="0" err="1">
+                <a:latin typeface="Courier New" pitchFamily="49" charset="0"/>
+                <a:cs typeface="Courier New" pitchFamily="49" charset="0"/>
+              </a:rPr>
+              <a:t>i</a:t>
+            </a:r>
+            <a:r>
+              <a:rPr lang="en-US" sz="3200" b="1" dirty="0">
+                <a:latin typeface="Courier New" pitchFamily="49" charset="0"/>
+                <a:cs typeface="Courier New" pitchFamily="49" charset="0"/>
+              </a:rPr>
+              <a:t>&gt;, &lt;u&gt;, </a:t>
+            </a:r>
+            <a:r>
+              <a:rPr lang="en-US" sz="3200" b="1" dirty="0">
+                <a:solidFill>
+                  <a:schemeClr val="accent6">
+                    <a:lumMod val="75000"/>
+                  </a:schemeClr>
+                </a:solidFill>
+                <a:latin typeface="Courier New" pitchFamily="49" charset="0"/>
+                <a:cs typeface="Courier New" pitchFamily="49" charset="0"/>
+              </a:rPr>
+              <a:t>&lt;a&gt;</a:t>
+            </a:r>
+            <a:r>
+              <a:rPr lang="en-US" sz="3200" b="1" dirty="0">
+                <a:latin typeface="Courier New" pitchFamily="49" charset="0"/>
+                <a:cs typeface="Courier New" pitchFamily="49" charset="0"/>
+              </a:rPr>
+              <a:t>, </a:t>
+            </a:r>
+            <a:r>
+              <a:rPr lang="en-US" sz="3200" b="1" dirty="0">
+                <a:solidFill>
+                  <a:schemeClr val="accent6">
+                    <a:lumMod val="75000"/>
+                  </a:schemeClr>
+                </a:solidFill>
+                <a:latin typeface="Courier New" pitchFamily="49" charset="0"/>
+                <a:cs typeface="Courier New" pitchFamily="49" charset="0"/>
+              </a:rPr>
+              <a:t>&lt;</a:t>
+            </a:r>
+            <a:r>
+              <a:rPr lang="en-US" sz="3200" b="1" dirty="0" err="1">
+                <a:solidFill>
+                  <a:schemeClr val="accent6">
+                    <a:lumMod val="75000"/>
+                  </a:schemeClr>
+                </a:solidFill>
+                <a:latin typeface="Courier New" pitchFamily="49" charset="0"/>
+                <a:cs typeface="Courier New" pitchFamily="49" charset="0"/>
+              </a:rPr>
+              <a:t>img</a:t>
+            </a:r>
+            <a:r>
+              <a:rPr lang="en-US" sz="3200" b="1" dirty="0">
+                <a:solidFill>
+                  <a:schemeClr val="accent6">
+                    <a:lumMod val="75000"/>
+                  </a:schemeClr>
+                </a:solidFill>
+                <a:latin typeface="Courier New" pitchFamily="49" charset="0"/>
+                <a:cs typeface="Courier New" pitchFamily="49" charset="0"/>
+              </a:rPr>
+              <a:t>&gt;</a:t>
+            </a:r>
+            <a:r>
+              <a:rPr lang="en-US" sz="3200" b="1" dirty="0">
+                <a:latin typeface="Courier New" pitchFamily="49" charset="0"/>
+                <a:cs typeface="Courier New" pitchFamily="49" charset="0"/>
+              </a:rPr>
+              <a:t>, </a:t>
+            </a:r>
+            <a:r>
+              <a:rPr lang="en-US" sz="3200" b="1" dirty="0">
+                <a:solidFill>
+                  <a:srgbClr val="0070C0"/>
+                </a:solidFill>
+                <a:latin typeface="Courier New" pitchFamily="49" charset="0"/>
+                <a:cs typeface="Courier New" pitchFamily="49" charset="0"/>
+              </a:rPr>
+              <a:t>&lt;span&gt;</a:t>
+            </a:r>
+            <a:r>
+              <a:rPr lang="ru-RU" sz="3200" b="1" dirty="0">
+                <a:latin typeface="Courier New" pitchFamily="49" charset="0"/>
+                <a:cs typeface="Courier New" pitchFamily="49" charset="0"/>
+              </a:rPr>
+              <a:t>…</a:t>
+            </a:r>
+            <a:endParaRPr lang="uk-UA" sz="3200" b="1" dirty="0">
+              <a:latin typeface="Courier New" pitchFamily="49" charset="0"/>
+              <a:cs typeface="Courier New" pitchFamily="49" charset="0"/>
+            </a:endParaRPr>
+          </a:p>
+        </p:txBody>
+      </p:sp>
+      <p:sp>
+        <p:nvSpPr>
+          <p:cNvPr id="9" name="Номер слайда 36"/>
+          <p:cNvSpPr txBox="1">
+            <a:spLocks/>
+          </p:cNvSpPr>
+          <p:nvPr/>
+        </p:nvSpPr>
+        <p:spPr>
+          <a:xfrm>
+            <a:off x="11136560" y="6165304"/>
+            <a:ext cx="648072" cy="432048"/>
+          </a:xfrm>
+          <a:prstGeom prst="roundRect">
+            <a:avLst/>
+          </a:prstGeom>
+          <a:ln w="25400" cap="flat" cmpd="sng" algn="ctr">
+            <a:solidFill>
+              <a:schemeClr val="tx2">
+                <a:lumMod val="60000"/>
+                <a:lumOff val="40000"/>
+              </a:schemeClr>
+            </a:solidFill>
+            <a:prstDash val="solid"/>
+          </a:ln>
+        </p:spPr>
+        <p:style>
+          <a:lnRef idx="2">
+            <a:schemeClr val="accent1"/>
+          </a:lnRef>
+          <a:fillRef idx="1">
+            <a:schemeClr val="lt1"/>
+          </a:fillRef>
+          <a:effectRef idx="0">
+            <a:schemeClr val="accent1"/>
+          </a:effectRef>
+          <a:fontRef idx="minor">
+            <a:schemeClr val="dk1"/>
+          </a:fontRef>
+        </p:style>
+        <p:txBody>
+          <a:bodyPr vert="horz" lIns="91440" tIns="45720" rIns="91440" bIns="45720" rtlCol="0" anchor="ctr"/>
+          <a:lstStyle/>
+          <a:p>
+            <a:pPr algn="ctr">
+              <a:defRPr/>
+            </a:pPr>
+            <a:fld id="{6389AA22-90B4-448C-8B6B-C699140D38B9}" type="slidenum">
+              <a:rPr lang="uk-UA" sz="2400" b="1">
+                <a:solidFill>
+                  <a:schemeClr val="bg1">
+                    <a:lumMod val="50000"/>
+                  </a:schemeClr>
+                </a:solidFill>
+              </a:rPr>
+              <a:pPr algn="ctr">
+                <a:defRPr/>
+              </a:pPr>
+              <a:t>14</a:t>
+            </a:fld>
+            <a:endParaRPr lang="uk-UA" sz="2400" b="1" dirty="0">
+              <a:solidFill>
+                <a:schemeClr val="bg1">
+                  <a:lumMod val="50000"/>
+                </a:schemeClr>
+              </a:solidFill>
+            </a:endParaRPr>
+          </a:p>
+        </p:txBody>
+      </p:sp>
+    </p:spTree>
+    <p:extLst>
+      <p:ext uri="{BB962C8B-B14F-4D97-AF65-F5344CB8AC3E}">
+        <p14:creationId xmlns:p14="http://schemas.microsoft.com/office/powerpoint/2010/main" val="4207234955"/>
+      </p:ext>
+    </p:extLst>
+  </p:cSld>
+  <p:clrMapOvr>
+    <a:masterClrMapping/>
+  </p:clrMapOvr>
+</p:sld>
+</file>
+
 <file path=ppt/slides/slide15.xml><?xml version="1.0" encoding="utf-8"?>
 <p:sld xmlns:a="http://schemas.openxmlformats.org/drawingml/2006/main" xmlns:r="http://schemas.openxmlformats.org/officeDocument/2006/relationships" xmlns:p="http://schemas.openxmlformats.org/presentationml/2006/main">
   <p:cSld>
@@ -5763,357 +6156,73 @@
       </p:grpSpPr>
       <p:sp>
         <p:nvSpPr>
-          <p:cNvPr id="5" name="TextBox 4"/>
-          <p:cNvSpPr txBox="1"/>
+          <p:cNvPr id="5" name="Прямоугольник 4"/>
+          <p:cNvSpPr/>
           <p:nvPr/>
         </p:nvSpPr>
         <p:spPr>
           <a:xfrm>
-            <a:off x="3071664" y="769766"/>
-            <a:ext cx="6404702" cy="923330"/>
+            <a:off x="0" y="0"/>
+            <a:ext cx="12192000" cy="6858000"/>
           </a:xfrm>
           <a:prstGeom prst="rect">
             <a:avLst/>
           </a:prstGeom>
-          <a:noFill/>
-        </p:spPr>
-        <p:txBody>
-          <a:bodyPr wrap="none" rtlCol="0">
-            <a:spAutoFit/>
-          </a:bodyPr>
-          <a:lstStyle/>
-          <a:p>
-            <a:r>
-              <a:rPr lang="ru-RU" sz="5400" b="1" dirty="0"/>
-              <a:t>Блочные (</a:t>
-            </a:r>
-            <a:r>
-              <a:rPr lang="en-US" sz="5400" b="1" dirty="0"/>
-              <a:t>Block</a:t>
-            </a:r>
-            <a:r>
-              <a:rPr lang="ru-RU" sz="5400" b="1" dirty="0"/>
-              <a:t>)</a:t>
-            </a:r>
-            <a:r>
-              <a:rPr lang="en-US" sz="5400" b="1" dirty="0"/>
-              <a:t> </a:t>
-            </a:r>
-            <a:r>
-              <a:rPr lang="uk-UA" sz="5400" b="1" dirty="0"/>
-              <a:t>теги</a:t>
-            </a:r>
-          </a:p>
-        </p:txBody>
-      </p:sp>
-      <p:sp>
-        <p:nvSpPr>
-          <p:cNvPr id="6" name="TextBox 5"/>
-          <p:cNvSpPr txBox="1"/>
-          <p:nvPr/>
-        </p:nvSpPr>
-        <p:spPr>
-          <a:xfrm>
-            <a:off x="3288180" y="2204865"/>
-            <a:ext cx="5615640" cy="584775"/>
-          </a:xfrm>
-          <a:prstGeom prst="rect">
-            <a:avLst/>
-          </a:prstGeom>
-          <a:noFill/>
-        </p:spPr>
-        <p:txBody>
-          <a:bodyPr wrap="none" rtlCol="0">
-            <a:spAutoFit/>
-          </a:bodyPr>
-          <a:lstStyle/>
-          <a:p>
-            <a:r>
-              <a:rPr lang="en-US" sz="3200" b="1" dirty="0">
-                <a:latin typeface="Courier New" pitchFamily="49" charset="0"/>
-                <a:cs typeface="Courier New" pitchFamily="49" charset="0"/>
-              </a:rPr>
-              <a:t>&lt;p&gt;, &lt;h1&gt;</a:t>
-            </a:r>
-            <a:r>
-              <a:rPr lang="ru-RU" sz="3200" b="1" dirty="0">
-                <a:latin typeface="Courier New" pitchFamily="49" charset="0"/>
-                <a:cs typeface="Courier New" pitchFamily="49" charset="0"/>
-              </a:rPr>
-              <a:t>…</a:t>
-            </a:r>
-            <a:r>
-              <a:rPr lang="en-US" sz="3200" b="1" dirty="0">
-                <a:latin typeface="Courier New" pitchFamily="49" charset="0"/>
-                <a:cs typeface="Courier New" pitchFamily="49" charset="0"/>
-              </a:rPr>
-              <a:t>&lt;h6&gt;, </a:t>
-            </a:r>
-            <a:r>
-              <a:rPr lang="en-US" sz="3200" b="1" dirty="0">
-                <a:solidFill>
-                  <a:srgbClr val="00B050"/>
-                </a:solidFill>
-                <a:latin typeface="Courier New" pitchFamily="49" charset="0"/>
-                <a:cs typeface="Courier New" pitchFamily="49" charset="0"/>
-              </a:rPr>
-              <a:t>&lt;div&gt;</a:t>
-            </a:r>
-            <a:r>
-              <a:rPr lang="ru-RU" sz="3200" b="1" dirty="0">
-                <a:latin typeface="Courier New" pitchFamily="49" charset="0"/>
-                <a:cs typeface="Courier New" pitchFamily="49" charset="0"/>
-              </a:rPr>
-              <a:t>…</a:t>
-            </a:r>
-            <a:endParaRPr lang="uk-UA" sz="3200" b="1" dirty="0">
-              <a:latin typeface="Courier New" pitchFamily="49" charset="0"/>
-              <a:cs typeface="Courier New" pitchFamily="49" charset="0"/>
-            </a:endParaRPr>
-          </a:p>
-        </p:txBody>
-      </p:sp>
-      <p:sp>
-        <p:nvSpPr>
-          <p:cNvPr id="7" name="TextBox 6"/>
-          <p:cNvSpPr txBox="1"/>
-          <p:nvPr/>
-        </p:nvSpPr>
-        <p:spPr>
-          <a:xfrm>
-            <a:off x="2909760" y="3789040"/>
-            <a:ext cx="6728509" cy="923330"/>
-          </a:xfrm>
-          <a:prstGeom prst="rect">
-            <a:avLst/>
-          </a:prstGeom>
-          <a:noFill/>
-        </p:spPr>
-        <p:txBody>
-          <a:bodyPr wrap="none" rtlCol="0">
-            <a:spAutoFit/>
-          </a:bodyPr>
-          <a:lstStyle/>
-          <a:p>
-            <a:r>
-              <a:rPr lang="ru-RU" sz="5400" b="1" dirty="0"/>
-              <a:t>Строчные (</a:t>
-            </a:r>
-            <a:r>
-              <a:rPr lang="en-US" sz="5400" b="1" dirty="0"/>
-              <a:t>Inline</a:t>
-            </a:r>
-            <a:r>
-              <a:rPr lang="ru-RU" sz="5400" b="1" dirty="0"/>
-              <a:t>) теги</a:t>
-            </a:r>
-            <a:endParaRPr lang="uk-UA" sz="5400" b="1" dirty="0"/>
-          </a:p>
-        </p:txBody>
-      </p:sp>
-      <p:sp>
-        <p:nvSpPr>
-          <p:cNvPr id="8" name="TextBox 7"/>
-          <p:cNvSpPr txBox="1"/>
-          <p:nvPr/>
-        </p:nvSpPr>
-        <p:spPr>
-          <a:xfrm>
-            <a:off x="1807007" y="5157193"/>
-            <a:ext cx="8577989" cy="584775"/>
-          </a:xfrm>
-          <a:prstGeom prst="rect">
-            <a:avLst/>
-          </a:prstGeom>
-          <a:noFill/>
-        </p:spPr>
-        <p:txBody>
-          <a:bodyPr wrap="none" rtlCol="0">
-            <a:spAutoFit/>
-          </a:bodyPr>
-          <a:lstStyle/>
-          <a:p>
-            <a:r>
-              <a:rPr lang="en-US" sz="3200" b="1" dirty="0">
-                <a:latin typeface="Courier New" pitchFamily="49" charset="0"/>
-                <a:cs typeface="Courier New" pitchFamily="49" charset="0"/>
-              </a:rPr>
-              <a:t>&lt;b&gt;, &lt;</a:t>
-            </a:r>
-            <a:r>
-              <a:rPr lang="en-US" sz="3200" b="1" dirty="0" err="1">
-                <a:latin typeface="Courier New" pitchFamily="49" charset="0"/>
-                <a:cs typeface="Courier New" pitchFamily="49" charset="0"/>
-              </a:rPr>
-              <a:t>i</a:t>
-            </a:r>
-            <a:r>
-              <a:rPr lang="en-US" sz="3200" b="1" dirty="0">
-                <a:latin typeface="Courier New" pitchFamily="49" charset="0"/>
-                <a:cs typeface="Courier New" pitchFamily="49" charset="0"/>
-              </a:rPr>
-              <a:t>&gt;, &lt;u&gt;, </a:t>
-            </a:r>
-            <a:r>
-              <a:rPr lang="en-US" sz="3200" b="1" dirty="0">
-                <a:solidFill>
-                  <a:schemeClr val="accent6">
-                    <a:lumMod val="75000"/>
-                  </a:schemeClr>
-                </a:solidFill>
-                <a:latin typeface="Courier New" pitchFamily="49" charset="0"/>
-                <a:cs typeface="Courier New" pitchFamily="49" charset="0"/>
-              </a:rPr>
-              <a:t>&lt;a&gt;</a:t>
-            </a:r>
-            <a:r>
-              <a:rPr lang="en-US" sz="3200" b="1" dirty="0">
-                <a:latin typeface="Courier New" pitchFamily="49" charset="0"/>
-                <a:cs typeface="Courier New" pitchFamily="49" charset="0"/>
-              </a:rPr>
-              <a:t>, </a:t>
-            </a:r>
-            <a:r>
-              <a:rPr lang="en-US" sz="3200" b="1" dirty="0">
-                <a:solidFill>
-                  <a:schemeClr val="accent6">
-                    <a:lumMod val="75000"/>
-                  </a:schemeClr>
-                </a:solidFill>
-                <a:latin typeface="Courier New" pitchFamily="49" charset="0"/>
-                <a:cs typeface="Courier New" pitchFamily="49" charset="0"/>
-              </a:rPr>
-              <a:t>&lt;</a:t>
-            </a:r>
-            <a:r>
-              <a:rPr lang="en-US" sz="3200" b="1" dirty="0" err="1">
-                <a:solidFill>
-                  <a:schemeClr val="accent6">
-                    <a:lumMod val="75000"/>
-                  </a:schemeClr>
-                </a:solidFill>
-                <a:latin typeface="Courier New" pitchFamily="49" charset="0"/>
-                <a:cs typeface="Courier New" pitchFamily="49" charset="0"/>
-              </a:rPr>
-              <a:t>img</a:t>
-            </a:r>
-            <a:r>
-              <a:rPr lang="en-US" sz="3200" b="1" dirty="0">
-                <a:solidFill>
-                  <a:schemeClr val="accent6">
-                    <a:lumMod val="75000"/>
-                  </a:schemeClr>
-                </a:solidFill>
-                <a:latin typeface="Courier New" pitchFamily="49" charset="0"/>
-                <a:cs typeface="Courier New" pitchFamily="49" charset="0"/>
-              </a:rPr>
-              <a:t>&gt;</a:t>
-            </a:r>
-            <a:r>
-              <a:rPr lang="en-US" sz="3200" b="1" dirty="0">
-                <a:latin typeface="Courier New" pitchFamily="49" charset="0"/>
-                <a:cs typeface="Courier New" pitchFamily="49" charset="0"/>
-              </a:rPr>
-              <a:t>, </a:t>
-            </a:r>
-            <a:r>
-              <a:rPr lang="en-US" sz="3200" b="1" dirty="0">
-                <a:solidFill>
-                  <a:srgbClr val="0070C0"/>
-                </a:solidFill>
-                <a:latin typeface="Courier New" pitchFamily="49" charset="0"/>
-                <a:cs typeface="Courier New" pitchFamily="49" charset="0"/>
-              </a:rPr>
-              <a:t>&lt;span&gt;</a:t>
-            </a:r>
-            <a:r>
-              <a:rPr lang="ru-RU" sz="3200" b="1" dirty="0">
-                <a:latin typeface="Courier New" pitchFamily="49" charset="0"/>
-                <a:cs typeface="Courier New" pitchFamily="49" charset="0"/>
-              </a:rPr>
-              <a:t>…</a:t>
-            </a:r>
-            <a:endParaRPr lang="uk-UA" sz="3200" b="1" dirty="0">
-              <a:latin typeface="Courier New" pitchFamily="49" charset="0"/>
-              <a:cs typeface="Courier New" pitchFamily="49" charset="0"/>
-            </a:endParaRPr>
-          </a:p>
-        </p:txBody>
-      </p:sp>
-      <p:sp>
-        <p:nvSpPr>
-          <p:cNvPr id="9" name="Номер слайда 36"/>
-          <p:cNvSpPr txBox="1">
-            <a:spLocks/>
-          </p:cNvSpPr>
-          <p:nvPr/>
-        </p:nvSpPr>
-        <p:spPr>
-          <a:xfrm>
-            <a:off x="11136560" y="6165304"/>
-            <a:ext cx="648072" cy="432048"/>
-          </a:xfrm>
-          <a:prstGeom prst="roundRect">
-            <a:avLst/>
-          </a:prstGeom>
-          <a:ln w="25400" cap="flat" cmpd="sng" algn="ctr">
-            <a:solidFill>
-              <a:schemeClr val="tx2">
-                <a:lumMod val="60000"/>
-                <a:lumOff val="40000"/>
-              </a:schemeClr>
-            </a:solidFill>
-            <a:prstDash val="solid"/>
-          </a:ln>
+          <a:solidFill>
+            <a:schemeClr val="tx2">
+              <a:lumMod val="75000"/>
+            </a:schemeClr>
+          </a:solidFill>
         </p:spPr>
         <p:style>
           <a:lnRef idx="2">
-            <a:schemeClr val="accent1"/>
+            <a:schemeClr val="accent1">
+              <a:shade val="50000"/>
+            </a:schemeClr>
           </a:lnRef>
           <a:fillRef idx="1">
-            <a:schemeClr val="lt1"/>
+            <a:schemeClr val="accent1"/>
           </a:fillRef>
           <a:effectRef idx="0">
             <a:schemeClr val="accent1"/>
           </a:effectRef>
           <a:fontRef idx="minor">
-            <a:schemeClr val="dk1"/>
+            <a:schemeClr val="lt1"/>
           </a:fontRef>
         </p:style>
         <p:txBody>
-          <a:bodyPr vert="horz" lIns="91440" tIns="45720" rIns="91440" bIns="45720" rtlCol="0" anchor="ctr"/>
-          <a:lstStyle/>
-          <a:p>
-            <a:pPr algn="ctr">
-              <a:defRPr/>
-            </a:pPr>
-            <a:fld id="{6389AA22-90B4-448C-8B6B-C699140D38B9}" type="slidenum">
-              <a:rPr lang="uk-UA" sz="2400" b="1">
-                <a:solidFill>
-                  <a:schemeClr val="bg1">
-                    <a:lumMod val="50000"/>
-                  </a:schemeClr>
-                </a:solidFill>
-              </a:rPr>
-              <a:pPr algn="ctr">
-                <a:defRPr/>
-              </a:pPr>
-              <a:t>15</a:t>
-            </a:fld>
-            <a:endParaRPr lang="uk-UA" sz="2400" b="1" dirty="0">
-              <a:solidFill>
-                <a:schemeClr val="bg1">
-                  <a:lumMod val="50000"/>
-                </a:schemeClr>
-              </a:solidFill>
-            </a:endParaRPr>
+          <a:bodyPr rtlCol="0" anchor="ctr"/>
+          <a:lstStyle/>
+          <a:p>
+            <a:pPr algn="ctr"/>
+            <a:r>
+              <a:rPr lang="en-US" sz="6600" b="1" dirty="0"/>
+              <a:t>4</a:t>
+            </a:r>
+            <a:r>
+              <a:rPr lang="uk-UA" sz="6600" b="1" dirty="0"/>
+              <a:t>. </a:t>
+            </a:r>
+            <a:r>
+              <a:rPr lang="uk-UA" sz="6600" b="1" dirty="0" err="1"/>
+              <a:t>Валидация</a:t>
+            </a:r>
+            <a:r>
+              <a:rPr lang="uk-UA" sz="6600" b="1" dirty="0"/>
+              <a:t> </a:t>
+            </a:r>
+            <a:r>
+              <a:rPr lang="uk-UA" sz="6600" b="1" dirty="0" err="1"/>
+              <a:t>разметки</a:t>
+            </a:r>
+            <a:endParaRPr lang="uk-UA" sz="6600" b="1" dirty="0"/>
           </a:p>
         </p:txBody>
       </p:sp>
     </p:spTree>
     <p:extLst>
       <p:ext uri="{BB962C8B-B14F-4D97-AF65-F5344CB8AC3E}">
-        <p14:creationId xmlns:p14="http://schemas.microsoft.com/office/powerpoint/2010/main" val="4207234955"/>
+        <p14:creationId xmlns:p14="http://schemas.microsoft.com/office/powerpoint/2010/main" val="1720814297"/>
       </p:ext>
     </p:extLst>
   </p:cSld>
@@ -6142,73 +6251,222 @@
       </p:grpSpPr>
       <p:sp>
         <p:nvSpPr>
-          <p:cNvPr id="5" name="Прямоугольник 4"/>
-          <p:cNvSpPr/>
+          <p:cNvPr id="5" name="TextBox 4"/>
+          <p:cNvSpPr txBox="1"/>
           <p:nvPr/>
         </p:nvSpPr>
         <p:spPr>
           <a:xfrm>
-            <a:off x="0" y="0"/>
-            <a:ext cx="12192000" cy="6858000"/>
+            <a:off x="0" y="188640"/>
+            <a:ext cx="12192000" cy="769441"/>
           </a:xfrm>
           <a:prstGeom prst="rect">
             <a:avLst/>
           </a:prstGeom>
-          <a:solidFill>
-            <a:schemeClr val="tx2">
-              <a:lumMod val="75000"/>
-            </a:schemeClr>
-          </a:solidFill>
+          <a:noFill/>
+        </p:spPr>
+        <p:txBody>
+          <a:bodyPr wrap="square" rtlCol="0">
+            <a:spAutoFit/>
+          </a:bodyPr>
+          <a:lstStyle/>
+          <a:p>
+            <a:pPr algn="ctr"/>
+            <a:r>
+              <a:rPr lang="ru-RU" sz="4400" b="1" dirty="0" err="1"/>
+              <a:t>Валидатор</a:t>
+            </a:r>
+            <a:r>
+              <a:rPr lang="ru-RU" sz="4400" b="1" dirty="0"/>
+              <a:t> разметки</a:t>
+            </a:r>
+            <a:r>
+              <a:rPr lang="en-US" sz="4400" b="1" dirty="0"/>
+              <a:t> (HTML)</a:t>
+            </a:r>
+            <a:r>
+              <a:rPr lang="ru-RU" sz="4400" b="1" dirty="0"/>
+              <a:t> от </a:t>
+            </a:r>
+            <a:r>
+              <a:rPr lang="en-US" sz="4400" b="1" dirty="0"/>
+              <a:t>W3C</a:t>
+            </a:r>
+            <a:endParaRPr lang="uk-UA" sz="4400" b="1" dirty="0"/>
+          </a:p>
+        </p:txBody>
+      </p:sp>
+      <p:sp>
+        <p:nvSpPr>
+          <p:cNvPr id="9" name="Номер слайда 36"/>
+          <p:cNvSpPr txBox="1">
+            <a:spLocks/>
+          </p:cNvSpPr>
+          <p:nvPr/>
+        </p:nvSpPr>
+        <p:spPr>
+          <a:xfrm>
+            <a:off x="11136560" y="6165304"/>
+            <a:ext cx="648072" cy="432048"/>
+          </a:xfrm>
+          <a:prstGeom prst="roundRect">
+            <a:avLst/>
+          </a:prstGeom>
+          <a:ln w="25400" cap="flat" cmpd="sng" algn="ctr">
+            <a:solidFill>
+              <a:schemeClr val="tx2">
+                <a:lumMod val="60000"/>
+                <a:lumOff val="40000"/>
+              </a:schemeClr>
+            </a:solidFill>
+            <a:prstDash val="solid"/>
+          </a:ln>
         </p:spPr>
         <p:style>
           <a:lnRef idx="2">
-            <a:schemeClr val="accent1">
-              <a:shade val="50000"/>
-            </a:schemeClr>
+            <a:schemeClr val="accent1"/>
           </a:lnRef>
           <a:fillRef idx="1">
-            <a:schemeClr val="accent1"/>
+            <a:schemeClr val="lt1"/>
           </a:fillRef>
           <a:effectRef idx="0">
             <a:schemeClr val="accent1"/>
           </a:effectRef>
           <a:fontRef idx="minor">
-            <a:schemeClr val="lt1"/>
+            <a:schemeClr val="dk1"/>
           </a:fontRef>
         </p:style>
         <p:txBody>
-          <a:bodyPr rtlCol="0" anchor="ctr"/>
+          <a:bodyPr vert="horz" lIns="91440" tIns="45720" rIns="91440" bIns="45720" rtlCol="0" anchor="ctr"/>
+          <a:lstStyle/>
+          <a:p>
+            <a:pPr algn="ctr">
+              <a:defRPr/>
+            </a:pPr>
+            <a:fld id="{6389AA22-90B4-448C-8B6B-C699140D38B9}" type="slidenum">
+              <a:rPr lang="uk-UA" sz="2400" b="1">
+                <a:solidFill>
+                  <a:schemeClr val="bg1">
+                    <a:lumMod val="50000"/>
+                  </a:schemeClr>
+                </a:solidFill>
+              </a:rPr>
+              <a:pPr algn="ctr">
+                <a:defRPr/>
+              </a:pPr>
+              <a:t>16</a:t>
+            </a:fld>
+            <a:endParaRPr lang="uk-UA" sz="2400" b="1" dirty="0">
+              <a:solidFill>
+                <a:schemeClr val="bg1">
+                  <a:lumMod val="50000"/>
+                </a:schemeClr>
+              </a:solidFill>
+            </a:endParaRPr>
+          </a:p>
+        </p:txBody>
+      </p:sp>
+      <p:pic>
+        <p:nvPicPr>
+          <p:cNvPr id="3" name="Рисунок 2"/>
+          <p:cNvPicPr>
+            <a:picLocks noChangeAspect="1"/>
+          </p:cNvPicPr>
+          <p:nvPr/>
+        </p:nvPicPr>
+        <p:blipFill>
+          <a:blip r:embed="rId2"/>
+          <a:stretch>
+            <a:fillRect/>
+          </a:stretch>
+        </p:blipFill>
+        <p:spPr>
+          <a:xfrm>
+            <a:off x="1156080" y="963870"/>
+            <a:ext cx="9879840" cy="4033343"/>
+          </a:xfrm>
+          <a:prstGeom prst="rect">
+            <a:avLst/>
+          </a:prstGeom>
+        </p:spPr>
+      </p:pic>
+      <p:sp>
+        <p:nvSpPr>
+          <p:cNvPr id="4" name="Прямоугольник 3"/>
+          <p:cNvSpPr/>
+          <p:nvPr/>
+        </p:nvSpPr>
+        <p:spPr>
+          <a:xfrm>
+            <a:off x="3575720" y="5940569"/>
+            <a:ext cx="4472122" cy="584775"/>
+          </a:xfrm>
+          <a:prstGeom prst="rect">
+            <a:avLst/>
+          </a:prstGeom>
+        </p:spPr>
+        <p:txBody>
+          <a:bodyPr wrap="none">
+            <a:spAutoFit/>
+          </a:bodyPr>
+          <a:lstStyle/>
+          <a:p>
+            <a:r>
+              <a:rPr lang="en-US" sz="3200" b="1" dirty="0">
+                <a:hlinkClick r:id="rId3"/>
+              </a:rPr>
+              <a:t>https://validator.w3.org/</a:t>
+            </a:r>
+            <a:endParaRPr lang="ru-RU" sz="3200" b="1" dirty="0"/>
+          </a:p>
+        </p:txBody>
+      </p:sp>
+      <p:sp>
+        <p:nvSpPr>
+          <p:cNvPr id="10" name="TextBox 9"/>
+          <p:cNvSpPr txBox="1"/>
+          <p:nvPr/>
+        </p:nvSpPr>
+        <p:spPr>
+          <a:xfrm>
+            <a:off x="0" y="5282044"/>
+            <a:ext cx="12192000" cy="523220"/>
+          </a:xfrm>
+          <a:prstGeom prst="rect">
+            <a:avLst/>
+          </a:prstGeom>
+          <a:noFill/>
+        </p:spPr>
+        <p:txBody>
+          <a:bodyPr wrap="square" rtlCol="0">
+            <a:spAutoFit/>
+          </a:bodyPr>
           <a:lstStyle/>
           <a:p>
             <a:pPr algn="ctr"/>
             <a:r>
-              <a:rPr lang="en-US" sz="6600" b="1" dirty="0"/>
-              <a:t>4</a:t>
-            </a:r>
-            <a:r>
-              <a:rPr lang="uk-UA" sz="6600" b="1" dirty="0"/>
-              <a:t>. </a:t>
-            </a:r>
-            <a:r>
-              <a:rPr lang="uk-UA" sz="6600" b="1" dirty="0" err="1"/>
+              <a:rPr lang="ru-RU" sz="2800" b="1" dirty="0" err="1"/>
               <a:t>Валидация</a:t>
             </a:r>
             <a:r>
-              <a:rPr lang="uk-UA" sz="6600" b="1" dirty="0"/>
-              <a:t> </a:t>
-            </a:r>
-            <a:r>
-              <a:rPr lang="uk-UA" sz="6600" b="1" dirty="0" err="1"/>
-              <a:t>разметки</a:t>
-            </a:r>
-            <a:endParaRPr lang="uk-UA" sz="6600" b="1" dirty="0"/>
+              <a:rPr lang="ru-RU" sz="2800" dirty="0"/>
+              <a:t> – проверка на соответствие (</a:t>
+            </a:r>
+            <a:r>
+              <a:rPr lang="ru-RU" sz="2800" i="1" dirty="0"/>
+              <a:t>проверка на корректность</a:t>
+            </a:r>
+            <a:r>
+              <a:rPr lang="ru-RU" sz="2800" dirty="0"/>
+              <a:t>)</a:t>
+            </a:r>
           </a:p>
         </p:txBody>
       </p:sp>
     </p:spTree>
     <p:extLst>
       <p:ext uri="{BB962C8B-B14F-4D97-AF65-F5344CB8AC3E}">
-        <p14:creationId xmlns:p14="http://schemas.microsoft.com/office/powerpoint/2010/main" val="1720814297"/>
+        <p14:creationId xmlns:p14="http://schemas.microsoft.com/office/powerpoint/2010/main" val="43571806"/>
       </p:ext>
     </p:extLst>
   </p:cSld>
@@ -6237,222 +6495,65 @@
       </p:grpSpPr>
       <p:sp>
         <p:nvSpPr>
-          <p:cNvPr id="5" name="TextBox 4"/>
-          <p:cNvSpPr txBox="1"/>
+          <p:cNvPr id="5" name="Прямоугольник 4"/>
+          <p:cNvSpPr/>
           <p:nvPr/>
         </p:nvSpPr>
         <p:spPr>
           <a:xfrm>
-            <a:off x="0" y="188640"/>
-            <a:ext cx="12192000" cy="769441"/>
+            <a:off x="0" y="0"/>
+            <a:ext cx="12192000" cy="6858000"/>
           </a:xfrm>
           <a:prstGeom prst="rect">
             <a:avLst/>
           </a:prstGeom>
-          <a:noFill/>
-        </p:spPr>
-        <p:txBody>
-          <a:bodyPr wrap="square" rtlCol="0">
-            <a:spAutoFit/>
-          </a:bodyPr>
-          <a:lstStyle/>
-          <a:p>
-            <a:pPr algn="ctr"/>
-            <a:r>
-              <a:rPr lang="ru-RU" sz="4400" b="1" dirty="0" err="1"/>
-              <a:t>Валидатор</a:t>
-            </a:r>
-            <a:r>
-              <a:rPr lang="ru-RU" sz="4400" b="1" dirty="0"/>
-              <a:t> разметки</a:t>
-            </a:r>
-            <a:r>
-              <a:rPr lang="en-US" sz="4400" b="1" dirty="0"/>
-              <a:t> (HTML)</a:t>
-            </a:r>
-            <a:r>
-              <a:rPr lang="ru-RU" sz="4400" b="1" dirty="0"/>
-              <a:t> от </a:t>
-            </a:r>
-            <a:r>
-              <a:rPr lang="en-US" sz="4400" b="1" dirty="0"/>
-              <a:t>W3C</a:t>
-            </a:r>
-            <a:endParaRPr lang="uk-UA" sz="4400" b="1" dirty="0"/>
-          </a:p>
-        </p:txBody>
-      </p:sp>
-      <p:sp>
-        <p:nvSpPr>
-          <p:cNvPr id="9" name="Номер слайда 36"/>
-          <p:cNvSpPr txBox="1">
-            <a:spLocks/>
-          </p:cNvSpPr>
-          <p:nvPr/>
-        </p:nvSpPr>
-        <p:spPr>
-          <a:xfrm>
-            <a:off x="11136560" y="6165304"/>
-            <a:ext cx="648072" cy="432048"/>
-          </a:xfrm>
-          <a:prstGeom prst="roundRect">
-            <a:avLst/>
-          </a:prstGeom>
-          <a:ln w="25400" cap="flat" cmpd="sng" algn="ctr">
-            <a:solidFill>
-              <a:schemeClr val="tx2">
-                <a:lumMod val="60000"/>
-                <a:lumOff val="40000"/>
-              </a:schemeClr>
-            </a:solidFill>
-            <a:prstDash val="solid"/>
-          </a:ln>
+          <a:solidFill>
+            <a:schemeClr val="tx2">
+              <a:lumMod val="75000"/>
+            </a:schemeClr>
+          </a:solidFill>
         </p:spPr>
         <p:style>
           <a:lnRef idx="2">
-            <a:schemeClr val="accent1"/>
+            <a:schemeClr val="accent1">
+              <a:shade val="50000"/>
+            </a:schemeClr>
           </a:lnRef>
           <a:fillRef idx="1">
-            <a:schemeClr val="lt1"/>
+            <a:schemeClr val="accent1"/>
           </a:fillRef>
           <a:effectRef idx="0">
             <a:schemeClr val="accent1"/>
           </a:effectRef>
           <a:fontRef idx="minor">
-            <a:schemeClr val="dk1"/>
+            <a:schemeClr val="lt1"/>
           </a:fontRef>
         </p:style>
         <p:txBody>
-          <a:bodyPr vert="horz" lIns="91440" tIns="45720" rIns="91440" bIns="45720" rtlCol="0" anchor="ctr"/>
-          <a:lstStyle/>
-          <a:p>
-            <a:pPr algn="ctr">
-              <a:defRPr/>
-            </a:pPr>
-            <a:fld id="{6389AA22-90B4-448C-8B6B-C699140D38B9}" type="slidenum">
-              <a:rPr lang="uk-UA" sz="2400" b="1">
-                <a:solidFill>
-                  <a:schemeClr val="bg1">
-                    <a:lumMod val="50000"/>
-                  </a:schemeClr>
-                </a:solidFill>
-              </a:rPr>
-              <a:pPr algn="ctr">
-                <a:defRPr/>
-              </a:pPr>
-              <a:t>17</a:t>
-            </a:fld>
-            <a:endParaRPr lang="uk-UA" sz="2400" b="1" dirty="0">
-              <a:solidFill>
-                <a:schemeClr val="bg1">
-                  <a:lumMod val="50000"/>
-                </a:schemeClr>
-              </a:solidFill>
-            </a:endParaRPr>
-          </a:p>
-        </p:txBody>
-      </p:sp>
-      <p:pic>
-        <p:nvPicPr>
-          <p:cNvPr id="3" name="Рисунок 2"/>
-          <p:cNvPicPr>
-            <a:picLocks noChangeAspect="1"/>
-          </p:cNvPicPr>
-          <p:nvPr/>
-        </p:nvPicPr>
-        <p:blipFill>
-          <a:blip r:embed="rId2"/>
-          <a:stretch>
-            <a:fillRect/>
-          </a:stretch>
-        </p:blipFill>
-        <p:spPr>
-          <a:xfrm>
-            <a:off x="1156080" y="963870"/>
-            <a:ext cx="9879840" cy="4033343"/>
-          </a:xfrm>
-          <a:prstGeom prst="rect">
-            <a:avLst/>
-          </a:prstGeom>
-        </p:spPr>
-      </p:pic>
-      <p:sp>
-        <p:nvSpPr>
-          <p:cNvPr id="4" name="Прямоугольник 3"/>
-          <p:cNvSpPr/>
-          <p:nvPr/>
-        </p:nvSpPr>
-        <p:spPr>
-          <a:xfrm>
-            <a:off x="3575720" y="5940569"/>
-            <a:ext cx="4472122" cy="584775"/>
-          </a:xfrm>
-          <a:prstGeom prst="rect">
-            <a:avLst/>
-          </a:prstGeom>
-        </p:spPr>
-        <p:txBody>
-          <a:bodyPr wrap="none">
-            <a:spAutoFit/>
-          </a:bodyPr>
-          <a:lstStyle/>
-          <a:p>
-            <a:r>
-              <a:rPr lang="en-US" sz="3200" b="1" dirty="0">
-                <a:hlinkClick r:id="rId3"/>
-              </a:rPr>
-              <a:t>https://validator.w3.org/</a:t>
-            </a:r>
-            <a:endParaRPr lang="ru-RU" sz="3200" b="1" dirty="0"/>
-          </a:p>
-        </p:txBody>
-      </p:sp>
-      <p:sp>
-        <p:nvSpPr>
-          <p:cNvPr id="10" name="TextBox 9"/>
-          <p:cNvSpPr txBox="1"/>
-          <p:nvPr/>
-        </p:nvSpPr>
-        <p:spPr>
-          <a:xfrm>
-            <a:off x="0" y="5282044"/>
-            <a:ext cx="12192000" cy="523220"/>
-          </a:xfrm>
-          <a:prstGeom prst="rect">
-            <a:avLst/>
-          </a:prstGeom>
-          <a:noFill/>
-        </p:spPr>
-        <p:txBody>
-          <a:bodyPr wrap="square" rtlCol="0">
-            <a:spAutoFit/>
-          </a:bodyPr>
+          <a:bodyPr rtlCol="0" anchor="ctr"/>
           <a:lstStyle/>
           <a:p>
             <a:pPr algn="ctr"/>
             <a:r>
-              <a:rPr lang="ru-RU" sz="2800" b="1" dirty="0" err="1"/>
-              <a:t>Валидация</a:t>
-            </a:r>
-            <a:r>
-              <a:rPr lang="ru-RU" sz="2800" dirty="0"/>
-              <a:t> – проверка на соответствие (</a:t>
-            </a:r>
-            <a:r>
-              <a:rPr lang="ru-RU" sz="2800" i="1" dirty="0"/>
-              <a:t>проверка на корректность</a:t>
-            </a:r>
-            <a:r>
-              <a:rPr lang="ru-RU" sz="2800" dirty="0"/>
-              <a:t>)</a:t>
-            </a:r>
+              <a:rPr lang="en-US" sz="6600" b="1" dirty="0"/>
+              <a:t>5. </a:t>
+            </a:r>
+            <a:r>
+              <a:rPr lang="uk-UA" sz="6600" b="1" dirty="0"/>
+              <a:t>Семантика </a:t>
+            </a:r>
+            <a:r>
+              <a:rPr lang="en-US" sz="6600" b="1" dirty="0"/>
+              <a:t>HTML</a:t>
+            </a:r>
+            <a:endParaRPr lang="uk-UA" sz="6600" b="1" dirty="0"/>
           </a:p>
         </p:txBody>
       </p:sp>
     </p:spTree>
     <p:extLst>
       <p:ext uri="{BB962C8B-B14F-4D97-AF65-F5344CB8AC3E}">
-        <p14:creationId xmlns:p14="http://schemas.microsoft.com/office/powerpoint/2010/main" val="43571806"/>
+        <p14:creationId xmlns:p14="http://schemas.microsoft.com/office/powerpoint/2010/main" val="1007243238"/>
       </p:ext>
     </p:extLst>
   </p:cSld>
@@ -6481,65 +6582,193 @@
       </p:grpSpPr>
       <p:sp>
         <p:nvSpPr>
-          <p:cNvPr id="5" name="Прямоугольник 4"/>
-          <p:cNvSpPr/>
+          <p:cNvPr id="4" name="Номер слайда 36"/>
+          <p:cNvSpPr txBox="1">
+            <a:spLocks/>
+          </p:cNvSpPr>
           <p:nvPr/>
         </p:nvSpPr>
         <p:spPr>
           <a:xfrm>
-            <a:off x="0" y="0"/>
-            <a:ext cx="12192000" cy="6858000"/>
-          </a:xfrm>
-          <a:prstGeom prst="rect">
+            <a:off x="11280576" y="6165304"/>
+            <a:ext cx="648072" cy="432048"/>
+          </a:xfrm>
+          <a:prstGeom prst="roundRect">
             <a:avLst/>
           </a:prstGeom>
-          <a:solidFill>
-            <a:schemeClr val="tx2">
-              <a:lumMod val="75000"/>
-            </a:schemeClr>
-          </a:solidFill>
+          <a:ln w="25400" cap="flat" cmpd="sng" algn="ctr">
+            <a:solidFill>
+              <a:schemeClr val="tx2">
+                <a:lumMod val="60000"/>
+                <a:lumOff val="40000"/>
+              </a:schemeClr>
+            </a:solidFill>
+            <a:prstDash val="solid"/>
+          </a:ln>
         </p:spPr>
         <p:style>
           <a:lnRef idx="2">
-            <a:schemeClr val="accent1">
-              <a:shade val="50000"/>
-            </a:schemeClr>
+            <a:schemeClr val="accent1"/>
           </a:lnRef>
           <a:fillRef idx="1">
-            <a:schemeClr val="accent1"/>
+            <a:schemeClr val="lt1"/>
           </a:fillRef>
           <a:effectRef idx="0">
             <a:schemeClr val="accent1"/>
           </a:effectRef>
           <a:fontRef idx="minor">
-            <a:schemeClr val="lt1"/>
+            <a:schemeClr val="dk1"/>
           </a:fontRef>
         </p:style>
         <p:txBody>
-          <a:bodyPr rtlCol="0" anchor="ctr"/>
+          <a:bodyPr vert="horz" lIns="91440" tIns="45720" rIns="91440" bIns="45720" rtlCol="0" anchor="ctr"/>
+          <a:lstStyle/>
+          <a:p>
+            <a:pPr algn="ctr">
+              <a:defRPr/>
+            </a:pPr>
+            <a:fld id="{6389AA22-90B4-448C-8B6B-C699140D38B9}" type="slidenum">
+              <a:rPr lang="uk-UA" sz="2400" b="1">
+                <a:solidFill>
+                  <a:schemeClr val="bg1">
+                    <a:lumMod val="50000"/>
+                  </a:schemeClr>
+                </a:solidFill>
+              </a:rPr>
+              <a:pPr algn="ctr">
+                <a:defRPr/>
+              </a:pPr>
+              <a:t>18</a:t>
+            </a:fld>
+            <a:endParaRPr lang="uk-UA" sz="2400" b="1" dirty="0">
+              <a:solidFill>
+                <a:schemeClr val="bg1">
+                  <a:lumMod val="50000"/>
+                </a:schemeClr>
+              </a:solidFill>
+            </a:endParaRPr>
+          </a:p>
+        </p:txBody>
+      </p:sp>
+      <p:sp>
+        <p:nvSpPr>
+          <p:cNvPr id="10" name="TextBox 9"/>
+          <p:cNvSpPr txBox="1"/>
+          <p:nvPr/>
+        </p:nvSpPr>
+        <p:spPr>
+          <a:xfrm>
+            <a:off x="7104112" y="1905794"/>
+            <a:ext cx="3816424" cy="3539430"/>
+          </a:xfrm>
+          <a:prstGeom prst="rect">
+            <a:avLst/>
+          </a:prstGeom>
+          <a:noFill/>
+        </p:spPr>
+        <p:txBody>
+          <a:bodyPr wrap="square" rtlCol="0">
+            <a:spAutoFit/>
+          </a:bodyPr>
+          <a:lstStyle/>
+          <a:p>
+            <a:r>
+              <a:rPr lang="en-US" sz="2800" b="1" dirty="0"/>
+              <a:t>HTML 5.x </a:t>
+            </a:r>
+            <a:r>
+              <a:rPr lang="ru-RU" sz="2800" dirty="0"/>
+              <a:t>принёс ряд тегов, которые не несут оформления, но своими названиями поясняют смысловую нагрузку содержимого которое в них размещают.</a:t>
+            </a:r>
+          </a:p>
+        </p:txBody>
+      </p:sp>
+      <p:sp>
+        <p:nvSpPr>
+          <p:cNvPr id="7" name="TextBox 6"/>
+          <p:cNvSpPr txBox="1"/>
+          <p:nvPr/>
+        </p:nvSpPr>
+        <p:spPr>
+          <a:xfrm>
+            <a:off x="6456040" y="581779"/>
+            <a:ext cx="5735960" cy="830997"/>
+          </a:xfrm>
+          <a:prstGeom prst="rect">
+            <a:avLst/>
+          </a:prstGeom>
+          <a:noFill/>
+        </p:spPr>
+        <p:txBody>
+          <a:bodyPr wrap="square" rtlCol="0">
+            <a:spAutoFit/>
+          </a:bodyPr>
           <a:lstStyle/>
           <a:p>
             <a:pPr algn="ctr"/>
             <a:r>
-              <a:rPr lang="en-US" sz="6600" b="1" dirty="0"/>
-              <a:t>5. </a:t>
-            </a:r>
-            <a:r>
-              <a:rPr lang="uk-UA" sz="6600" b="1" dirty="0"/>
+              <a:rPr lang="uk-UA" sz="4800" b="1" dirty="0"/>
               <a:t>Семантика </a:t>
             </a:r>
             <a:r>
-              <a:rPr lang="en-US" sz="6600" b="1" dirty="0"/>
+              <a:rPr lang="en-US" sz="4800" b="1" dirty="0"/>
               <a:t>HTML</a:t>
             </a:r>
-            <a:endParaRPr lang="uk-UA" sz="6600" b="1" dirty="0"/>
-          </a:p>
-        </p:txBody>
-      </p:sp>
+          </a:p>
+        </p:txBody>
+      </p:sp>
+      <p:pic>
+        <p:nvPicPr>
+          <p:cNvPr id="1026" name="Picture 2" descr="http://rightblog.ru/wp-content/uploads/2015/09/HTML5-semantin-infografic_rightblog.ru_.png"/>
+          <p:cNvPicPr>
+            <a:picLocks noChangeAspect="1" noChangeArrowheads="1"/>
+          </p:cNvPicPr>
+          <p:nvPr/>
+        </p:nvPicPr>
+        <p:blipFill rotWithShape="1">
+          <a:blip r:embed="rId2">
+            <a:extLst>
+              <a:ext uri="{28A0092B-C50C-407E-A947-70E740481C1C}">
+                <a14:useLocalDpi xmlns:a14="http://schemas.microsoft.com/office/drawing/2010/main" val="0"/>
+              </a:ext>
+            </a:extLst>
+          </a:blip>
+          <a:srcRect l="1896" t="21715"/>
+          <a:stretch/>
+        </p:blipFill>
+        <p:spPr bwMode="auto">
+          <a:xfrm>
+            <a:off x="0" y="0"/>
+            <a:ext cx="6174418" cy="6858000"/>
+          </a:xfrm>
+          <a:prstGeom prst="rect">
+            <a:avLst/>
+          </a:prstGeom>
+          <a:ln>
+            <a:noFill/>
+          </a:ln>
+          <a:effectLst>
+            <a:outerShdw blurRad="292100" dist="139700" dir="2700000" algn="tl" rotWithShape="0">
+              <a:srgbClr val="333333">
+                <a:alpha val="65000"/>
+              </a:srgbClr>
+            </a:outerShdw>
+          </a:effectLst>
+          <a:extLst>
+            <a:ext uri="{909E8E84-426E-40DD-AFC4-6F175D3DCCD1}">
+              <a14:hiddenFill xmlns:a14="http://schemas.microsoft.com/office/drawing/2010/main">
+                <a:solidFill>
+                  <a:srgbClr val="FFFFFF"/>
+                </a:solidFill>
+              </a14:hiddenFill>
+            </a:ext>
+          </a:extLst>
+        </p:spPr>
+      </p:pic>
     </p:spTree>
     <p:extLst>
       <p:ext uri="{BB962C8B-B14F-4D97-AF65-F5344CB8AC3E}">
-        <p14:creationId xmlns:p14="http://schemas.microsoft.com/office/powerpoint/2010/main" val="1007243238"/>
+        <p14:creationId xmlns:p14="http://schemas.microsoft.com/office/powerpoint/2010/main" val="2689196661"/>
       </p:ext>
     </p:extLst>
   </p:cSld>
@@ -6568,224 +6797,69 @@
       </p:grpSpPr>
       <p:sp>
         <p:nvSpPr>
-          <p:cNvPr id="4" name="Номер слайда 36"/>
-          <p:cNvSpPr txBox="1">
-            <a:spLocks/>
-          </p:cNvSpPr>
+          <p:cNvPr id="5" name="Прямоугольник 4"/>
+          <p:cNvSpPr/>
           <p:nvPr/>
         </p:nvSpPr>
         <p:spPr>
           <a:xfrm>
-            <a:off x="11280576" y="6165304"/>
-            <a:ext cx="648072" cy="432048"/>
-          </a:xfrm>
-          <a:prstGeom prst="roundRect">
+            <a:off x="0" y="0"/>
+            <a:ext cx="12192000" cy="6858000"/>
+          </a:xfrm>
+          <a:prstGeom prst="rect">
             <a:avLst/>
           </a:prstGeom>
-          <a:ln w="25400" cap="flat" cmpd="sng" algn="ctr">
-            <a:solidFill>
-              <a:schemeClr val="tx2">
-                <a:lumMod val="60000"/>
-                <a:lumOff val="40000"/>
-              </a:schemeClr>
-            </a:solidFill>
-            <a:prstDash val="solid"/>
-          </a:ln>
+          <a:solidFill>
+            <a:schemeClr val="tx2">
+              <a:lumMod val="75000"/>
+            </a:schemeClr>
+          </a:solidFill>
         </p:spPr>
         <p:style>
           <a:lnRef idx="2">
-            <a:schemeClr val="accent1"/>
+            <a:schemeClr val="accent1">
+              <a:shade val="50000"/>
+            </a:schemeClr>
           </a:lnRef>
           <a:fillRef idx="1">
-            <a:schemeClr val="lt1"/>
+            <a:schemeClr val="accent1"/>
           </a:fillRef>
           <a:effectRef idx="0">
             <a:schemeClr val="accent1"/>
           </a:effectRef>
           <a:fontRef idx="minor">
-            <a:schemeClr val="dk1"/>
+            <a:schemeClr val="lt1"/>
           </a:fontRef>
         </p:style>
         <p:txBody>
-          <a:bodyPr vert="horz" lIns="91440" tIns="45720" rIns="91440" bIns="45720" rtlCol="0" anchor="ctr"/>
-          <a:lstStyle/>
-          <a:p>
-            <a:pPr algn="ctr">
-              <a:defRPr/>
-            </a:pPr>
-            <a:fld id="{6389AA22-90B4-448C-8B6B-C699140D38B9}" type="slidenum">
-              <a:rPr lang="uk-UA" sz="2400" b="1">
-                <a:solidFill>
-                  <a:schemeClr val="bg1">
-                    <a:lumMod val="50000"/>
-                  </a:schemeClr>
-                </a:solidFill>
-              </a:rPr>
-              <a:pPr algn="ctr">
-                <a:defRPr/>
-              </a:pPr>
-              <a:t>19</a:t>
-            </a:fld>
-            <a:endParaRPr lang="uk-UA" sz="2400" b="1" dirty="0">
-              <a:solidFill>
-                <a:schemeClr val="bg1">
-                  <a:lumMod val="50000"/>
-                </a:schemeClr>
-              </a:solidFill>
-            </a:endParaRPr>
-          </a:p>
-        </p:txBody>
-      </p:sp>
-      <p:sp>
-        <p:nvSpPr>
-          <p:cNvPr id="10" name="TextBox 9"/>
-          <p:cNvSpPr txBox="1"/>
-          <p:nvPr/>
-        </p:nvSpPr>
-        <p:spPr>
-          <a:xfrm>
-            <a:off x="7104112" y="1557838"/>
-            <a:ext cx="3816424" cy="3539430"/>
-          </a:xfrm>
-          <a:prstGeom prst="rect">
-            <a:avLst/>
-          </a:prstGeom>
-          <a:noFill/>
-        </p:spPr>
-        <p:txBody>
-          <a:bodyPr wrap="square" rtlCol="0">
-            <a:spAutoFit/>
-          </a:bodyPr>
-          <a:lstStyle/>
-          <a:p>
-            <a:r>
-              <a:rPr lang="en-US" sz="2800" b="1" dirty="0"/>
-              <a:t>HTML 5.x </a:t>
-            </a:r>
-            <a:r>
-              <a:rPr lang="ru-RU" sz="2800" dirty="0"/>
-              <a:t>принёс ряд тегов, которые не несут оформления, но своими названиями поясняют смысловую нагрузку содержимого которое в них размещают.</a:t>
-            </a:r>
-          </a:p>
-        </p:txBody>
-      </p:sp>
-      <p:sp>
-        <p:nvSpPr>
-          <p:cNvPr id="7" name="TextBox 6"/>
-          <p:cNvSpPr txBox="1"/>
-          <p:nvPr/>
-        </p:nvSpPr>
-        <p:spPr>
-          <a:xfrm>
-            <a:off x="6456040" y="293747"/>
-            <a:ext cx="5735960" cy="830997"/>
-          </a:xfrm>
-          <a:prstGeom prst="rect">
-            <a:avLst/>
-          </a:prstGeom>
-          <a:noFill/>
-        </p:spPr>
-        <p:txBody>
-          <a:bodyPr wrap="square" rtlCol="0">
-            <a:spAutoFit/>
-          </a:bodyPr>
+          <a:bodyPr rtlCol="0" anchor="ctr"/>
           <a:lstStyle/>
           <a:p>
             <a:pPr algn="ctr"/>
             <a:r>
-              <a:rPr lang="uk-UA" sz="4800" b="1" dirty="0"/>
-              <a:t>Семантика </a:t>
-            </a:r>
-            <a:r>
-              <a:rPr lang="en-US" sz="4800" b="1" dirty="0"/>
+              <a:rPr lang="en-US" sz="6600" b="1" dirty="0"/>
+              <a:t>6.</a:t>
+            </a:r>
+            <a:r>
+              <a:rPr lang="ru-RU" sz="6600" b="1" dirty="0"/>
+              <a:t> Проблемы в </a:t>
+            </a:r>
+            <a:r>
+              <a:rPr lang="en-US" sz="6600" b="1" dirty="0"/>
               <a:t>HTML</a:t>
             </a:r>
-          </a:p>
-        </p:txBody>
-      </p:sp>
-      <p:pic>
-        <p:nvPicPr>
-          <p:cNvPr id="1026" name="Picture 2" descr="http://rightblog.ru/wp-content/uploads/2015/09/HTML5-semantin-infografic_rightblog.ru_.png"/>
-          <p:cNvPicPr>
-            <a:picLocks noChangeAspect="1" noChangeArrowheads="1"/>
-          </p:cNvPicPr>
-          <p:nvPr/>
-        </p:nvPicPr>
-        <p:blipFill rotWithShape="1">
-          <a:blip r:embed="rId2">
-            <a:extLst>
-              <a:ext uri="{28A0092B-C50C-407E-A947-70E740481C1C}">
-                <a14:useLocalDpi xmlns:a14="http://schemas.microsoft.com/office/drawing/2010/main" val="0"/>
-              </a:ext>
-            </a:extLst>
-          </a:blip>
-          <a:srcRect l="1896" t="21715"/>
-          <a:stretch/>
-        </p:blipFill>
-        <p:spPr bwMode="auto">
-          <a:xfrm>
-            <a:off x="0" y="0"/>
-            <a:ext cx="6174418" cy="6858000"/>
-          </a:xfrm>
-          <a:prstGeom prst="rect">
-            <a:avLst/>
-          </a:prstGeom>
-          <a:ln>
-            <a:noFill/>
-          </a:ln>
-          <a:effectLst>
-            <a:outerShdw blurRad="292100" dist="139700" dir="2700000" algn="tl" rotWithShape="0">
-              <a:srgbClr val="333333">
-                <a:alpha val="65000"/>
-              </a:srgbClr>
-            </a:outerShdw>
-          </a:effectLst>
-          <a:extLst>
-            <a:ext uri="{909E8E84-426E-40DD-AFC4-6F175D3DCCD1}">
-              <a14:hiddenFill xmlns:a14="http://schemas.microsoft.com/office/drawing/2010/main">
-                <a:solidFill>
-                  <a:srgbClr val="FFFFFF"/>
-                </a:solidFill>
-              </a14:hiddenFill>
-            </a:ext>
-          </a:extLst>
-        </p:spPr>
-      </p:pic>
-      <p:sp>
-        <p:nvSpPr>
-          <p:cNvPr id="3" name="Прямоугольник 2"/>
-          <p:cNvSpPr/>
-          <p:nvPr/>
-        </p:nvSpPr>
-        <p:spPr>
-          <a:xfrm>
-            <a:off x="7097216" y="5334307"/>
-            <a:ext cx="4104456" cy="830997"/>
-          </a:xfrm>
-          <a:prstGeom prst="rect">
-            <a:avLst/>
-          </a:prstGeom>
-        </p:spPr>
-        <p:txBody>
-          <a:bodyPr wrap="square">
-            <a:spAutoFit/>
-          </a:bodyPr>
-          <a:lstStyle/>
-          <a:p>
-            <a:r>
-              <a:rPr lang="ru-RU" sz="2400" b="1" dirty="0">
-                <a:hlinkClick r:id="rId3"/>
-              </a:rPr>
-              <a:t>https://msiter.ru/tutorials/html5/semantic_elements</a:t>
-            </a:r>
-            <a:endParaRPr lang="ru-RU" sz="2400" b="1" dirty="0"/>
+            <a:r>
+              <a:rPr lang="ru-RU" sz="6600" b="1" dirty="0"/>
+              <a:t>…</a:t>
+            </a:r>
+            <a:endParaRPr lang="uk-UA" sz="6600" b="1" dirty="0"/>
           </a:p>
         </p:txBody>
       </p:sp>
     </p:spTree>
     <p:extLst>
       <p:ext uri="{BB962C8B-B14F-4D97-AF65-F5344CB8AC3E}">
-        <p14:creationId xmlns:p14="http://schemas.microsoft.com/office/powerpoint/2010/main" val="2689196661"/>
+        <p14:creationId xmlns:p14="http://schemas.microsoft.com/office/powerpoint/2010/main" val="1238102294"/>
       </p:ext>
     </p:extLst>
   </p:cSld>
@@ -7399,69 +7473,219 @@
       </p:grpSpPr>
       <p:sp>
         <p:nvSpPr>
-          <p:cNvPr id="5" name="Прямоугольник 4"/>
-          <p:cNvSpPr/>
+          <p:cNvPr id="4" name="Номер слайда 36"/>
+          <p:cNvSpPr txBox="1">
+            <a:spLocks/>
+          </p:cNvSpPr>
           <p:nvPr/>
         </p:nvSpPr>
         <p:spPr>
           <a:xfrm>
-            <a:off x="0" y="0"/>
-            <a:ext cx="12192000" cy="6858000"/>
-          </a:xfrm>
-          <a:prstGeom prst="rect">
+            <a:off x="11208568" y="6237312"/>
+            <a:ext cx="648072" cy="432048"/>
+          </a:xfrm>
+          <a:prstGeom prst="roundRect">
             <a:avLst/>
           </a:prstGeom>
-          <a:solidFill>
-            <a:schemeClr val="tx2">
-              <a:lumMod val="75000"/>
-            </a:schemeClr>
-          </a:solidFill>
+          <a:ln w="25400" cap="flat" cmpd="sng" algn="ctr">
+            <a:solidFill>
+              <a:schemeClr val="tx2">
+                <a:lumMod val="60000"/>
+                <a:lumOff val="40000"/>
+              </a:schemeClr>
+            </a:solidFill>
+            <a:prstDash val="solid"/>
+          </a:ln>
         </p:spPr>
         <p:style>
           <a:lnRef idx="2">
-            <a:schemeClr val="accent1">
-              <a:shade val="50000"/>
-            </a:schemeClr>
+            <a:schemeClr val="accent1"/>
           </a:lnRef>
           <a:fillRef idx="1">
-            <a:schemeClr val="accent1"/>
+            <a:schemeClr val="lt1"/>
           </a:fillRef>
           <a:effectRef idx="0">
             <a:schemeClr val="accent1"/>
           </a:effectRef>
           <a:fontRef idx="minor">
-            <a:schemeClr val="lt1"/>
+            <a:schemeClr val="dk1"/>
           </a:fontRef>
         </p:style>
         <p:txBody>
-          <a:bodyPr rtlCol="0" anchor="ctr"/>
+          <a:bodyPr vert="horz" lIns="91440" tIns="45720" rIns="91440" bIns="45720" rtlCol="0" anchor="ctr"/>
+          <a:lstStyle/>
+          <a:p>
+            <a:pPr algn="ctr">
+              <a:defRPr/>
+            </a:pPr>
+            <a:fld id="{6389AA22-90B4-448C-8B6B-C699140D38B9}" type="slidenum">
+              <a:rPr lang="uk-UA" sz="2400" b="1">
+                <a:solidFill>
+                  <a:schemeClr val="bg1">
+                    <a:lumMod val="50000"/>
+                  </a:schemeClr>
+                </a:solidFill>
+              </a:rPr>
+              <a:pPr algn="ctr">
+                <a:defRPr/>
+              </a:pPr>
+              <a:t>20</a:t>
+            </a:fld>
+            <a:endParaRPr lang="uk-UA" sz="2400" b="1" dirty="0">
+              <a:solidFill>
+                <a:schemeClr val="bg1">
+                  <a:lumMod val="50000"/>
+                </a:schemeClr>
+              </a:solidFill>
+            </a:endParaRPr>
+          </a:p>
+        </p:txBody>
+      </p:sp>
+      <p:sp>
+        <p:nvSpPr>
+          <p:cNvPr id="10" name="TextBox 9"/>
+          <p:cNvSpPr txBox="1"/>
+          <p:nvPr/>
+        </p:nvSpPr>
+        <p:spPr>
+          <a:xfrm>
+            <a:off x="2125452" y="5589240"/>
+            <a:ext cx="8424935" cy="830997"/>
+          </a:xfrm>
+          <a:prstGeom prst="rect">
+            <a:avLst/>
+          </a:prstGeom>
+          <a:noFill/>
+        </p:spPr>
+        <p:txBody>
+          <a:bodyPr wrap="square" rtlCol="0">
+            <a:spAutoFit/>
+          </a:bodyPr>
+          <a:lstStyle/>
+          <a:p>
+            <a:r>
+              <a:rPr lang="ru-RU" sz="2400" b="1" dirty="0">
+                <a:solidFill>
+                  <a:schemeClr val="accent6">
+                    <a:lumMod val="75000"/>
+                  </a:schemeClr>
+                </a:solidFill>
+              </a:rPr>
+              <a:t>Есть проблемы:</a:t>
+            </a:r>
+            <a:r>
+              <a:rPr lang="ru-RU" sz="2400" b="1" dirty="0"/>
+              <a:t> «</a:t>
+            </a:r>
+            <a:r>
+              <a:rPr lang="ru-RU" sz="2400" dirty="0"/>
+              <a:t>захламление» </a:t>
+            </a:r>
+            <a:r>
+              <a:rPr lang="en-US" sz="2400" b="1" dirty="0"/>
+              <a:t>HTML</a:t>
+            </a:r>
+            <a:r>
+              <a:rPr lang="ru-RU" sz="2400" b="1" dirty="0"/>
+              <a:t>-разметки</a:t>
+            </a:r>
+            <a:r>
+              <a:rPr lang="ru-RU" sz="2400" dirty="0"/>
+              <a:t>, дублирование кода, сложности</a:t>
+            </a:r>
+            <a:r>
+              <a:rPr lang="uk-UA" sz="2400" dirty="0"/>
+              <a:t> при</a:t>
+            </a:r>
+            <a:r>
+              <a:rPr lang="ru-RU" sz="2400" dirty="0"/>
+              <a:t> внесении изменений… </a:t>
+            </a:r>
+          </a:p>
+        </p:txBody>
+      </p:sp>
+      <p:sp>
+        <p:nvSpPr>
+          <p:cNvPr id="6" name="TextBox 5"/>
+          <p:cNvSpPr txBox="1"/>
+          <p:nvPr/>
+        </p:nvSpPr>
+        <p:spPr>
+          <a:xfrm>
+            <a:off x="0" y="404664"/>
+            <a:ext cx="12192000" cy="769441"/>
+          </a:xfrm>
+          <a:prstGeom prst="rect">
+            <a:avLst/>
+          </a:prstGeom>
+          <a:noFill/>
+        </p:spPr>
+        <p:txBody>
+          <a:bodyPr wrap="square" rtlCol="0">
+            <a:spAutoFit/>
+          </a:bodyPr>
           <a:lstStyle/>
           <a:p>
             <a:pPr algn="ctr"/>
             <a:r>
-              <a:rPr lang="en-US" sz="6600" b="1" dirty="0"/>
-              <a:t>6.</a:t>
-            </a:r>
-            <a:r>
-              <a:rPr lang="ru-RU" sz="6600" b="1" dirty="0"/>
-              <a:t> Проблемы в </a:t>
-            </a:r>
-            <a:r>
-              <a:rPr lang="en-US" sz="6600" b="1" dirty="0"/>
-              <a:t>HTML</a:t>
-            </a:r>
-            <a:r>
-              <a:rPr lang="ru-RU" sz="6600" b="1" dirty="0"/>
+              <a:rPr lang="en-US" sz="4400" b="1" dirty="0"/>
+              <a:t>HTML </a:t>
+            </a:r>
+            <a:r>
+              <a:rPr lang="ru-RU" sz="4400" b="1" dirty="0"/>
+              <a:t>и оформление</a:t>
+            </a:r>
+            <a:r>
+              <a:rPr lang="en-US" sz="4400" b="1" dirty="0"/>
               <a:t>…</a:t>
             </a:r>
-            <a:endParaRPr lang="uk-UA" sz="6600" b="1" dirty="0"/>
-          </a:p>
-        </p:txBody>
-      </p:sp>
+          </a:p>
+        </p:txBody>
+      </p:sp>
+      <p:pic>
+        <p:nvPicPr>
+          <p:cNvPr id="5" name="Рисунок 4">
+            <a:extLst>
+              <a:ext uri="{FF2B5EF4-FFF2-40B4-BE49-F238E27FC236}">
+                <a16:creationId xmlns:a16="http://schemas.microsoft.com/office/drawing/2014/main" id="{CC1D4994-93F9-4475-B5BC-08B4E6AA8E6B}"/>
+              </a:ext>
+            </a:extLst>
+          </p:cNvPr>
+          <p:cNvPicPr>
+            <a:picLocks noChangeAspect="1"/>
+          </p:cNvPicPr>
+          <p:nvPr/>
+        </p:nvPicPr>
+        <p:blipFill>
+          <a:blip r:embed="rId2"/>
+          <a:stretch>
+            <a:fillRect/>
+          </a:stretch>
+        </p:blipFill>
+        <p:spPr>
+          <a:xfrm>
+            <a:off x="0" y="1393301"/>
+            <a:ext cx="12192000" cy="3804271"/>
+          </a:xfrm>
+          <a:prstGeom prst="rect">
+            <a:avLst/>
+          </a:prstGeom>
+          <a:ln>
+            <a:noFill/>
+          </a:ln>
+          <a:effectLst>
+            <a:outerShdw blurRad="292100" dist="139700" dir="2700000" algn="tl" rotWithShape="0">
+              <a:srgbClr val="333333">
+                <a:alpha val="65000"/>
+              </a:srgbClr>
+            </a:outerShdw>
+          </a:effectLst>
+        </p:spPr>
+      </p:pic>
     </p:spTree>
     <p:extLst>
       <p:ext uri="{BB962C8B-B14F-4D97-AF65-F5344CB8AC3E}">
-        <p14:creationId xmlns:p14="http://schemas.microsoft.com/office/powerpoint/2010/main" val="1238102294"/>
+        <p14:creationId xmlns:p14="http://schemas.microsoft.com/office/powerpoint/2010/main" val="3369205468"/>
       </p:ext>
     </p:extLst>
   </p:cSld>
@@ -7490,219 +7714,57 @@
       </p:grpSpPr>
       <p:sp>
         <p:nvSpPr>
-          <p:cNvPr id="4" name="Номер слайда 36"/>
-          <p:cNvSpPr txBox="1">
-            <a:spLocks/>
-          </p:cNvSpPr>
+          <p:cNvPr id="5" name="Прямоугольник 4"/>
+          <p:cNvSpPr/>
           <p:nvPr/>
         </p:nvSpPr>
         <p:spPr>
           <a:xfrm>
-            <a:off x="11208568" y="6237312"/>
-            <a:ext cx="648072" cy="432048"/>
-          </a:xfrm>
-          <a:prstGeom prst="roundRect">
+            <a:off x="0" y="0"/>
+            <a:ext cx="12192000" cy="6858000"/>
+          </a:xfrm>
+          <a:prstGeom prst="rect">
             <a:avLst/>
           </a:prstGeom>
-          <a:ln w="25400" cap="flat" cmpd="sng" algn="ctr">
-            <a:solidFill>
-              <a:schemeClr val="tx2">
-                <a:lumMod val="60000"/>
-                <a:lumOff val="40000"/>
-              </a:schemeClr>
-            </a:solidFill>
-            <a:prstDash val="solid"/>
-          </a:ln>
+          <a:solidFill>
+            <a:schemeClr val="tx2">
+              <a:lumMod val="75000"/>
+            </a:schemeClr>
+          </a:solidFill>
         </p:spPr>
         <p:style>
           <a:lnRef idx="2">
-            <a:schemeClr val="accent1"/>
+            <a:schemeClr val="accent1">
+              <a:shade val="50000"/>
+            </a:schemeClr>
           </a:lnRef>
           <a:fillRef idx="1">
-            <a:schemeClr val="lt1"/>
+            <a:schemeClr val="accent1"/>
           </a:fillRef>
           <a:effectRef idx="0">
             <a:schemeClr val="accent1"/>
           </a:effectRef>
           <a:fontRef idx="minor">
-            <a:schemeClr val="dk1"/>
+            <a:schemeClr val="lt1"/>
           </a:fontRef>
         </p:style>
         <p:txBody>
-          <a:bodyPr vert="horz" lIns="91440" tIns="45720" rIns="91440" bIns="45720" rtlCol="0" anchor="ctr"/>
-          <a:lstStyle/>
-          <a:p>
-            <a:pPr algn="ctr">
-              <a:defRPr/>
-            </a:pPr>
-            <a:fld id="{6389AA22-90B4-448C-8B6B-C699140D38B9}" type="slidenum">
-              <a:rPr lang="uk-UA" sz="2400" b="1">
-                <a:solidFill>
-                  <a:schemeClr val="bg1">
-                    <a:lumMod val="50000"/>
-                  </a:schemeClr>
-                </a:solidFill>
-              </a:rPr>
-              <a:pPr algn="ctr">
-                <a:defRPr/>
-              </a:pPr>
-              <a:t>21</a:t>
-            </a:fld>
-            <a:endParaRPr lang="uk-UA" sz="2400" b="1" dirty="0">
-              <a:solidFill>
-                <a:schemeClr val="bg1">
-                  <a:lumMod val="50000"/>
-                </a:schemeClr>
-              </a:solidFill>
-            </a:endParaRPr>
-          </a:p>
-        </p:txBody>
-      </p:sp>
-      <p:sp>
-        <p:nvSpPr>
-          <p:cNvPr id="10" name="TextBox 9"/>
-          <p:cNvSpPr txBox="1"/>
-          <p:nvPr/>
-        </p:nvSpPr>
-        <p:spPr>
-          <a:xfrm>
-            <a:off x="2125452" y="5589240"/>
-            <a:ext cx="8424935" cy="830997"/>
-          </a:xfrm>
-          <a:prstGeom prst="rect">
-            <a:avLst/>
-          </a:prstGeom>
-          <a:noFill/>
-        </p:spPr>
-        <p:txBody>
-          <a:bodyPr wrap="square" rtlCol="0">
-            <a:spAutoFit/>
-          </a:bodyPr>
-          <a:lstStyle/>
-          <a:p>
-            <a:r>
-              <a:rPr lang="ru-RU" sz="2400" b="1" dirty="0">
-                <a:solidFill>
-                  <a:schemeClr val="accent6">
-                    <a:lumMod val="75000"/>
-                  </a:schemeClr>
-                </a:solidFill>
-              </a:rPr>
-              <a:t>Есть проблемы:</a:t>
-            </a:r>
-            <a:r>
-              <a:rPr lang="ru-RU" sz="2400" b="1" dirty="0"/>
-              <a:t> «</a:t>
-            </a:r>
-            <a:r>
-              <a:rPr lang="ru-RU" sz="2400" dirty="0"/>
-              <a:t>захламление» </a:t>
-            </a:r>
-            <a:r>
-              <a:rPr lang="en-US" sz="2400" b="1" dirty="0"/>
-              <a:t>HTML</a:t>
-            </a:r>
-            <a:r>
-              <a:rPr lang="ru-RU" sz="2400" b="1" dirty="0"/>
-              <a:t>-разметки</a:t>
-            </a:r>
-            <a:r>
-              <a:rPr lang="ru-RU" sz="2400" dirty="0"/>
-              <a:t>, дублирование кода, сложности</a:t>
-            </a:r>
-            <a:r>
-              <a:rPr lang="uk-UA" sz="2400" dirty="0"/>
-              <a:t> при</a:t>
-            </a:r>
-            <a:r>
-              <a:rPr lang="ru-RU" sz="2400" dirty="0"/>
-              <a:t> внесении изменений… </a:t>
-            </a:r>
-          </a:p>
-        </p:txBody>
-      </p:sp>
-      <p:sp>
-        <p:nvSpPr>
-          <p:cNvPr id="6" name="TextBox 5"/>
-          <p:cNvSpPr txBox="1"/>
-          <p:nvPr/>
-        </p:nvSpPr>
-        <p:spPr>
-          <a:xfrm>
-            <a:off x="0" y="404664"/>
-            <a:ext cx="12192000" cy="769441"/>
-          </a:xfrm>
-          <a:prstGeom prst="rect">
-            <a:avLst/>
-          </a:prstGeom>
-          <a:noFill/>
-        </p:spPr>
-        <p:txBody>
-          <a:bodyPr wrap="square" rtlCol="0">
-            <a:spAutoFit/>
-          </a:bodyPr>
+          <a:bodyPr rtlCol="0" anchor="ctr"/>
           <a:lstStyle/>
           <a:p>
             <a:pPr algn="ctr"/>
             <a:r>
-              <a:rPr lang="en-US" sz="4400" b="1" dirty="0"/>
-              <a:t>HTML </a:t>
-            </a:r>
-            <a:r>
-              <a:rPr lang="ru-RU" sz="4400" b="1" dirty="0"/>
-              <a:t>и оформление</a:t>
-            </a:r>
-            <a:r>
-              <a:rPr lang="en-US" sz="4400" b="1" dirty="0"/>
-              <a:t>…</a:t>
-            </a:r>
-          </a:p>
-        </p:txBody>
-      </p:sp>
-      <p:pic>
-        <p:nvPicPr>
-          <p:cNvPr id="5" name="Рисунок 4">
-            <a:extLst>
-              <a:ext uri="{FF2B5EF4-FFF2-40B4-BE49-F238E27FC236}">
-                <a16:creationId xmlns:a16="http://schemas.microsoft.com/office/drawing/2014/main" id="{CC1D4994-93F9-4475-B5BC-08B4E6AA8E6B}"/>
-              </a:ext>
-            </a:extLst>
-          </p:cNvPr>
-          <p:cNvPicPr>
-            <a:picLocks noChangeAspect="1"/>
-          </p:cNvPicPr>
-          <p:nvPr/>
-        </p:nvPicPr>
-        <p:blipFill>
-          <a:blip r:embed="rId2"/>
-          <a:stretch>
-            <a:fillRect/>
-          </a:stretch>
-        </p:blipFill>
-        <p:spPr>
-          <a:xfrm>
-            <a:off x="0" y="1393301"/>
-            <a:ext cx="12192000" cy="3804271"/>
-          </a:xfrm>
-          <a:prstGeom prst="rect">
-            <a:avLst/>
-          </a:prstGeom>
-          <a:ln>
-            <a:noFill/>
-          </a:ln>
-          <a:effectLst>
-            <a:outerShdw blurRad="292100" dist="139700" dir="2700000" algn="tl" rotWithShape="0">
-              <a:srgbClr val="333333">
-                <a:alpha val="65000"/>
-              </a:srgbClr>
-            </a:outerShdw>
-          </a:effectLst>
-        </p:spPr>
-      </p:pic>
+              <a:rPr lang="ru-RU" sz="6600" b="1" dirty="0"/>
+              <a:t>Будет полезным…</a:t>
+            </a:r>
+            <a:endParaRPr lang="uk-UA" sz="6600" b="1" dirty="0"/>
+          </a:p>
+        </p:txBody>
+      </p:sp>
     </p:spTree>
     <p:extLst>
       <p:ext uri="{BB962C8B-B14F-4D97-AF65-F5344CB8AC3E}">
-        <p14:creationId xmlns:p14="http://schemas.microsoft.com/office/powerpoint/2010/main" val="3369205468"/>
+        <p14:creationId xmlns:p14="http://schemas.microsoft.com/office/powerpoint/2010/main" val="3012564262"/>
       </p:ext>
     </p:extLst>
   </p:cSld>
@@ -7731,57 +7793,225 @@
       </p:grpSpPr>
       <p:sp>
         <p:nvSpPr>
-          <p:cNvPr id="5" name="Прямоугольник 4"/>
-          <p:cNvSpPr/>
+          <p:cNvPr id="5" name="Номер слайда 36"/>
+          <p:cNvSpPr txBox="1">
+            <a:spLocks/>
+          </p:cNvSpPr>
           <p:nvPr/>
         </p:nvSpPr>
         <p:spPr>
           <a:xfrm>
-            <a:off x="0" y="0"/>
-            <a:ext cx="12192000" cy="6858000"/>
-          </a:xfrm>
-          <a:prstGeom prst="rect">
+            <a:off x="11280576" y="6192948"/>
+            <a:ext cx="648072" cy="432048"/>
+          </a:xfrm>
+          <a:prstGeom prst="roundRect">
             <a:avLst/>
           </a:prstGeom>
-          <a:solidFill>
-            <a:schemeClr val="tx2">
-              <a:lumMod val="75000"/>
-            </a:schemeClr>
-          </a:solidFill>
+          <a:ln w="25400" cap="flat" cmpd="sng" algn="ctr">
+            <a:solidFill>
+              <a:schemeClr val="tx2">
+                <a:lumMod val="60000"/>
+                <a:lumOff val="40000"/>
+              </a:schemeClr>
+            </a:solidFill>
+            <a:prstDash val="solid"/>
+          </a:ln>
         </p:spPr>
         <p:style>
           <a:lnRef idx="2">
-            <a:schemeClr val="accent1">
-              <a:shade val="50000"/>
-            </a:schemeClr>
+            <a:schemeClr val="accent1"/>
           </a:lnRef>
           <a:fillRef idx="1">
-            <a:schemeClr val="accent1"/>
+            <a:schemeClr val="lt1"/>
           </a:fillRef>
           <a:effectRef idx="0">
             <a:schemeClr val="accent1"/>
           </a:effectRef>
           <a:fontRef idx="minor">
-            <a:schemeClr val="lt1"/>
+            <a:schemeClr val="dk1"/>
           </a:fontRef>
         </p:style>
         <p:txBody>
-          <a:bodyPr rtlCol="0" anchor="ctr"/>
+          <a:bodyPr vert="horz" lIns="91440" tIns="45720" rIns="91440" bIns="45720" rtlCol="0" anchor="ctr"/>
+          <a:lstStyle/>
+          <a:p>
+            <a:pPr algn="ctr">
+              <a:defRPr/>
+            </a:pPr>
+            <a:fld id="{6389AA22-90B4-448C-8B6B-C699140D38B9}" type="slidenum">
+              <a:rPr lang="uk-UA" sz="2400" b="1">
+                <a:solidFill>
+                  <a:schemeClr val="bg1">
+                    <a:lumMod val="50000"/>
+                  </a:schemeClr>
+                </a:solidFill>
+              </a:rPr>
+              <a:pPr algn="ctr">
+                <a:defRPr/>
+              </a:pPr>
+              <a:t>22</a:t>
+            </a:fld>
+            <a:endParaRPr lang="uk-UA" sz="2400" b="1" dirty="0">
+              <a:solidFill>
+                <a:schemeClr val="bg1">
+                  <a:lumMod val="50000"/>
+                </a:schemeClr>
+              </a:solidFill>
+            </a:endParaRPr>
+          </a:p>
+        </p:txBody>
+      </p:sp>
+      <p:sp>
+        <p:nvSpPr>
+          <p:cNvPr id="11" name="TextBox 10"/>
+          <p:cNvSpPr txBox="1"/>
+          <p:nvPr/>
+        </p:nvSpPr>
+        <p:spPr>
+          <a:xfrm>
+            <a:off x="3215680" y="4721055"/>
+            <a:ext cx="6122931" cy="1077218"/>
+          </a:xfrm>
+          <a:prstGeom prst="rect">
+            <a:avLst/>
+          </a:prstGeom>
+          <a:noFill/>
+        </p:spPr>
+        <p:txBody>
+          <a:bodyPr wrap="square" rtlCol="0">
+            <a:spAutoFit/>
+          </a:bodyPr>
           <a:lstStyle/>
           <a:p>
             <a:pPr algn="ctr"/>
             <a:r>
-              <a:rPr lang="ru-RU" sz="6600" b="1" dirty="0"/>
-              <a:t>Будет полезным…</a:t>
-            </a:r>
-            <a:endParaRPr lang="uk-UA" sz="6600" b="1" dirty="0"/>
-          </a:p>
-        </p:txBody>
-      </p:sp>
+              <a:rPr lang="ru-RU" sz="3200" i="1" dirty="0"/>
+              <a:t>Крупный фотобанк с </a:t>
+            </a:r>
+            <a:r>
+              <a:rPr lang="ru-RU" sz="3200" b="1" i="1" dirty="0"/>
+              <a:t>бесплатными</a:t>
+            </a:r>
+            <a:r>
+              <a:rPr lang="ru-RU" sz="3200" i="1" dirty="0"/>
+              <a:t> фотографиями </a:t>
+            </a:r>
+          </a:p>
+        </p:txBody>
+      </p:sp>
+      <p:sp>
+        <p:nvSpPr>
+          <p:cNvPr id="12" name="Прямоугольник 11"/>
+          <p:cNvSpPr/>
+          <p:nvPr/>
+        </p:nvSpPr>
+        <p:spPr>
+          <a:xfrm>
+            <a:off x="3215681" y="5805264"/>
+            <a:ext cx="6122930" cy="646331"/>
+          </a:xfrm>
+          <a:prstGeom prst="rect">
+            <a:avLst/>
+          </a:prstGeom>
+        </p:spPr>
+        <p:txBody>
+          <a:bodyPr wrap="square">
+            <a:spAutoFit/>
+          </a:bodyPr>
+          <a:lstStyle/>
+          <a:p>
+            <a:pPr algn="ctr"/>
+            <a:r>
+              <a:rPr lang="en-US" sz="3600" b="1" dirty="0">
+                <a:hlinkClick r:id="rId2"/>
+              </a:rPr>
+              <a:t>https://unsplash.com/</a:t>
+            </a:r>
+            <a:endParaRPr lang="uk-UA" sz="3600" b="1" dirty="0"/>
+          </a:p>
+        </p:txBody>
+      </p:sp>
+      <p:sp>
+        <p:nvSpPr>
+          <p:cNvPr id="15" name="TextBox 14"/>
+          <p:cNvSpPr txBox="1"/>
+          <p:nvPr/>
+        </p:nvSpPr>
+        <p:spPr>
+          <a:xfrm>
+            <a:off x="0" y="332656"/>
+            <a:ext cx="12192000" cy="830997"/>
+          </a:xfrm>
+          <a:prstGeom prst="rect">
+            <a:avLst/>
+          </a:prstGeom>
+          <a:noFill/>
+        </p:spPr>
+        <p:txBody>
+          <a:bodyPr wrap="square" rtlCol="0">
+            <a:spAutoFit/>
+          </a:bodyPr>
+          <a:lstStyle/>
+          <a:p>
+            <a:pPr algn="ctr"/>
+            <a:r>
+              <a:rPr lang="ru-RU" sz="4800" b="1" dirty="0"/>
+              <a:t>Фотобанк</a:t>
+            </a:r>
+            <a:r>
+              <a:rPr lang="en-US" sz="4800" b="1" dirty="0"/>
+              <a:t>  </a:t>
+            </a:r>
+            <a:r>
+              <a:rPr lang="en-US" sz="4800" b="1" dirty="0" err="1"/>
+              <a:t>Unsplash</a:t>
+            </a:r>
+            <a:endParaRPr lang="uk-UA" sz="4800" b="1" dirty="0"/>
+          </a:p>
+        </p:txBody>
+      </p:sp>
+      <p:pic>
+        <p:nvPicPr>
+          <p:cNvPr id="2" name="Рисунок 1"/>
+          <p:cNvPicPr>
+            <a:picLocks noChangeAspect="1"/>
+          </p:cNvPicPr>
+          <p:nvPr/>
+        </p:nvPicPr>
+        <p:blipFill>
+          <a:blip r:embed="rId3"/>
+          <a:stretch>
+            <a:fillRect/>
+          </a:stretch>
+        </p:blipFill>
+        <p:spPr>
+          <a:xfrm>
+            <a:off x="3215680" y="1267599"/>
+            <a:ext cx="6122931" cy="3191510"/>
+          </a:xfrm>
+          <a:prstGeom prst="rect">
+            <a:avLst/>
+          </a:prstGeom>
+          <a:ln>
+            <a:solidFill>
+              <a:schemeClr val="bg1">
+                <a:lumMod val="75000"/>
+              </a:schemeClr>
+            </a:solidFill>
+          </a:ln>
+          <a:effectLst>
+            <a:outerShdw blurRad="292100" dist="139700" dir="2700000" algn="tl" rotWithShape="0">
+              <a:srgbClr val="333333">
+                <a:alpha val="65000"/>
+              </a:srgbClr>
+            </a:outerShdw>
+          </a:effectLst>
+        </p:spPr>
+      </p:pic>
     </p:spTree>
     <p:extLst>
       <p:ext uri="{BB962C8B-B14F-4D97-AF65-F5344CB8AC3E}">
-        <p14:creationId xmlns:p14="http://schemas.microsoft.com/office/powerpoint/2010/main" val="3012564262"/>
+        <p14:creationId xmlns:p14="http://schemas.microsoft.com/office/powerpoint/2010/main" val="3874926999"/>
       </p:ext>
     </p:extLst>
   </p:cSld>
@@ -7810,7 +8040,80 @@
       </p:grpSpPr>
       <p:sp>
         <p:nvSpPr>
-          <p:cNvPr id="5" name="Номер слайда 36"/>
+          <p:cNvPr id="7" name="TextBox 6"/>
+          <p:cNvSpPr txBox="1"/>
+          <p:nvPr/>
+        </p:nvSpPr>
+        <p:spPr>
+          <a:xfrm>
+            <a:off x="1524000" y="5944925"/>
+            <a:ext cx="9144000" cy="584775"/>
+          </a:xfrm>
+          <a:prstGeom prst="rect">
+            <a:avLst/>
+          </a:prstGeom>
+          <a:noFill/>
+        </p:spPr>
+        <p:txBody>
+          <a:bodyPr wrap="square" rtlCol="0">
+            <a:spAutoFit/>
+          </a:bodyPr>
+          <a:lstStyle/>
+          <a:p>
+            <a:pPr algn="ctr"/>
+            <a:r>
+              <a:rPr lang="en-US" sz="3200" b="1" u="sng" dirty="0">
+                <a:solidFill>
+                  <a:srgbClr val="3333CC"/>
+                </a:solidFill>
+              </a:rPr>
+              <a:t>https://html-css.co.ua/dovidnuk-html-tags/</a:t>
+            </a:r>
+            <a:endParaRPr lang="uk-UA" sz="3200" u="sng" dirty="0">
+              <a:solidFill>
+                <a:srgbClr val="3333CC"/>
+              </a:solidFill>
+            </a:endParaRPr>
+          </a:p>
+        </p:txBody>
+      </p:sp>
+      <p:sp>
+        <p:nvSpPr>
+          <p:cNvPr id="8" name="TextBox 7"/>
+          <p:cNvSpPr txBox="1"/>
+          <p:nvPr/>
+        </p:nvSpPr>
+        <p:spPr>
+          <a:xfrm>
+            <a:off x="1524000" y="190382"/>
+            <a:ext cx="9144000" cy="646331"/>
+          </a:xfrm>
+          <a:prstGeom prst="rect">
+            <a:avLst/>
+          </a:prstGeom>
+          <a:noFill/>
+        </p:spPr>
+        <p:txBody>
+          <a:bodyPr wrap="square" rtlCol="0">
+            <a:spAutoFit/>
+          </a:bodyPr>
+          <a:lstStyle/>
+          <a:p>
+            <a:pPr algn="ctr"/>
+            <a:r>
+              <a:rPr lang="ru-RU" sz="3600" b="1" dirty="0"/>
+              <a:t>Справочник по </a:t>
+            </a:r>
+            <a:r>
+              <a:rPr lang="en-US" sz="3600" b="1" dirty="0"/>
+              <a:t>HTML</a:t>
+            </a:r>
+          </a:p>
+        </p:txBody>
+      </p:sp>
+      <p:sp>
+        <p:nvSpPr>
+          <p:cNvPr id="4" name="Номер слайда 36"/>
           <p:cNvSpPr txBox="1">
             <a:spLocks/>
           </p:cNvSpPr>
@@ -7818,7 +8121,7 @@
         </p:nvSpPr>
         <p:spPr>
           <a:xfrm>
-            <a:off x="11280576" y="6192948"/>
+            <a:off x="11136560" y="6100419"/>
             <a:ext cx="648072" cy="432048"/>
           </a:xfrm>
           <a:prstGeom prst="roundRect">
@@ -7878,115 +8181,6 @@
           </a:p>
         </p:txBody>
       </p:sp>
-      <p:sp>
-        <p:nvSpPr>
-          <p:cNvPr id="11" name="TextBox 10"/>
-          <p:cNvSpPr txBox="1"/>
-          <p:nvPr/>
-        </p:nvSpPr>
-        <p:spPr>
-          <a:xfrm>
-            <a:off x="3215680" y="4721055"/>
-            <a:ext cx="6122931" cy="1077218"/>
-          </a:xfrm>
-          <a:prstGeom prst="rect">
-            <a:avLst/>
-          </a:prstGeom>
-          <a:noFill/>
-        </p:spPr>
-        <p:txBody>
-          <a:bodyPr wrap="square" rtlCol="0">
-            <a:spAutoFit/>
-          </a:bodyPr>
-          <a:lstStyle/>
-          <a:p>
-            <a:pPr algn="ctr"/>
-            <a:r>
-              <a:rPr lang="ru-RU" sz="3200" i="1" dirty="0"/>
-              <a:t>Крупный фотобанк с </a:t>
-            </a:r>
-            <a:r>
-              <a:rPr lang="ru-RU" sz="3200" b="1" i="1" dirty="0"/>
-              <a:t>бесплатными</a:t>
-            </a:r>
-            <a:r>
-              <a:rPr lang="ru-RU" sz="3200" i="1" dirty="0"/>
-              <a:t> фотографиями </a:t>
-            </a:r>
-          </a:p>
-        </p:txBody>
-      </p:sp>
-      <p:sp>
-        <p:nvSpPr>
-          <p:cNvPr id="12" name="Прямоугольник 11"/>
-          <p:cNvSpPr/>
-          <p:nvPr/>
-        </p:nvSpPr>
-        <p:spPr>
-          <a:xfrm>
-            <a:off x="3215681" y="5805264"/>
-            <a:ext cx="6122930" cy="646331"/>
-          </a:xfrm>
-          <a:prstGeom prst="rect">
-            <a:avLst/>
-          </a:prstGeom>
-        </p:spPr>
-        <p:txBody>
-          <a:bodyPr wrap="square">
-            <a:spAutoFit/>
-          </a:bodyPr>
-          <a:lstStyle/>
-          <a:p>
-            <a:pPr algn="ctr"/>
-            <a:r>
-              <a:rPr lang="en-US" sz="3600" b="1" dirty="0">
-                <a:hlinkClick r:id="rId2"/>
-              </a:rPr>
-              <a:t>https://unsplash.com/</a:t>
-            </a:r>
-            <a:endParaRPr lang="uk-UA" sz="3600" b="1" dirty="0"/>
-          </a:p>
-        </p:txBody>
-      </p:sp>
-      <p:sp>
-        <p:nvSpPr>
-          <p:cNvPr id="15" name="TextBox 14"/>
-          <p:cNvSpPr txBox="1"/>
-          <p:nvPr/>
-        </p:nvSpPr>
-        <p:spPr>
-          <a:xfrm>
-            <a:off x="0" y="332656"/>
-            <a:ext cx="12192000" cy="830997"/>
-          </a:xfrm>
-          <a:prstGeom prst="rect">
-            <a:avLst/>
-          </a:prstGeom>
-          <a:noFill/>
-        </p:spPr>
-        <p:txBody>
-          <a:bodyPr wrap="square" rtlCol="0">
-            <a:spAutoFit/>
-          </a:bodyPr>
-          <a:lstStyle/>
-          <a:p>
-            <a:pPr algn="ctr"/>
-            <a:r>
-              <a:rPr lang="ru-RU" sz="4800" b="1" dirty="0"/>
-              <a:t>Фотобанк</a:t>
-            </a:r>
-            <a:r>
-              <a:rPr lang="en-US" sz="4800" b="1" dirty="0"/>
-              <a:t>  </a:t>
-            </a:r>
-            <a:r>
-              <a:rPr lang="en-US" sz="4800" b="1" dirty="0" err="1"/>
-              <a:t>Unsplash</a:t>
-            </a:r>
-            <a:endParaRPr lang="uk-UA" sz="4800" b="1" dirty="0"/>
-          </a:p>
-        </p:txBody>
-      </p:sp>
       <p:pic>
         <p:nvPicPr>
           <p:cNvPr id="2" name="Рисунок 1"/>
@@ -7996,39 +8190,25 @@
           <p:nvPr/>
         </p:nvPicPr>
         <p:blipFill>
-          <a:blip r:embed="rId3"/>
+          <a:blip r:embed="rId2"/>
           <a:stretch>
             <a:fillRect/>
           </a:stretch>
         </p:blipFill>
         <p:spPr>
           <a:xfrm>
-            <a:off x="3215680" y="1267599"/>
-            <a:ext cx="6122931" cy="3191510"/>
+            <a:off x="2279577" y="929866"/>
+            <a:ext cx="7952791" cy="4868865"/>
           </a:xfrm>
           <a:prstGeom prst="rect">
             <a:avLst/>
           </a:prstGeom>
-          <a:ln>
-            <a:solidFill>
-              <a:schemeClr val="bg1">
-                <a:lumMod val="75000"/>
-              </a:schemeClr>
-            </a:solidFill>
-          </a:ln>
-          <a:effectLst>
-            <a:outerShdw blurRad="292100" dist="139700" dir="2700000" algn="tl" rotWithShape="0">
-              <a:srgbClr val="333333">
-                <a:alpha val="65000"/>
-              </a:srgbClr>
-            </a:outerShdw>
-          </a:effectLst>
         </p:spPr>
       </p:pic>
     </p:spTree>
     <p:extLst>
       <p:ext uri="{BB962C8B-B14F-4D97-AF65-F5344CB8AC3E}">
-        <p14:creationId xmlns:p14="http://schemas.microsoft.com/office/powerpoint/2010/main" val="3874926999"/>
+        <p14:creationId xmlns:p14="http://schemas.microsoft.com/office/powerpoint/2010/main" val="2134033093"/>
       </p:ext>
     </p:extLst>
   </p:cSld>
@@ -8057,80 +8237,7 @@
       </p:grpSpPr>
       <p:sp>
         <p:nvSpPr>
-          <p:cNvPr id="7" name="TextBox 6"/>
-          <p:cNvSpPr txBox="1"/>
-          <p:nvPr/>
-        </p:nvSpPr>
-        <p:spPr>
-          <a:xfrm>
-            <a:off x="1524000" y="5944925"/>
-            <a:ext cx="9144000" cy="584775"/>
-          </a:xfrm>
-          <a:prstGeom prst="rect">
-            <a:avLst/>
-          </a:prstGeom>
-          <a:noFill/>
-        </p:spPr>
-        <p:txBody>
-          <a:bodyPr wrap="square" rtlCol="0">
-            <a:spAutoFit/>
-          </a:bodyPr>
-          <a:lstStyle/>
-          <a:p>
-            <a:pPr algn="ctr"/>
-            <a:r>
-              <a:rPr lang="en-US" sz="3200" b="1" u="sng">
-                <a:solidFill>
-                  <a:srgbClr val="3333CC"/>
-                </a:solidFill>
-              </a:rPr>
-              <a:t>https://html-css.co.ua/dovidnuk-html-tags/</a:t>
-            </a:r>
-            <a:endParaRPr lang="uk-UA" sz="3200" u="sng" dirty="0">
-              <a:solidFill>
-                <a:srgbClr val="3333CC"/>
-              </a:solidFill>
-            </a:endParaRPr>
-          </a:p>
-        </p:txBody>
-      </p:sp>
-      <p:sp>
-        <p:nvSpPr>
-          <p:cNvPr id="8" name="TextBox 7"/>
-          <p:cNvSpPr txBox="1"/>
-          <p:nvPr/>
-        </p:nvSpPr>
-        <p:spPr>
-          <a:xfrm>
-            <a:off x="1524000" y="190382"/>
-            <a:ext cx="9144000" cy="646331"/>
-          </a:xfrm>
-          <a:prstGeom prst="rect">
-            <a:avLst/>
-          </a:prstGeom>
-          <a:noFill/>
-        </p:spPr>
-        <p:txBody>
-          <a:bodyPr wrap="square" rtlCol="0">
-            <a:spAutoFit/>
-          </a:bodyPr>
-          <a:lstStyle/>
-          <a:p>
-            <a:pPr algn="ctr"/>
-            <a:r>
-              <a:rPr lang="ru-RU" sz="3600" b="1" dirty="0"/>
-              <a:t>Справочник по </a:t>
-            </a:r>
-            <a:r>
-              <a:rPr lang="en-US" sz="3600" b="1" dirty="0"/>
-              <a:t>HTML</a:t>
-            </a:r>
-          </a:p>
-        </p:txBody>
-      </p:sp>
-      <p:sp>
-        <p:nvSpPr>
-          <p:cNvPr id="4" name="Номер слайда 36"/>
+          <p:cNvPr id="7" name="Номер слайда 36"/>
           <p:cNvSpPr txBox="1">
             <a:spLocks/>
           </p:cNvSpPr>
@@ -8138,7 +8245,7 @@
         </p:nvSpPr>
         <p:spPr>
           <a:xfrm>
-            <a:off x="11136560" y="6100419"/>
+            <a:off x="11208568" y="6165304"/>
             <a:ext cx="648072" cy="432048"/>
           </a:xfrm>
           <a:prstGeom prst="roundRect">
@@ -8198,34 +8305,264 @@
           </a:p>
         </p:txBody>
       </p:sp>
-      <p:pic>
-        <p:nvPicPr>
-          <p:cNvPr id="2" name="Рисунок 1"/>
-          <p:cNvPicPr>
-            <a:picLocks noChangeAspect="1"/>
-          </p:cNvPicPr>
+      <p:sp>
+        <p:nvSpPr>
+          <p:cNvPr id="10" name="Скругленный прямоугольник 9"/>
+          <p:cNvSpPr/>
           <p:nvPr/>
-        </p:nvPicPr>
-        <p:blipFill>
-          <a:blip r:embed="rId2"/>
-          <a:stretch>
-            <a:fillRect/>
-          </a:stretch>
-        </p:blipFill>
+        </p:nvSpPr>
         <p:spPr>
           <a:xfrm>
-            <a:off x="2279577" y="929866"/>
-            <a:ext cx="7952791" cy="4868865"/>
+            <a:off x="-20717" y="5572171"/>
+            <a:ext cx="12192000" cy="578882"/>
+          </a:xfrm>
+          <a:prstGeom prst="roundRect">
+            <a:avLst/>
+          </a:prstGeom>
+          <a:noFill/>
+          <a:ln>
+            <a:noFill/>
+          </a:ln>
+        </p:spPr>
+        <p:style>
+          <a:lnRef idx="2">
+            <a:schemeClr val="accent3"/>
+          </a:lnRef>
+          <a:fillRef idx="1">
+            <a:schemeClr val="lt1"/>
+          </a:fillRef>
+          <a:effectRef idx="0">
+            <a:schemeClr val="accent3"/>
+          </a:effectRef>
+          <a:fontRef idx="minor">
+            <a:schemeClr val="dk1"/>
+          </a:fontRef>
+        </p:style>
+        <p:txBody>
+          <a:bodyPr wrap="square">
+            <a:spAutoFit/>
+          </a:bodyPr>
+          <a:lstStyle/>
+          <a:p>
+            <a:pPr algn="ctr" fontAlgn="base"/>
+            <a:r>
+              <a:rPr lang="ru-RU" sz="2800" b="1" dirty="0"/>
+              <a:t>Обратите на них внимание в справочнике</a:t>
+            </a:r>
+            <a:endParaRPr lang="en-US" sz="2800" b="1" dirty="0">
+              <a:solidFill>
+                <a:schemeClr val="tx1"/>
+              </a:solidFill>
+            </a:endParaRPr>
+          </a:p>
+        </p:txBody>
+      </p:sp>
+      <p:sp>
+        <p:nvSpPr>
+          <p:cNvPr id="13" name="Заголовок 1"/>
+          <p:cNvSpPr txBox="1">
+            <a:spLocks/>
+          </p:cNvSpPr>
+          <p:nvPr/>
+        </p:nvSpPr>
+        <p:spPr>
+          <a:xfrm>
+            <a:off x="-20717" y="706949"/>
+            <a:ext cx="12192000" cy="1143000"/>
           </a:xfrm>
           <a:prstGeom prst="rect">
             <a:avLst/>
           </a:prstGeom>
         </p:spPr>
-      </p:pic>
+        <p:txBody>
+          <a:bodyPr vert="horz" lIns="91440" tIns="45720" rIns="91440" bIns="45720" rtlCol="0" anchor="ctr">
+            <a:normAutofit/>
+          </a:bodyPr>
+          <a:lstStyle/>
+          <a:p>
+            <a:pPr algn="ctr">
+              <a:spcBef>
+                <a:spcPct val="0"/>
+              </a:spcBef>
+              <a:defRPr/>
+            </a:pPr>
+            <a:r>
+              <a:rPr lang="ru-RU" sz="4000" b="1" dirty="0">
+                <a:latin typeface="+mj-lt"/>
+                <a:ea typeface="+mj-ea"/>
+                <a:cs typeface="+mj-cs"/>
+              </a:rPr>
+              <a:t>Ряд тегов которые пригодятся</a:t>
+            </a:r>
+            <a:endParaRPr lang="uk-UA" sz="4000" b="1" dirty="0">
+              <a:latin typeface="+mj-lt"/>
+              <a:ea typeface="+mj-ea"/>
+              <a:cs typeface="+mj-cs"/>
+            </a:endParaRPr>
+          </a:p>
+        </p:txBody>
+      </p:sp>
+      <p:sp>
+        <p:nvSpPr>
+          <p:cNvPr id="3" name="Прямоугольник 2"/>
+          <p:cNvSpPr/>
+          <p:nvPr/>
+        </p:nvSpPr>
+        <p:spPr>
+          <a:xfrm>
+            <a:off x="-20717" y="2556898"/>
+            <a:ext cx="12192000" cy="2308324"/>
+          </a:xfrm>
+          <a:prstGeom prst="rect">
+            <a:avLst/>
+          </a:prstGeom>
+        </p:spPr>
+        <p:txBody>
+          <a:bodyPr wrap="square">
+            <a:spAutoFit/>
+          </a:bodyPr>
+          <a:lstStyle/>
+          <a:p>
+            <a:pPr algn="ctr" fontAlgn="base"/>
+            <a:r>
+              <a:rPr lang="en-US" sz="3600" b="1" dirty="0">
+                <a:solidFill>
+                  <a:srgbClr val="0070C0"/>
+                </a:solidFill>
+                <a:latin typeface="Courier New" panose="02070309020205020404" pitchFamily="49" charset="0"/>
+                <a:cs typeface="Courier New" panose="02070309020205020404" pitchFamily="49" charset="0"/>
+              </a:rPr>
+              <a:t>&lt;div&gt;, &lt;span&gt;, &lt;p&gt;, &lt;h1&gt;-&lt;h6&gt;, &lt;</a:t>
+            </a:r>
+            <a:r>
+              <a:rPr lang="en-US" sz="3600" b="1" dirty="0" err="1">
+                <a:solidFill>
+                  <a:srgbClr val="0070C0"/>
+                </a:solidFill>
+                <a:latin typeface="Courier New" panose="02070309020205020404" pitchFamily="49" charset="0"/>
+                <a:cs typeface="Courier New" panose="02070309020205020404" pitchFamily="49" charset="0"/>
+              </a:rPr>
+              <a:t>hr</a:t>
+            </a:r>
+            <a:r>
+              <a:rPr lang="en-US" sz="3600" b="1" dirty="0">
+                <a:solidFill>
+                  <a:srgbClr val="0070C0"/>
+                </a:solidFill>
+                <a:latin typeface="Courier New" panose="02070309020205020404" pitchFamily="49" charset="0"/>
+                <a:cs typeface="Courier New" panose="02070309020205020404" pitchFamily="49" charset="0"/>
+              </a:rPr>
+              <a:t>&gt;,</a:t>
+            </a:r>
+            <a:r>
+              <a:rPr lang="ru-RU" sz="3600" b="1" dirty="0">
+                <a:solidFill>
+                  <a:srgbClr val="0070C0"/>
+                </a:solidFill>
+                <a:latin typeface="Courier New" panose="02070309020205020404" pitchFamily="49" charset="0"/>
+                <a:cs typeface="Courier New" panose="02070309020205020404" pitchFamily="49" charset="0"/>
+              </a:rPr>
+              <a:t> </a:t>
+            </a:r>
+            <a:r>
+              <a:rPr lang="en-US" sz="3600" b="1" dirty="0">
+                <a:solidFill>
+                  <a:srgbClr val="0070C0"/>
+                </a:solidFill>
+                <a:latin typeface="Courier New" panose="02070309020205020404" pitchFamily="49" charset="0"/>
+                <a:cs typeface="Courier New" panose="02070309020205020404" pitchFamily="49" charset="0"/>
+              </a:rPr>
+              <a:t>&lt;ul&gt;, &lt;</a:t>
+            </a:r>
+            <a:r>
+              <a:rPr lang="en-US" sz="3600" b="1" dirty="0" err="1">
+                <a:solidFill>
+                  <a:srgbClr val="0070C0"/>
+                </a:solidFill>
+                <a:latin typeface="Courier New" panose="02070309020205020404" pitchFamily="49" charset="0"/>
+                <a:cs typeface="Courier New" panose="02070309020205020404" pitchFamily="49" charset="0"/>
+              </a:rPr>
+              <a:t>ol</a:t>
+            </a:r>
+            <a:r>
+              <a:rPr lang="en-US" sz="3600" b="1" dirty="0">
+                <a:solidFill>
+                  <a:srgbClr val="0070C0"/>
+                </a:solidFill>
+                <a:latin typeface="Courier New" panose="02070309020205020404" pitchFamily="49" charset="0"/>
+                <a:cs typeface="Courier New" panose="02070309020205020404" pitchFamily="49" charset="0"/>
+              </a:rPr>
+              <a:t>&gt;</a:t>
+            </a:r>
+            <a:r>
+              <a:rPr lang="ru-RU" sz="3600" b="1" dirty="0">
+                <a:solidFill>
+                  <a:srgbClr val="0070C0"/>
+                </a:solidFill>
+                <a:latin typeface="Courier New" panose="02070309020205020404" pitchFamily="49" charset="0"/>
+                <a:cs typeface="Courier New" panose="02070309020205020404" pitchFamily="49" charset="0"/>
+              </a:rPr>
+              <a:t>, </a:t>
+            </a:r>
+            <a:r>
+              <a:rPr lang="en-US" sz="3600" b="1" dirty="0">
+                <a:solidFill>
+                  <a:srgbClr val="0070C0"/>
+                </a:solidFill>
+                <a:latin typeface="Courier New" panose="02070309020205020404" pitchFamily="49" charset="0"/>
+                <a:cs typeface="Courier New" panose="02070309020205020404" pitchFamily="49" charset="0"/>
+              </a:rPr>
+              <a:t>&lt;li&gt;, &lt;table&gt;, &lt;tr&gt;, &lt;</a:t>
+            </a:r>
+            <a:r>
+              <a:rPr lang="en-US" sz="3600" b="1" dirty="0" err="1">
+                <a:solidFill>
+                  <a:srgbClr val="0070C0"/>
+                </a:solidFill>
+                <a:latin typeface="Courier New" panose="02070309020205020404" pitchFamily="49" charset="0"/>
+                <a:cs typeface="Courier New" panose="02070309020205020404" pitchFamily="49" charset="0"/>
+              </a:rPr>
+              <a:t>th</a:t>
+            </a:r>
+            <a:r>
+              <a:rPr lang="en-US" sz="3600" b="1" dirty="0">
+                <a:solidFill>
+                  <a:srgbClr val="0070C0"/>
+                </a:solidFill>
+                <a:latin typeface="Courier New" panose="02070309020205020404" pitchFamily="49" charset="0"/>
+                <a:cs typeface="Courier New" panose="02070309020205020404" pitchFamily="49" charset="0"/>
+              </a:rPr>
+              <a:t>&gt;, &lt;td&gt;</a:t>
+            </a:r>
+            <a:endParaRPr lang="ru-RU" sz="3600" b="1" dirty="0">
+              <a:solidFill>
+                <a:srgbClr val="0070C0"/>
+              </a:solidFill>
+              <a:latin typeface="Courier New" panose="02070309020205020404" pitchFamily="49" charset="0"/>
+              <a:cs typeface="Courier New" panose="02070309020205020404" pitchFamily="49" charset="0"/>
+            </a:endParaRPr>
+          </a:p>
+          <a:p>
+            <a:pPr algn="ctr" fontAlgn="base"/>
+            <a:r>
+              <a:rPr lang="en-US" sz="3600" b="1" dirty="0">
+                <a:solidFill>
+                  <a:schemeClr val="accent3">
+                    <a:lumMod val="75000"/>
+                  </a:schemeClr>
+                </a:solidFill>
+                <a:latin typeface="Courier New" panose="02070309020205020404" pitchFamily="49" charset="0"/>
+                <a:cs typeface="Courier New" panose="02070309020205020404" pitchFamily="49" charset="0"/>
+              </a:rPr>
+              <a:t>&lt;header&gt;, &lt;footer&gt;, &lt;main&gt;, &lt;section&gt;, &lt;article&gt;, &lt;audio&gt;, &lt;video&gt;</a:t>
+            </a:r>
+          </a:p>
+        </p:txBody>
+      </p:sp>
     </p:spTree>
     <p:extLst>
       <p:ext uri="{BB962C8B-B14F-4D97-AF65-F5344CB8AC3E}">
-        <p14:creationId xmlns:p14="http://schemas.microsoft.com/office/powerpoint/2010/main" val="2134033093"/>
+        <p14:creationId xmlns:p14="http://schemas.microsoft.com/office/powerpoint/2010/main" val="3468376918"/>
       </p:ext>
     </p:extLst>
   </p:cSld>
@@ -8254,332 +8591,57 @@
       </p:grpSpPr>
       <p:sp>
         <p:nvSpPr>
-          <p:cNvPr id="7" name="Номер слайда 36"/>
-          <p:cNvSpPr txBox="1">
-            <a:spLocks/>
-          </p:cNvSpPr>
+          <p:cNvPr id="5" name="Прямоугольник 4"/>
+          <p:cNvSpPr/>
           <p:nvPr/>
         </p:nvSpPr>
         <p:spPr>
           <a:xfrm>
-            <a:off x="11208568" y="6165304"/>
-            <a:ext cx="648072" cy="432048"/>
-          </a:xfrm>
-          <a:prstGeom prst="roundRect">
+            <a:off x="0" y="0"/>
+            <a:ext cx="12192000" cy="6858000"/>
+          </a:xfrm>
+          <a:prstGeom prst="rect">
             <a:avLst/>
           </a:prstGeom>
-          <a:ln w="25400" cap="flat" cmpd="sng" algn="ctr">
-            <a:solidFill>
-              <a:schemeClr val="tx2">
-                <a:lumMod val="60000"/>
-                <a:lumOff val="40000"/>
-              </a:schemeClr>
-            </a:solidFill>
-            <a:prstDash val="solid"/>
-          </a:ln>
+          <a:solidFill>
+            <a:schemeClr val="tx2">
+              <a:lumMod val="75000"/>
+            </a:schemeClr>
+          </a:solidFill>
         </p:spPr>
         <p:style>
           <a:lnRef idx="2">
-            <a:schemeClr val="accent1"/>
+            <a:schemeClr val="accent1">
+              <a:shade val="50000"/>
+            </a:schemeClr>
           </a:lnRef>
           <a:fillRef idx="1">
-            <a:schemeClr val="lt1"/>
+            <a:schemeClr val="accent1"/>
           </a:fillRef>
           <a:effectRef idx="0">
             <a:schemeClr val="accent1"/>
           </a:effectRef>
           <a:fontRef idx="minor">
-            <a:schemeClr val="dk1"/>
+            <a:schemeClr val="lt1"/>
           </a:fontRef>
         </p:style>
         <p:txBody>
-          <a:bodyPr vert="horz" lIns="91440" tIns="45720" rIns="91440" bIns="45720" rtlCol="0" anchor="ctr"/>
-          <a:lstStyle/>
-          <a:p>
-            <a:pPr algn="ctr">
-              <a:defRPr/>
-            </a:pPr>
-            <a:fld id="{6389AA22-90B4-448C-8B6B-C699140D38B9}" type="slidenum">
-              <a:rPr lang="uk-UA" sz="2400" b="1">
-                <a:solidFill>
-                  <a:schemeClr val="bg1">
-                    <a:lumMod val="50000"/>
-                  </a:schemeClr>
-                </a:solidFill>
-              </a:rPr>
-              <a:pPr algn="ctr">
-                <a:defRPr/>
-              </a:pPr>
-              <a:t>25</a:t>
-            </a:fld>
-            <a:endParaRPr lang="uk-UA" sz="2400" b="1" dirty="0">
-              <a:solidFill>
-                <a:schemeClr val="bg1">
-                  <a:lumMod val="50000"/>
-                </a:schemeClr>
-              </a:solidFill>
-            </a:endParaRPr>
-          </a:p>
-        </p:txBody>
-      </p:sp>
-      <p:sp>
-        <p:nvSpPr>
-          <p:cNvPr id="10" name="Скругленный прямоугольник 9"/>
-          <p:cNvSpPr/>
-          <p:nvPr/>
-        </p:nvSpPr>
-        <p:spPr>
-          <a:xfrm>
-            <a:off x="0" y="5222478"/>
-            <a:ext cx="12192000" cy="510778"/>
-          </a:xfrm>
-          <a:prstGeom prst="roundRect">
-            <a:avLst/>
-          </a:prstGeom>
-          <a:noFill/>
-          <a:ln>
-            <a:noFill/>
-          </a:ln>
-        </p:spPr>
-        <p:style>
-          <a:lnRef idx="2">
-            <a:schemeClr val="accent3"/>
-          </a:lnRef>
-          <a:fillRef idx="1">
-            <a:schemeClr val="lt1"/>
-          </a:fillRef>
-          <a:effectRef idx="0">
-            <a:schemeClr val="accent3"/>
-          </a:effectRef>
-          <a:fontRef idx="minor">
-            <a:schemeClr val="dk1"/>
-          </a:fontRef>
-        </p:style>
-        <p:txBody>
-          <a:bodyPr wrap="square">
-            <a:spAutoFit/>
-          </a:bodyPr>
-          <a:lstStyle/>
-          <a:p>
-            <a:pPr algn="ctr" fontAlgn="base"/>
-            <a:r>
-              <a:rPr lang="ru-RU" sz="2400" b="1" dirty="0"/>
-              <a:t>Обратите на них внимание в справочнике</a:t>
-            </a:r>
-            <a:endParaRPr lang="en-US" sz="2400" b="1" dirty="0">
-              <a:solidFill>
-                <a:schemeClr val="tx1"/>
-              </a:solidFill>
-            </a:endParaRPr>
-          </a:p>
-        </p:txBody>
-      </p:sp>
-      <p:sp>
-        <p:nvSpPr>
-          <p:cNvPr id="13" name="Заголовок 1"/>
-          <p:cNvSpPr txBox="1">
-            <a:spLocks/>
-          </p:cNvSpPr>
-          <p:nvPr/>
-        </p:nvSpPr>
-        <p:spPr>
-          <a:xfrm>
-            <a:off x="0" y="629816"/>
-            <a:ext cx="12192000" cy="1143000"/>
-          </a:xfrm>
-          <a:prstGeom prst="rect">
-            <a:avLst/>
-          </a:prstGeom>
-        </p:spPr>
-        <p:txBody>
-          <a:bodyPr vert="horz" lIns="91440" tIns="45720" rIns="91440" bIns="45720" rtlCol="0" anchor="ctr">
-            <a:normAutofit/>
-          </a:bodyPr>
-          <a:lstStyle/>
-          <a:p>
-            <a:pPr algn="ctr">
-              <a:spcBef>
-                <a:spcPct val="0"/>
-              </a:spcBef>
-              <a:defRPr/>
-            </a:pPr>
-            <a:r>
-              <a:rPr lang="ru-RU" sz="3600" b="1" dirty="0">
-                <a:latin typeface="+mj-lt"/>
-                <a:ea typeface="+mj-ea"/>
-                <a:cs typeface="+mj-cs"/>
-              </a:rPr>
-              <a:t>Ряд «новых» тегов которые вам пригодятся</a:t>
-            </a:r>
-            <a:endParaRPr lang="uk-UA" sz="3600" b="1" dirty="0">
-              <a:latin typeface="+mj-lt"/>
-              <a:ea typeface="+mj-ea"/>
-              <a:cs typeface="+mj-cs"/>
-            </a:endParaRPr>
-          </a:p>
-        </p:txBody>
-      </p:sp>
-      <p:sp>
-        <p:nvSpPr>
-          <p:cNvPr id="3" name="Прямоугольник 2"/>
-          <p:cNvSpPr/>
-          <p:nvPr/>
-        </p:nvSpPr>
-        <p:spPr>
-          <a:xfrm>
-            <a:off x="2207568" y="1997839"/>
-            <a:ext cx="7776864" cy="2862322"/>
-          </a:xfrm>
-          <a:prstGeom prst="rect">
-            <a:avLst/>
-          </a:prstGeom>
-        </p:spPr>
-        <p:txBody>
-          <a:bodyPr wrap="square">
-            <a:spAutoFit/>
-          </a:bodyPr>
-          <a:lstStyle/>
-          <a:p>
-            <a:pPr algn="ctr" fontAlgn="base"/>
-            <a:r>
-              <a:rPr lang="en-US" sz="3600" b="1" dirty="0">
-                <a:solidFill>
-                  <a:srgbClr val="0070C0"/>
-                </a:solidFill>
-                <a:latin typeface="Courier New" panose="02070309020205020404" pitchFamily="49" charset="0"/>
-                <a:cs typeface="Courier New" panose="02070309020205020404" pitchFamily="49" charset="0"/>
-              </a:rPr>
-              <a:t>&lt;div&gt;, &lt;span&gt;, &lt;h1&gt;-&lt;h6&gt;, &lt;</a:t>
-            </a:r>
-            <a:r>
-              <a:rPr lang="en-US" sz="3600" b="1" dirty="0" err="1">
-                <a:solidFill>
-                  <a:srgbClr val="0070C0"/>
-                </a:solidFill>
-                <a:latin typeface="Courier New" panose="02070309020205020404" pitchFamily="49" charset="0"/>
-                <a:cs typeface="Courier New" panose="02070309020205020404" pitchFamily="49" charset="0"/>
-              </a:rPr>
-              <a:t>hr</a:t>
-            </a:r>
-            <a:r>
-              <a:rPr lang="en-US" sz="3600" b="1" dirty="0">
-                <a:solidFill>
-                  <a:srgbClr val="0070C0"/>
-                </a:solidFill>
-                <a:latin typeface="Courier New" panose="02070309020205020404" pitchFamily="49" charset="0"/>
-                <a:cs typeface="Courier New" panose="02070309020205020404" pitchFamily="49" charset="0"/>
-              </a:rPr>
-              <a:t>&gt;,</a:t>
-            </a:r>
-            <a:r>
-              <a:rPr lang="ru-RU" sz="3600" b="1" dirty="0">
-                <a:solidFill>
-                  <a:srgbClr val="0070C0"/>
-                </a:solidFill>
-                <a:latin typeface="Courier New" panose="02070309020205020404" pitchFamily="49" charset="0"/>
-                <a:cs typeface="Courier New" panose="02070309020205020404" pitchFamily="49" charset="0"/>
-              </a:rPr>
-              <a:t> </a:t>
-            </a:r>
-            <a:r>
-              <a:rPr lang="en-US" sz="3600" b="1" dirty="0">
-                <a:solidFill>
-                  <a:srgbClr val="0070C0"/>
-                </a:solidFill>
-                <a:latin typeface="Courier New" panose="02070309020205020404" pitchFamily="49" charset="0"/>
-                <a:cs typeface="Courier New" panose="02070309020205020404" pitchFamily="49" charset="0"/>
-              </a:rPr>
-              <a:t>&lt;ul&gt;, &lt;</a:t>
-            </a:r>
-            <a:r>
-              <a:rPr lang="en-US" sz="3600" b="1" dirty="0" err="1">
-                <a:solidFill>
-                  <a:srgbClr val="0070C0"/>
-                </a:solidFill>
-                <a:latin typeface="Courier New" panose="02070309020205020404" pitchFamily="49" charset="0"/>
-                <a:cs typeface="Courier New" panose="02070309020205020404" pitchFamily="49" charset="0"/>
-              </a:rPr>
-              <a:t>ol</a:t>
-            </a:r>
-            <a:r>
-              <a:rPr lang="en-US" sz="3600" b="1" dirty="0">
-                <a:solidFill>
-                  <a:srgbClr val="0070C0"/>
-                </a:solidFill>
-                <a:latin typeface="Courier New" panose="02070309020205020404" pitchFamily="49" charset="0"/>
-                <a:cs typeface="Courier New" panose="02070309020205020404" pitchFamily="49" charset="0"/>
-              </a:rPr>
-              <a:t>&gt;</a:t>
-            </a:r>
-            <a:r>
-              <a:rPr lang="ru-RU" sz="3600" b="1" dirty="0">
-                <a:solidFill>
-                  <a:srgbClr val="0070C0"/>
-                </a:solidFill>
-                <a:latin typeface="Courier New" panose="02070309020205020404" pitchFamily="49" charset="0"/>
-                <a:cs typeface="Courier New" panose="02070309020205020404" pitchFamily="49" charset="0"/>
-              </a:rPr>
-              <a:t>, </a:t>
-            </a:r>
-            <a:r>
-              <a:rPr lang="en-US" sz="3600" b="1" dirty="0">
-                <a:solidFill>
-                  <a:srgbClr val="0070C0"/>
-                </a:solidFill>
-                <a:latin typeface="Courier New" panose="02070309020205020404" pitchFamily="49" charset="0"/>
-                <a:cs typeface="Courier New" panose="02070309020205020404" pitchFamily="49" charset="0"/>
-              </a:rPr>
-              <a:t>&lt;li&gt;, &lt;table&gt;, &lt;tr&gt;, &lt;</a:t>
-            </a:r>
-            <a:r>
-              <a:rPr lang="en-US" sz="3600" b="1" dirty="0" err="1">
-                <a:solidFill>
-                  <a:srgbClr val="0070C0"/>
-                </a:solidFill>
-                <a:latin typeface="Courier New" panose="02070309020205020404" pitchFamily="49" charset="0"/>
-                <a:cs typeface="Courier New" panose="02070309020205020404" pitchFamily="49" charset="0"/>
-              </a:rPr>
-              <a:t>th</a:t>
-            </a:r>
-            <a:r>
-              <a:rPr lang="en-US" sz="3600" b="1" dirty="0">
-                <a:solidFill>
-                  <a:srgbClr val="0070C0"/>
-                </a:solidFill>
-                <a:latin typeface="Courier New" panose="02070309020205020404" pitchFamily="49" charset="0"/>
-                <a:cs typeface="Courier New" panose="02070309020205020404" pitchFamily="49" charset="0"/>
-              </a:rPr>
-              <a:t>&gt;, &lt;td&gt;</a:t>
-            </a:r>
-            <a:endParaRPr lang="ru-RU" sz="3600" b="1" dirty="0">
-              <a:solidFill>
-                <a:srgbClr val="0070C0"/>
-              </a:solidFill>
-              <a:latin typeface="Courier New" panose="02070309020205020404" pitchFamily="49" charset="0"/>
-              <a:cs typeface="Courier New" panose="02070309020205020404" pitchFamily="49" charset="0"/>
-            </a:endParaRPr>
-          </a:p>
-          <a:p>
-            <a:pPr algn="ctr" fontAlgn="base"/>
-            <a:r>
-              <a:rPr lang="en-US" sz="3600" b="1" dirty="0">
-                <a:solidFill>
-                  <a:schemeClr val="accent3">
-                    <a:lumMod val="75000"/>
-                  </a:schemeClr>
-                </a:solidFill>
-                <a:latin typeface="Courier New" panose="02070309020205020404" pitchFamily="49" charset="0"/>
-                <a:cs typeface="Courier New" panose="02070309020205020404" pitchFamily="49" charset="0"/>
-              </a:rPr>
-              <a:t>&lt;header&gt;, &lt;footer&gt;, &lt;main&gt;, &lt;section&gt;, &lt;aside&gt;, &lt;nav&gt;</a:t>
-            </a:r>
+          <a:bodyPr rtlCol="0" anchor="ctr"/>
+          <a:lstStyle/>
+          <a:p>
+            <a:pPr algn="ctr"/>
+            <a:r>
+              <a:rPr lang="ru-RU" sz="6600" b="1" dirty="0"/>
+              <a:t>Домашнее задание</a:t>
+            </a:r>
+            <a:endParaRPr lang="uk-UA" sz="6600" b="1" dirty="0"/>
           </a:p>
         </p:txBody>
       </p:sp>
     </p:spTree>
     <p:extLst>
       <p:ext uri="{BB962C8B-B14F-4D97-AF65-F5344CB8AC3E}">
-        <p14:creationId xmlns:p14="http://schemas.microsoft.com/office/powerpoint/2010/main" val="3468376918"/>
+        <p14:creationId xmlns:p14="http://schemas.microsoft.com/office/powerpoint/2010/main" val="3025190695"/>
       </p:ext>
     </p:extLst>
   </p:cSld>
@@ -8608,57 +8670,302 @@
       </p:grpSpPr>
       <p:sp>
         <p:nvSpPr>
-          <p:cNvPr id="5" name="Прямоугольник 4"/>
-          <p:cNvSpPr/>
+          <p:cNvPr id="7" name="Номер слайда 36"/>
+          <p:cNvSpPr txBox="1">
+            <a:spLocks/>
+          </p:cNvSpPr>
           <p:nvPr/>
         </p:nvSpPr>
         <p:spPr>
           <a:xfrm>
-            <a:off x="0" y="0"/>
-            <a:ext cx="12192000" cy="6858000"/>
-          </a:xfrm>
-          <a:prstGeom prst="rect">
+            <a:off x="11208568" y="6165305"/>
+            <a:ext cx="648072" cy="432048"/>
+          </a:xfrm>
+          <a:prstGeom prst="roundRect">
             <a:avLst/>
           </a:prstGeom>
-          <a:solidFill>
-            <a:schemeClr val="tx2">
-              <a:lumMod val="75000"/>
-            </a:schemeClr>
-          </a:solidFill>
+          <a:ln w="25400" cap="flat" cmpd="sng" algn="ctr">
+            <a:solidFill>
+              <a:schemeClr val="tx2">
+                <a:lumMod val="60000"/>
+                <a:lumOff val="40000"/>
+              </a:schemeClr>
+            </a:solidFill>
+            <a:prstDash val="solid"/>
+          </a:ln>
         </p:spPr>
         <p:style>
           <a:lnRef idx="2">
-            <a:schemeClr val="accent1">
-              <a:shade val="50000"/>
-            </a:schemeClr>
+            <a:schemeClr val="accent1"/>
           </a:lnRef>
           <a:fillRef idx="1">
-            <a:schemeClr val="accent1"/>
+            <a:schemeClr val="lt1"/>
           </a:fillRef>
           <a:effectRef idx="0">
             <a:schemeClr val="accent1"/>
           </a:effectRef>
           <a:fontRef idx="minor">
-            <a:schemeClr val="lt1"/>
+            <a:schemeClr val="dk1"/>
           </a:fontRef>
         </p:style>
         <p:txBody>
-          <a:bodyPr rtlCol="0" anchor="ctr"/>
-          <a:lstStyle/>
-          <a:p>
-            <a:pPr algn="ctr"/>
-            <a:r>
-              <a:rPr lang="ru-RU" sz="6600" b="1" dirty="0"/>
-              <a:t>Домашнее задание</a:t>
-            </a:r>
-            <a:endParaRPr lang="uk-UA" sz="6600" b="1" dirty="0"/>
-          </a:p>
-        </p:txBody>
-      </p:sp>
+          <a:bodyPr vert="horz" lIns="91440" tIns="45720" rIns="91440" bIns="45720" rtlCol="0" anchor="ctr"/>
+          <a:lstStyle/>
+          <a:p>
+            <a:pPr algn="ctr">
+              <a:defRPr/>
+            </a:pPr>
+            <a:fld id="{6389AA22-90B4-448C-8B6B-C699140D38B9}" type="slidenum">
+              <a:rPr lang="uk-UA" sz="2400" b="1">
+                <a:solidFill>
+                  <a:schemeClr val="bg1">
+                    <a:lumMod val="50000"/>
+                  </a:schemeClr>
+                </a:solidFill>
+              </a:rPr>
+              <a:pPr algn="ctr">
+                <a:defRPr/>
+              </a:pPr>
+              <a:t>26</a:t>
+            </a:fld>
+            <a:endParaRPr lang="uk-UA" sz="2400" b="1" dirty="0">
+              <a:solidFill>
+                <a:schemeClr val="bg1">
+                  <a:lumMod val="50000"/>
+                </a:schemeClr>
+              </a:solidFill>
+            </a:endParaRPr>
+          </a:p>
+        </p:txBody>
+      </p:sp>
+      <p:sp>
+        <p:nvSpPr>
+          <p:cNvPr id="12" name="TextBox 11"/>
+          <p:cNvSpPr txBox="1"/>
+          <p:nvPr/>
+        </p:nvSpPr>
+        <p:spPr>
+          <a:xfrm>
+            <a:off x="6096000" y="1844824"/>
+            <a:ext cx="4252864" cy="3970318"/>
+          </a:xfrm>
+          <a:prstGeom prst="rect">
+            <a:avLst/>
+          </a:prstGeom>
+          <a:noFill/>
+        </p:spPr>
+        <p:txBody>
+          <a:bodyPr wrap="square" rtlCol="0">
+            <a:spAutoFit/>
+          </a:bodyPr>
+          <a:lstStyle/>
+          <a:p>
+            <a:r>
+              <a:rPr lang="ru-RU" sz="2800" b="1" dirty="0"/>
+              <a:t>По образу и подобию </a:t>
+            </a:r>
+            <a:r>
+              <a:rPr lang="ru-RU" sz="2800" b="1" dirty="0">
+                <a:solidFill>
+                  <a:srgbClr val="00B050"/>
+                </a:solidFill>
+              </a:rPr>
+              <a:t>сверстать</a:t>
+            </a:r>
+            <a:r>
+              <a:rPr lang="ru-RU" sz="2800" b="1" dirty="0"/>
+              <a:t> </a:t>
+            </a:r>
+            <a:r>
+              <a:rPr lang="ru-RU" sz="2800" dirty="0"/>
+              <a:t>своё </a:t>
+            </a:r>
+            <a:r>
+              <a:rPr lang="ru-RU" sz="2800" b="1" dirty="0"/>
+              <a:t>резюме</a:t>
+            </a:r>
+            <a:r>
+              <a:rPr lang="ru-RU" sz="2800" dirty="0"/>
+              <a:t> и </a:t>
+            </a:r>
+            <a:r>
+              <a:rPr lang="ru-RU" sz="2800" b="1" dirty="0">
+                <a:solidFill>
+                  <a:srgbClr val="00B050"/>
+                </a:solidFill>
+              </a:rPr>
+              <a:t>выложить на хостинг</a:t>
+            </a:r>
+            <a:r>
+              <a:rPr lang="en-US" sz="2800" b="1" dirty="0">
+                <a:solidFill>
+                  <a:srgbClr val="00B050"/>
+                </a:solidFill>
+              </a:rPr>
+              <a:t> </a:t>
+            </a:r>
+            <a:r>
+              <a:rPr lang="en-US" sz="2800" dirty="0"/>
+              <a:t>(</a:t>
+            </a:r>
+            <a:r>
+              <a:rPr lang="en-US" sz="2800" b="1" dirty="0"/>
+              <a:t>neocities.org</a:t>
+            </a:r>
+            <a:r>
+              <a:rPr lang="en-US" sz="2800" dirty="0"/>
+              <a:t>)</a:t>
+            </a:r>
+            <a:r>
+              <a:rPr lang="ru-RU" sz="2800" dirty="0"/>
+              <a:t>. Если не хочется разглашать личную информацию – можно приукрасить.</a:t>
+            </a:r>
+            <a:endParaRPr lang="en-US" sz="2800" dirty="0">
+              <a:sym typeface="Wingdings" panose="05000000000000000000" pitchFamily="2" charset="2"/>
+            </a:endParaRPr>
+          </a:p>
+          <a:p>
+            <a:r>
+              <a:rPr lang="ru-RU" sz="2800" dirty="0">
+                <a:sym typeface="Wingdings" panose="05000000000000000000" pitchFamily="2" charset="2"/>
+              </a:rPr>
+              <a:t>Теги </a:t>
+            </a:r>
+            <a:r>
+              <a:rPr lang="en-US" sz="2800" b="1" dirty="0">
+                <a:sym typeface="Wingdings" panose="05000000000000000000" pitchFamily="2" charset="2"/>
+              </a:rPr>
+              <a:t>&lt;</a:t>
+            </a:r>
+            <a:r>
+              <a:rPr lang="en-US" sz="2800" b="1" dirty="0" err="1">
+                <a:sym typeface="Wingdings" panose="05000000000000000000" pitchFamily="2" charset="2"/>
+              </a:rPr>
+              <a:t>ul</a:t>
+            </a:r>
+            <a:r>
+              <a:rPr lang="en-US" sz="2800" b="1" dirty="0">
+                <a:sym typeface="Wingdings" panose="05000000000000000000" pitchFamily="2" charset="2"/>
+              </a:rPr>
+              <a:t>&gt;/&lt;li&gt; </a:t>
+            </a:r>
+            <a:r>
+              <a:rPr lang="ru-RU" sz="2800" dirty="0">
+                <a:sym typeface="Wingdings" panose="05000000000000000000" pitchFamily="2" charset="2"/>
+              </a:rPr>
+              <a:t>и </a:t>
+            </a:r>
+            <a:r>
+              <a:rPr lang="en-US" sz="2800" b="1" dirty="0">
+                <a:sym typeface="Wingdings" panose="05000000000000000000" pitchFamily="2" charset="2"/>
+              </a:rPr>
+              <a:t>&lt;table&gt; </a:t>
+            </a:r>
+            <a:r>
+              <a:rPr lang="ru-RU" sz="2800" dirty="0">
+                <a:sym typeface="Wingdings" panose="05000000000000000000" pitchFamily="2" charset="2"/>
+              </a:rPr>
+              <a:t>могут тут вам помочь 😉</a:t>
+            </a:r>
+          </a:p>
+        </p:txBody>
+      </p:sp>
+      <p:sp>
+        <p:nvSpPr>
+          <p:cNvPr id="10" name="Заголовок 1"/>
+          <p:cNvSpPr txBox="1">
+            <a:spLocks/>
+          </p:cNvSpPr>
+          <p:nvPr/>
+        </p:nvSpPr>
+        <p:spPr>
+          <a:xfrm>
+            <a:off x="6096000" y="548680"/>
+            <a:ext cx="5887616" cy="1143000"/>
+          </a:xfrm>
+          <a:prstGeom prst="rect">
+            <a:avLst/>
+          </a:prstGeom>
+        </p:spPr>
+        <p:txBody>
+          <a:bodyPr vert="horz" lIns="91440" tIns="45720" rIns="91440" bIns="45720" rtlCol="0" anchor="ctr">
+            <a:normAutofit/>
+          </a:bodyPr>
+          <a:lstStyle>
+            <a:lvl1pPr algn="ctr" defTabSz="914400" rtl="0" eaLnBrk="1" latinLnBrk="0" hangingPunct="1">
+              <a:spcBef>
+                <a:spcPct val="0"/>
+              </a:spcBef>
+              <a:buNone/>
+              <a:defRPr sz="4400" kern="1200">
+                <a:solidFill>
+                  <a:schemeClr val="tx1"/>
+                </a:solidFill>
+                <a:latin typeface="+mj-lt"/>
+                <a:ea typeface="+mj-ea"/>
+                <a:cs typeface="+mj-cs"/>
+              </a:defRPr>
+            </a:lvl1pPr>
+          </a:lstStyle>
+          <a:p>
+            <a:pPr algn="l"/>
+            <a:r>
+              <a:rPr lang="ru-RU" sz="4000" b="1" dirty="0"/>
+              <a:t>Домашнее задания</a:t>
+            </a:r>
+            <a:endParaRPr lang="uk-UA" sz="4000" b="1" dirty="0"/>
+          </a:p>
+        </p:txBody>
+      </p:sp>
+      <p:pic>
+        <p:nvPicPr>
+          <p:cNvPr id="1026" name="Picture 2">
+            <a:extLst>
+              <a:ext uri="{FF2B5EF4-FFF2-40B4-BE49-F238E27FC236}">
+                <a16:creationId xmlns:a16="http://schemas.microsoft.com/office/drawing/2014/main" id="{2167926F-2BA7-59AC-8016-BC0712D056FD}"/>
+              </a:ext>
+            </a:extLst>
+          </p:cNvPr>
+          <p:cNvPicPr>
+            <a:picLocks noChangeAspect="1" noChangeArrowheads="1"/>
+          </p:cNvPicPr>
+          <p:nvPr/>
+        </p:nvPicPr>
+        <p:blipFill rotWithShape="1">
+          <a:blip r:embed="rId2">
+            <a:extLst>
+              <a:ext uri="{28A0092B-C50C-407E-A947-70E740481C1C}">
+                <a14:useLocalDpi xmlns:a14="http://schemas.microsoft.com/office/drawing/2010/main" val="0"/>
+              </a:ext>
+            </a:extLst>
+          </a:blip>
+          <a:srcRect t="3800" r="35179" b="24258"/>
+          <a:stretch/>
+        </p:blipFill>
+        <p:spPr bwMode="auto">
+          <a:xfrm>
+            <a:off x="42936" y="116632"/>
+            <a:ext cx="4252864" cy="6674485"/>
+          </a:xfrm>
+          <a:prstGeom prst="rect">
+            <a:avLst/>
+          </a:prstGeom>
+          <a:noFill/>
+          <a:extLst>
+            <a:ext uri="{909E8E84-426E-40DD-AFC4-6F175D3DCCD1}">
+              <a14:hiddenFill xmlns:a14="http://schemas.microsoft.com/office/drawing/2010/main">
+                <a:solidFill>
+                  <a:srgbClr val="FFFFFF"/>
+                </a:solidFill>
+              </a14:hiddenFill>
+            </a:ext>
+          </a:extLst>
+        </p:spPr>
+      </p:pic>
     </p:spTree>
     <p:extLst>
       <p:ext uri="{BB962C8B-B14F-4D97-AF65-F5344CB8AC3E}">
-        <p14:creationId xmlns:p14="http://schemas.microsoft.com/office/powerpoint/2010/main" val="3025190695"/>
+        <p14:creationId xmlns:p14="http://schemas.microsoft.com/office/powerpoint/2010/main" val="2301730362"/>
       </p:ext>
     </p:extLst>
   </p:cSld>
@@ -8687,329 +8994,6 @@
       </p:grpSpPr>
       <p:sp>
         <p:nvSpPr>
-          <p:cNvPr id="7" name="Номер слайда 36"/>
-          <p:cNvSpPr txBox="1">
-            <a:spLocks/>
-          </p:cNvSpPr>
-          <p:nvPr/>
-        </p:nvSpPr>
-        <p:spPr>
-          <a:xfrm>
-            <a:off x="11208568" y="6165305"/>
-            <a:ext cx="648072" cy="432048"/>
-          </a:xfrm>
-          <a:prstGeom prst="roundRect">
-            <a:avLst/>
-          </a:prstGeom>
-          <a:ln w="25400" cap="flat" cmpd="sng" algn="ctr">
-            <a:solidFill>
-              <a:schemeClr val="tx2">
-                <a:lumMod val="60000"/>
-                <a:lumOff val="40000"/>
-              </a:schemeClr>
-            </a:solidFill>
-            <a:prstDash val="solid"/>
-          </a:ln>
-        </p:spPr>
-        <p:style>
-          <a:lnRef idx="2">
-            <a:schemeClr val="accent1"/>
-          </a:lnRef>
-          <a:fillRef idx="1">
-            <a:schemeClr val="lt1"/>
-          </a:fillRef>
-          <a:effectRef idx="0">
-            <a:schemeClr val="accent1"/>
-          </a:effectRef>
-          <a:fontRef idx="minor">
-            <a:schemeClr val="dk1"/>
-          </a:fontRef>
-        </p:style>
-        <p:txBody>
-          <a:bodyPr vert="horz" lIns="91440" tIns="45720" rIns="91440" bIns="45720" rtlCol="0" anchor="ctr"/>
-          <a:lstStyle/>
-          <a:p>
-            <a:pPr algn="ctr">
-              <a:defRPr/>
-            </a:pPr>
-            <a:fld id="{6389AA22-90B4-448C-8B6B-C699140D38B9}" type="slidenum">
-              <a:rPr lang="uk-UA" sz="2400" b="1">
-                <a:solidFill>
-                  <a:schemeClr val="bg1">
-                    <a:lumMod val="50000"/>
-                  </a:schemeClr>
-                </a:solidFill>
-              </a:rPr>
-              <a:pPr algn="ctr">
-                <a:defRPr/>
-              </a:pPr>
-              <a:t>27</a:t>
-            </a:fld>
-            <a:endParaRPr lang="uk-UA" sz="2400" b="1" dirty="0">
-              <a:solidFill>
-                <a:schemeClr val="bg1">
-                  <a:lumMod val="50000"/>
-                </a:schemeClr>
-              </a:solidFill>
-            </a:endParaRPr>
-          </a:p>
-        </p:txBody>
-      </p:sp>
-      <p:sp>
-        <p:nvSpPr>
-          <p:cNvPr id="12" name="TextBox 11"/>
-          <p:cNvSpPr txBox="1"/>
-          <p:nvPr/>
-        </p:nvSpPr>
-        <p:spPr>
-          <a:xfrm>
-            <a:off x="6113040" y="1844824"/>
-            <a:ext cx="4252864" cy="3970318"/>
-          </a:xfrm>
-          <a:prstGeom prst="rect">
-            <a:avLst/>
-          </a:prstGeom>
-          <a:noFill/>
-        </p:spPr>
-        <p:txBody>
-          <a:bodyPr wrap="square" rtlCol="0">
-            <a:spAutoFit/>
-          </a:bodyPr>
-          <a:lstStyle/>
-          <a:p>
-            <a:r>
-              <a:rPr lang="ru-RU" sz="2800" b="1" dirty="0"/>
-              <a:t>По образу и подобию </a:t>
-            </a:r>
-            <a:r>
-              <a:rPr lang="ru-RU" sz="2800" b="1" dirty="0">
-                <a:solidFill>
-                  <a:srgbClr val="00B050"/>
-                </a:solidFill>
-              </a:rPr>
-              <a:t>сверстать</a:t>
-            </a:r>
-            <a:r>
-              <a:rPr lang="ru-RU" sz="2800" b="1" dirty="0"/>
-              <a:t> </a:t>
-            </a:r>
-            <a:r>
-              <a:rPr lang="ru-RU" sz="2800" dirty="0"/>
-              <a:t>своё </a:t>
-            </a:r>
-            <a:r>
-              <a:rPr lang="ru-RU" sz="2800" b="1" dirty="0"/>
-              <a:t>резюме</a:t>
-            </a:r>
-            <a:r>
-              <a:rPr lang="ru-RU" sz="2800" dirty="0"/>
-              <a:t> и </a:t>
-            </a:r>
-            <a:r>
-              <a:rPr lang="ru-RU" sz="2800" b="1" dirty="0">
-                <a:solidFill>
-                  <a:srgbClr val="00B050"/>
-                </a:solidFill>
-              </a:rPr>
-              <a:t>выложить на хостинг</a:t>
-            </a:r>
-            <a:r>
-              <a:rPr lang="en-US" sz="2800" b="1" dirty="0">
-                <a:solidFill>
-                  <a:srgbClr val="00B050"/>
-                </a:solidFill>
-              </a:rPr>
-              <a:t> </a:t>
-            </a:r>
-            <a:r>
-              <a:rPr lang="en-US" sz="2800" dirty="0"/>
-              <a:t>(</a:t>
-            </a:r>
-            <a:r>
-              <a:rPr lang="en-US" sz="2800" b="1" dirty="0"/>
-              <a:t>neocities.org</a:t>
-            </a:r>
-            <a:r>
-              <a:rPr lang="en-US" sz="2800" dirty="0"/>
-              <a:t>)</a:t>
-            </a:r>
-            <a:r>
-              <a:rPr lang="ru-RU" sz="2800" dirty="0"/>
-              <a:t>. Если не хочется разглашать личную информацию – можно приукрасить.</a:t>
-            </a:r>
-            <a:endParaRPr lang="en-US" sz="2800" dirty="0">
-              <a:sym typeface="Wingdings" panose="05000000000000000000" pitchFamily="2" charset="2"/>
-            </a:endParaRPr>
-          </a:p>
-          <a:p>
-            <a:r>
-              <a:rPr lang="ru-RU" sz="2800" dirty="0">
-                <a:sym typeface="Wingdings" panose="05000000000000000000" pitchFamily="2" charset="2"/>
-              </a:rPr>
-              <a:t>Теги </a:t>
-            </a:r>
-            <a:r>
-              <a:rPr lang="en-US" sz="2800" b="1" dirty="0">
-                <a:sym typeface="Wingdings" panose="05000000000000000000" pitchFamily="2" charset="2"/>
-              </a:rPr>
-              <a:t>&lt;</a:t>
-            </a:r>
-            <a:r>
-              <a:rPr lang="en-US" sz="2800" b="1" dirty="0" err="1">
-                <a:sym typeface="Wingdings" panose="05000000000000000000" pitchFamily="2" charset="2"/>
-              </a:rPr>
-              <a:t>ul</a:t>
-            </a:r>
-            <a:r>
-              <a:rPr lang="en-US" sz="2800" b="1" dirty="0">
-                <a:sym typeface="Wingdings" panose="05000000000000000000" pitchFamily="2" charset="2"/>
-              </a:rPr>
-              <a:t>&gt;/&lt;li&gt; </a:t>
-            </a:r>
-            <a:r>
-              <a:rPr lang="ru-RU" sz="2800" dirty="0">
-                <a:sym typeface="Wingdings" panose="05000000000000000000" pitchFamily="2" charset="2"/>
-              </a:rPr>
-              <a:t>и </a:t>
-            </a:r>
-            <a:r>
-              <a:rPr lang="en-US" sz="2800" b="1" dirty="0">
-                <a:sym typeface="Wingdings" panose="05000000000000000000" pitchFamily="2" charset="2"/>
-              </a:rPr>
-              <a:t>&lt;table&gt; </a:t>
-            </a:r>
-            <a:r>
-              <a:rPr lang="ru-RU" sz="2800" dirty="0">
-                <a:sym typeface="Wingdings" panose="05000000000000000000" pitchFamily="2" charset="2"/>
-              </a:rPr>
-              <a:t>могут тут вам помочь 😉</a:t>
-            </a:r>
-          </a:p>
-        </p:txBody>
-      </p:sp>
-      <p:sp>
-        <p:nvSpPr>
-          <p:cNvPr id="10" name="Заголовок 1"/>
-          <p:cNvSpPr txBox="1">
-            <a:spLocks/>
-          </p:cNvSpPr>
-          <p:nvPr/>
-        </p:nvSpPr>
-        <p:spPr>
-          <a:xfrm>
-            <a:off x="6113040" y="548680"/>
-            <a:ext cx="5887616" cy="1143000"/>
-          </a:xfrm>
-          <a:prstGeom prst="rect">
-            <a:avLst/>
-          </a:prstGeom>
-        </p:spPr>
-        <p:txBody>
-          <a:bodyPr vert="horz" lIns="91440" tIns="45720" rIns="91440" bIns="45720" rtlCol="0" anchor="ctr">
-            <a:normAutofit/>
-          </a:bodyPr>
-          <a:lstStyle>
-            <a:lvl1pPr algn="ctr" defTabSz="914400" rtl="0" eaLnBrk="1" latinLnBrk="0" hangingPunct="1">
-              <a:spcBef>
-                <a:spcPct val="0"/>
-              </a:spcBef>
-              <a:buNone/>
-              <a:defRPr sz="4400" kern="1200">
-                <a:solidFill>
-                  <a:schemeClr val="tx1"/>
-                </a:solidFill>
-                <a:latin typeface="+mj-lt"/>
-                <a:ea typeface="+mj-ea"/>
-                <a:cs typeface="+mj-cs"/>
-              </a:defRPr>
-            </a:lvl1pPr>
-          </a:lstStyle>
-          <a:p>
-            <a:pPr algn="l"/>
-            <a:r>
-              <a:rPr lang="ru-RU" sz="4000" b="1" dirty="0"/>
-              <a:t>Домашнее задания</a:t>
-            </a:r>
-            <a:endParaRPr lang="uk-UA" sz="4000" b="1" dirty="0"/>
-          </a:p>
-        </p:txBody>
-      </p:sp>
-      <p:pic>
-        <p:nvPicPr>
-          <p:cNvPr id="2" name="Рисунок 1"/>
-          <p:cNvPicPr>
-            <a:picLocks noChangeAspect="1"/>
-          </p:cNvPicPr>
-          <p:nvPr/>
-        </p:nvPicPr>
-        <p:blipFill>
-          <a:blip r:embed="rId2">
-            <a:extLst>
-              <a:ext uri="{28A0092B-C50C-407E-A947-70E740481C1C}">
-                <a14:useLocalDpi xmlns:a14="http://schemas.microsoft.com/office/drawing/2010/main" val="0"/>
-              </a:ext>
-            </a:extLst>
-          </a:blip>
-          <a:stretch>
-            <a:fillRect/>
-          </a:stretch>
-        </p:blipFill>
-        <p:spPr>
-          <a:xfrm>
-            <a:off x="0" y="0"/>
-            <a:ext cx="5303912" cy="6858000"/>
-          </a:xfrm>
-          <a:prstGeom prst="rect">
-            <a:avLst/>
-          </a:prstGeom>
-          <a:ln w="19050">
-            <a:solidFill>
-              <a:schemeClr val="bg1">
-                <a:lumMod val="65000"/>
-              </a:schemeClr>
-            </a:solidFill>
-          </a:ln>
-          <a:effectLst>
-            <a:outerShdw blurRad="292100" dist="139700" dir="2700000" algn="tl" rotWithShape="0">
-              <a:srgbClr val="333333">
-                <a:alpha val="65000"/>
-              </a:srgbClr>
-            </a:outerShdw>
-          </a:effectLst>
-        </p:spPr>
-      </p:pic>
-    </p:spTree>
-    <p:extLst>
-      <p:ext uri="{BB962C8B-B14F-4D97-AF65-F5344CB8AC3E}">
-        <p14:creationId xmlns:p14="http://schemas.microsoft.com/office/powerpoint/2010/main" val="2301730362"/>
-      </p:ext>
-    </p:extLst>
-  </p:cSld>
-  <p:clrMapOvr>
-    <a:masterClrMapping/>
-  </p:clrMapOvr>
-</p:sld>
-</file>
-
-<file path=ppt/slides/slide28.xml><?xml version="1.0" encoding="utf-8"?>
-<p:sld xmlns:a="http://schemas.openxmlformats.org/drawingml/2006/main" xmlns:r="http://schemas.openxmlformats.org/officeDocument/2006/relationships" xmlns:p="http://schemas.openxmlformats.org/presentationml/2006/main">
-  <p:cSld>
-    <p:spTree>
-      <p:nvGrpSpPr>
-        <p:cNvPr id="1" name=""/>
-        <p:cNvGrpSpPr/>
-        <p:nvPr/>
-      </p:nvGrpSpPr>
-      <p:grpSpPr>
-        <a:xfrm>
-          <a:off x="0" y="0"/>
-          <a:ext cx="0" cy="0"/>
-          <a:chOff x="0" y="0"/>
-          <a:chExt cx="0" cy="0"/>
-        </a:xfrm>
-      </p:grpSpPr>
-      <p:sp>
-        <p:nvSpPr>
           <p:cNvPr id="5" name="Прямоугольник 4"/>
           <p:cNvSpPr/>
           <p:nvPr/>
@@ -9070,7 +9054,7 @@
 </p:sld>
 </file>
 
-<file path=ppt/slides/slide29.xml><?xml version="1.0" encoding="utf-8"?>
+<file path=ppt/slides/slide28.xml><?xml version="1.0" encoding="utf-8"?>
 <p:sld xmlns:a="http://schemas.openxmlformats.org/drawingml/2006/main" xmlns:r="http://schemas.openxmlformats.org/officeDocument/2006/relationships" xmlns:p="http://schemas.openxmlformats.org/presentationml/2006/main">
   <p:cSld>
     <p:spTree>
@@ -10456,232 +10440,73 @@
       </p:grpSpPr>
       <p:sp>
         <p:nvSpPr>
-          <p:cNvPr id="25" name="TextBox 24"/>
-          <p:cNvSpPr txBox="1"/>
+          <p:cNvPr id="5" name="Прямоугольник 4"/>
+          <p:cNvSpPr/>
           <p:nvPr/>
         </p:nvSpPr>
         <p:spPr>
           <a:xfrm>
-            <a:off x="1" y="313492"/>
-            <a:ext cx="12191998" cy="523220"/>
+            <a:off x="0" y="0"/>
+            <a:ext cx="12192000" cy="6858000"/>
           </a:xfrm>
           <a:prstGeom prst="rect">
             <a:avLst/>
           </a:prstGeom>
-          <a:noFill/>
-        </p:spPr>
-        <p:txBody>
-          <a:bodyPr wrap="square" rtlCol="0">
-            <a:spAutoFit/>
-          </a:bodyPr>
-          <a:lstStyle/>
-          <a:p>
-            <a:pPr algn="ctr"/>
-            <a:r>
-              <a:rPr lang="ru-RU" sz="2800" b="1" dirty="0"/>
-              <a:t>Удобная структура для домашних заданий на хостинге</a:t>
-            </a:r>
-          </a:p>
-        </p:txBody>
-      </p:sp>
-      <p:sp>
-        <p:nvSpPr>
-          <p:cNvPr id="2" name="TextBox 1"/>
-          <p:cNvSpPr txBox="1"/>
-          <p:nvPr/>
-        </p:nvSpPr>
-        <p:spPr>
-          <a:xfrm>
-            <a:off x="-96688" y="4005064"/>
-            <a:ext cx="12288687" cy="477054"/>
-          </a:xfrm>
-          <a:prstGeom prst="rect">
-            <a:avLst/>
-          </a:prstGeom>
-          <a:noFill/>
-        </p:spPr>
-        <p:txBody>
-          <a:bodyPr wrap="square" rtlCol="0">
-            <a:spAutoFit/>
-          </a:bodyPr>
-          <a:lstStyle/>
-          <a:p>
-            <a:pPr algn="ctr"/>
-            <a:r>
-              <a:rPr lang="ru-RU" sz="2500" b="1" dirty="0"/>
-              <a:t>Пример: </a:t>
-            </a:r>
-            <a:r>
-              <a:rPr lang="en-US" sz="2500" b="1" dirty="0">
-                <a:hlinkClick r:id="rId2"/>
-              </a:rPr>
-              <a:t>https://github.com/filebase-xyz/site-folder-example/archive/v2022.zip</a:t>
-            </a:r>
-            <a:endParaRPr lang="ru-RU" sz="2500" b="1" dirty="0"/>
-          </a:p>
-        </p:txBody>
-      </p:sp>
-      <p:pic>
-        <p:nvPicPr>
-          <p:cNvPr id="35" name="Рисунок 34">
-            <a:extLst>
-              <a:ext uri="{FF2B5EF4-FFF2-40B4-BE49-F238E27FC236}">
-                <a16:creationId xmlns:a16="http://schemas.microsoft.com/office/drawing/2014/main" id="{392A13E7-C414-4F4F-9AC3-592E38BD0BDA}"/>
-              </a:ext>
-            </a:extLst>
-          </p:cNvPr>
-          <p:cNvPicPr>
-            <a:picLocks noChangeAspect="1"/>
-          </p:cNvPicPr>
-          <p:nvPr/>
-        </p:nvPicPr>
-        <p:blipFill>
-          <a:blip r:embed="rId3">
-            <a:extLst>
-              <a:ext uri="{28A0092B-C50C-407E-A947-70E740481C1C}">
-                <a14:useLocalDpi xmlns:a14="http://schemas.microsoft.com/office/drawing/2010/main" val="0"/>
-              </a:ext>
-            </a:extLst>
-          </a:blip>
-          <a:stretch>
-            <a:fillRect/>
-          </a:stretch>
-        </p:blipFill>
-        <p:spPr>
-          <a:xfrm>
-            <a:off x="5048051" y="4818029"/>
-            <a:ext cx="1512168" cy="1512168"/>
-          </a:xfrm>
-          <a:prstGeom prst="rect">
-            <a:avLst/>
-          </a:prstGeom>
-        </p:spPr>
-      </p:pic>
-      <p:sp>
-        <p:nvSpPr>
-          <p:cNvPr id="20" name="Номер слайда 36">
-            <a:extLst>
-              <a:ext uri="{FF2B5EF4-FFF2-40B4-BE49-F238E27FC236}">
-                <a16:creationId xmlns:a16="http://schemas.microsoft.com/office/drawing/2014/main" id="{FC29BBD4-73FA-4BE5-9961-2FBD6276E4B4}"/>
-              </a:ext>
-            </a:extLst>
-          </p:cNvPr>
-          <p:cNvSpPr txBox="1">
-            <a:spLocks/>
-          </p:cNvSpPr>
-          <p:nvPr/>
-        </p:nvSpPr>
-        <p:spPr>
-          <a:xfrm>
-            <a:off x="11136560" y="6165304"/>
-            <a:ext cx="648072" cy="432048"/>
-          </a:xfrm>
-          <a:prstGeom prst="roundRect">
-            <a:avLst/>
-          </a:prstGeom>
-          <a:ln w="25400" cap="flat" cmpd="sng" algn="ctr">
-            <a:solidFill>
-              <a:schemeClr val="tx2">
-                <a:lumMod val="60000"/>
-                <a:lumOff val="40000"/>
-              </a:schemeClr>
-            </a:solidFill>
-            <a:prstDash val="solid"/>
-          </a:ln>
+          <a:solidFill>
+            <a:schemeClr val="tx2">
+              <a:lumMod val="75000"/>
+            </a:schemeClr>
+          </a:solidFill>
         </p:spPr>
         <p:style>
           <a:lnRef idx="2">
-            <a:schemeClr val="accent1"/>
+            <a:schemeClr val="accent1">
+              <a:shade val="50000"/>
+            </a:schemeClr>
           </a:lnRef>
           <a:fillRef idx="1">
-            <a:schemeClr val="lt1"/>
+            <a:schemeClr val="accent1"/>
           </a:fillRef>
           <a:effectRef idx="0">
             <a:schemeClr val="accent1"/>
           </a:effectRef>
           <a:fontRef idx="minor">
-            <a:schemeClr val="dk1"/>
+            <a:schemeClr val="lt1"/>
           </a:fontRef>
         </p:style>
         <p:txBody>
-          <a:bodyPr vert="horz" lIns="91440" tIns="45720" rIns="91440" bIns="45720" rtlCol="0" anchor="ctr"/>
-          <a:lstStyle/>
-          <a:p>
-            <a:pPr algn="ctr">
-              <a:defRPr/>
-            </a:pPr>
-            <a:fld id="{6389AA22-90B4-448C-8B6B-C699140D38B9}" type="slidenum">
-              <a:rPr lang="uk-UA" sz="2400" b="1">
-                <a:solidFill>
-                  <a:schemeClr val="bg1">
-                    <a:lumMod val="50000"/>
-                  </a:schemeClr>
-                </a:solidFill>
-              </a:rPr>
-              <a:pPr algn="ctr">
-                <a:defRPr/>
-              </a:pPr>
-              <a:t>6</a:t>
-            </a:fld>
-            <a:endParaRPr lang="uk-UA" sz="2400" b="1" dirty="0">
-              <a:solidFill>
-                <a:schemeClr val="bg1">
-                  <a:lumMod val="50000"/>
-                </a:schemeClr>
-              </a:solidFill>
-            </a:endParaRPr>
-          </a:p>
-        </p:txBody>
-      </p:sp>
-      <p:pic>
-        <p:nvPicPr>
-          <p:cNvPr id="5" name="Рисунок 4">
-            <a:extLst>
-              <a:ext uri="{FF2B5EF4-FFF2-40B4-BE49-F238E27FC236}">
-                <a16:creationId xmlns:a16="http://schemas.microsoft.com/office/drawing/2014/main" id="{FE354D3A-506D-F493-22EF-B16A1C5F094C}"/>
-              </a:ext>
-            </a:extLst>
-          </p:cNvPr>
-          <p:cNvPicPr>
-            <a:picLocks noChangeAspect="1"/>
-          </p:cNvPicPr>
-          <p:nvPr/>
-        </p:nvPicPr>
-        <p:blipFill>
-          <a:blip r:embed="rId4"/>
-          <a:stretch>
-            <a:fillRect/>
-          </a:stretch>
-        </p:blipFill>
-        <p:spPr>
-          <a:xfrm>
-            <a:off x="2063552" y="1196752"/>
-            <a:ext cx="7481167" cy="2376264"/>
-          </a:xfrm>
-          <a:prstGeom prst="rect">
-            <a:avLst/>
-          </a:prstGeom>
-          <a:ln>
-            <a:solidFill>
-              <a:schemeClr val="tx2">
-                <a:lumMod val="60000"/>
-                <a:lumOff val="40000"/>
-              </a:schemeClr>
-            </a:solidFill>
-          </a:ln>
-          <a:effectLst>
-            <a:outerShdw blurRad="292100" dist="139700" dir="2700000" algn="tl" rotWithShape="0">
-              <a:srgbClr val="333333">
-                <a:alpha val="65000"/>
-              </a:srgbClr>
-            </a:outerShdw>
-          </a:effectLst>
-        </p:spPr>
-      </p:pic>
+          <a:bodyPr rtlCol="0" anchor="ctr"/>
+          <a:lstStyle/>
+          <a:p>
+            <a:pPr algn="ctr"/>
+            <a:r>
+              <a:rPr lang="en-US" sz="6600" b="1" dirty="0"/>
+              <a:t>2</a:t>
+            </a:r>
+            <a:r>
+              <a:rPr lang="uk-UA" sz="6600" b="1" dirty="0"/>
+              <a:t>. </a:t>
+            </a:r>
+            <a:r>
+              <a:rPr lang="uk-UA" sz="6600" b="1" dirty="0" err="1"/>
+              <a:t>Инструменты</a:t>
+            </a:r>
+            <a:r>
+              <a:rPr lang="uk-UA" sz="6600" b="1" dirty="0"/>
+              <a:t> </a:t>
+            </a:r>
+            <a:r>
+              <a:rPr lang="uk-UA" sz="6600" b="1" dirty="0" err="1"/>
+              <a:t>разработчика</a:t>
+            </a:r>
+            <a:endParaRPr lang="uk-UA" sz="6600" b="1" dirty="0"/>
+          </a:p>
+        </p:txBody>
+      </p:sp>
     </p:spTree>
     <p:extLst>
       <p:ext uri="{BB962C8B-B14F-4D97-AF65-F5344CB8AC3E}">
-        <p14:creationId xmlns:p14="http://schemas.microsoft.com/office/powerpoint/2010/main" val="44952471"/>
+        <p14:creationId xmlns:p14="http://schemas.microsoft.com/office/powerpoint/2010/main" val="375110279"/>
       </p:ext>
     </p:extLst>
   </p:cSld>
@@ -10710,73 +10535,219 @@
       </p:grpSpPr>
       <p:sp>
         <p:nvSpPr>
-          <p:cNvPr id="5" name="Прямоугольник 4"/>
-          <p:cNvSpPr/>
+          <p:cNvPr id="5" name="TextBox 4"/>
+          <p:cNvSpPr txBox="1"/>
           <p:nvPr/>
         </p:nvSpPr>
         <p:spPr>
           <a:xfrm>
-            <a:off x="0" y="0"/>
-            <a:ext cx="12192000" cy="6858000"/>
+            <a:off x="0" y="283295"/>
+            <a:ext cx="12192000" cy="769441"/>
           </a:xfrm>
           <a:prstGeom prst="rect">
             <a:avLst/>
           </a:prstGeom>
-          <a:solidFill>
-            <a:schemeClr val="tx2">
-              <a:lumMod val="75000"/>
-            </a:schemeClr>
-          </a:solidFill>
-        </p:spPr>
-        <p:style>
-          <a:lnRef idx="2">
-            <a:schemeClr val="accent1">
-              <a:shade val="50000"/>
-            </a:schemeClr>
-          </a:lnRef>
-          <a:fillRef idx="1">
-            <a:schemeClr val="accent1"/>
-          </a:fillRef>
-          <a:effectRef idx="0">
-            <a:schemeClr val="accent1"/>
-          </a:effectRef>
-          <a:fontRef idx="minor">
-            <a:schemeClr val="lt1"/>
-          </a:fontRef>
-        </p:style>
-        <p:txBody>
-          <a:bodyPr rtlCol="0" anchor="ctr"/>
+          <a:noFill/>
+        </p:spPr>
+        <p:txBody>
+          <a:bodyPr wrap="square" rtlCol="0">
+            <a:spAutoFit/>
+          </a:bodyPr>
           <a:lstStyle/>
           <a:p>
             <a:pPr algn="ctr"/>
             <a:r>
-              <a:rPr lang="en-US" sz="6600" b="1" dirty="0"/>
-              <a:t>2</a:t>
-            </a:r>
-            <a:r>
-              <a:rPr lang="uk-UA" sz="6600" b="1" dirty="0"/>
-              <a:t>. </a:t>
-            </a:r>
-            <a:r>
-              <a:rPr lang="uk-UA" sz="6600" b="1" dirty="0" err="1"/>
-              <a:t>Инструменты</a:t>
-            </a:r>
-            <a:r>
-              <a:rPr lang="uk-UA" sz="6600" b="1" dirty="0"/>
+              <a:rPr lang="ru-RU" sz="4400" b="1" dirty="0"/>
+              <a:t>Инструменты разработчика (</a:t>
+            </a:r>
+            <a:r>
+              <a:rPr lang="en-US" sz="4400" b="1" dirty="0" err="1"/>
+              <a:t>WebDevTools</a:t>
+            </a:r>
+            <a:r>
+              <a:rPr lang="ru-RU" sz="4400" b="1" dirty="0"/>
+              <a:t>)</a:t>
+            </a:r>
+            <a:endParaRPr lang="uk-UA" sz="4400" b="1" dirty="0"/>
+          </a:p>
+        </p:txBody>
+      </p:sp>
+      <p:pic>
+        <p:nvPicPr>
+          <p:cNvPr id="2" name="Рисунок 1"/>
+          <p:cNvPicPr>
+            <a:picLocks noChangeAspect="1"/>
+          </p:cNvPicPr>
+          <p:nvPr/>
+        </p:nvPicPr>
+        <p:blipFill>
+          <a:blip r:embed="rId2"/>
+          <a:stretch>
+            <a:fillRect/>
+          </a:stretch>
+        </p:blipFill>
+        <p:spPr>
+          <a:xfrm>
+            <a:off x="0" y="2817515"/>
+            <a:ext cx="12192000" cy="4040485"/>
+          </a:xfrm>
+          <a:prstGeom prst="rect">
+            <a:avLst/>
+          </a:prstGeom>
+          <a:ln>
+            <a:noFill/>
+          </a:ln>
+          <a:effectLst>
+            <a:outerShdw blurRad="190500" algn="tl" rotWithShape="0">
+              <a:srgbClr val="000000">
+                <a:alpha val="70000"/>
+              </a:srgbClr>
+            </a:outerShdw>
+          </a:effectLst>
+        </p:spPr>
+      </p:pic>
+      <p:sp>
+        <p:nvSpPr>
+          <p:cNvPr id="6" name="TextBox 5"/>
+          <p:cNvSpPr txBox="1"/>
+          <p:nvPr/>
+        </p:nvSpPr>
+        <p:spPr>
+          <a:xfrm>
+            <a:off x="839416" y="1259315"/>
+            <a:ext cx="10801200" cy="1200329"/>
+          </a:xfrm>
+          <a:prstGeom prst="rect">
+            <a:avLst/>
+          </a:prstGeom>
+          <a:noFill/>
+        </p:spPr>
+        <p:txBody>
+          <a:bodyPr wrap="square" rtlCol="0">
+            <a:spAutoFit/>
+          </a:bodyPr>
+          <a:lstStyle/>
+          <a:p>
+            <a:r>
+              <a:rPr lang="uk-UA" sz="2400" dirty="0"/>
+              <a:t>Получить к ним доступ </a:t>
+            </a:r>
+            <a:r>
+              <a:rPr lang="ru-RU" sz="2400" dirty="0"/>
+              <a:t>можно</a:t>
+            </a:r>
+            <a:r>
+              <a:rPr lang="uk-UA" sz="2400" dirty="0"/>
+              <a:t> по </a:t>
+            </a:r>
+            <a:r>
+              <a:rPr lang="ru-RU" sz="2400" dirty="0"/>
+              <a:t>нажатию</a:t>
+            </a:r>
+            <a:r>
+              <a:rPr lang="uk-UA" sz="2400" dirty="0"/>
               <a:t> </a:t>
             </a:r>
             <a:r>
-              <a:rPr lang="uk-UA" sz="6600" b="1" dirty="0" err="1"/>
-              <a:t>разработчика</a:t>
-            </a:r>
-            <a:endParaRPr lang="uk-UA" sz="6600" b="1" dirty="0"/>
+              <a:rPr lang="en-US" sz="2400" b="1" dirty="0"/>
+              <a:t>F12</a:t>
+            </a:r>
+            <a:r>
+              <a:rPr lang="uk-UA" sz="2400" b="1" dirty="0"/>
+              <a:t> </a:t>
+            </a:r>
+            <a:r>
+              <a:rPr lang="uk-UA" sz="2400" dirty="0"/>
+              <a:t>(</a:t>
+            </a:r>
+            <a:r>
+              <a:rPr lang="ru-RU" sz="2400" dirty="0"/>
+              <a:t>или</a:t>
+            </a:r>
+            <a:r>
+              <a:rPr lang="uk-UA" sz="2400" dirty="0"/>
+              <a:t> </a:t>
+            </a:r>
+            <a:r>
+              <a:rPr lang="en-US" sz="2400" b="1" dirty="0" err="1"/>
+              <a:t>Ctrl+Shift+I</a:t>
+            </a:r>
+            <a:r>
+              <a:rPr lang="en-US" sz="2400" b="1" dirty="0"/>
+              <a:t> </a:t>
+            </a:r>
+            <a:r>
+              <a:rPr lang="uk-UA" sz="2400" dirty="0"/>
+              <a:t>в </a:t>
+            </a:r>
+            <a:r>
+              <a:rPr lang="ru-RU" sz="2400" dirty="0"/>
+              <a:t>некоторых браузерах</a:t>
+            </a:r>
+            <a:r>
+              <a:rPr lang="uk-UA" sz="2400" dirty="0"/>
+              <a:t>). </a:t>
+            </a:r>
+            <a:r>
+              <a:rPr lang="ru-RU" sz="2400" dirty="0"/>
+              <a:t>Закладка </a:t>
+            </a:r>
+            <a:r>
+              <a:rPr lang="en-US" sz="2400" b="1" dirty="0"/>
+              <a:t>Network</a:t>
+            </a:r>
+            <a:r>
+              <a:rPr lang="en-US" sz="2400" dirty="0"/>
+              <a:t> </a:t>
+            </a:r>
+            <a:r>
+              <a:rPr lang="ru-RU" sz="2400" dirty="0"/>
+              <a:t>отображает все процессы связанные с выполнением </a:t>
+            </a:r>
+            <a:r>
+              <a:rPr lang="en-US" sz="2400" b="1" dirty="0"/>
+              <a:t>HTTP-</a:t>
+            </a:r>
+            <a:r>
+              <a:rPr lang="uk-UA" sz="2400" b="1" dirty="0" err="1"/>
+              <a:t>запросов</a:t>
+            </a:r>
+            <a:r>
+              <a:rPr lang="uk-UA" sz="2400" b="1" dirty="0"/>
+              <a:t> </a:t>
+            </a:r>
+            <a:r>
+              <a:rPr lang="uk-UA" sz="2400" dirty="0"/>
+              <a:t>(и </a:t>
+            </a:r>
+            <a:r>
+              <a:rPr lang="ru-RU" sz="2400" dirty="0"/>
+              <a:t>получения</a:t>
+            </a:r>
+            <a:r>
+              <a:rPr lang="uk-UA" sz="2400" dirty="0"/>
+              <a:t> </a:t>
+            </a:r>
+            <a:r>
+              <a:rPr lang="en-US" sz="2400" b="1" dirty="0"/>
+              <a:t>HTTP-</a:t>
+            </a:r>
+            <a:r>
+              <a:rPr lang="uk-UA" sz="2400" b="1" dirty="0" err="1"/>
+              <a:t>ответов</a:t>
+            </a:r>
+            <a:r>
+              <a:rPr lang="uk-UA" sz="2400" dirty="0"/>
+              <a:t>).</a:t>
+            </a:r>
+            <a:endParaRPr lang="ru-RU" sz="2400" dirty="0"/>
           </a:p>
         </p:txBody>
       </p:sp>
     </p:spTree>
     <p:extLst>
       <p:ext uri="{BB962C8B-B14F-4D97-AF65-F5344CB8AC3E}">
-        <p14:creationId xmlns:p14="http://schemas.microsoft.com/office/powerpoint/2010/main" val="375110279"/>
+        <p14:creationId xmlns:p14="http://schemas.microsoft.com/office/powerpoint/2010/main" val="2375104630"/>
       </p:ext>
     </p:extLst>
   </p:cSld>
@@ -10842,9 +10813,151 @@
           </a:p>
         </p:txBody>
       </p:sp>
+      <p:sp>
+        <p:nvSpPr>
+          <p:cNvPr id="6" name="TextBox 5"/>
+          <p:cNvSpPr txBox="1"/>
+          <p:nvPr/>
+        </p:nvSpPr>
+        <p:spPr>
+          <a:xfrm>
+            <a:off x="839416" y="1259315"/>
+            <a:ext cx="10801200" cy="1200329"/>
+          </a:xfrm>
+          <a:prstGeom prst="rect">
+            <a:avLst/>
+          </a:prstGeom>
+          <a:noFill/>
+        </p:spPr>
+        <p:txBody>
+          <a:bodyPr wrap="square" rtlCol="0">
+            <a:spAutoFit/>
+          </a:bodyPr>
+          <a:lstStyle/>
+          <a:p>
+            <a:r>
+              <a:rPr lang="uk-UA" sz="2400" dirty="0"/>
+              <a:t>Получить к ним доступ </a:t>
+            </a:r>
+            <a:r>
+              <a:rPr lang="ru-RU" sz="2400" dirty="0"/>
+              <a:t>можно</a:t>
+            </a:r>
+            <a:r>
+              <a:rPr lang="uk-UA" sz="2400" dirty="0"/>
+              <a:t> по </a:t>
+            </a:r>
+            <a:r>
+              <a:rPr lang="ru-RU" sz="2400" dirty="0"/>
+              <a:t>нажатию</a:t>
+            </a:r>
+            <a:r>
+              <a:rPr lang="uk-UA" sz="2400" dirty="0"/>
+              <a:t> </a:t>
+            </a:r>
+            <a:r>
+              <a:rPr lang="en-US" sz="2400" b="1" dirty="0"/>
+              <a:t>F12</a:t>
+            </a:r>
+            <a:r>
+              <a:rPr lang="uk-UA" sz="2400" b="1" dirty="0"/>
+              <a:t> </a:t>
+            </a:r>
+            <a:r>
+              <a:rPr lang="uk-UA" sz="2400" dirty="0"/>
+              <a:t>(</a:t>
+            </a:r>
+            <a:r>
+              <a:rPr lang="ru-RU" sz="2400" dirty="0"/>
+              <a:t>или</a:t>
+            </a:r>
+            <a:r>
+              <a:rPr lang="uk-UA" sz="2400" dirty="0"/>
+              <a:t> </a:t>
+            </a:r>
+            <a:r>
+              <a:rPr lang="en-US" sz="2400" b="1" dirty="0" err="1"/>
+              <a:t>Ctrl+Shift+I</a:t>
+            </a:r>
+            <a:r>
+              <a:rPr lang="en-US" sz="2400" b="1" dirty="0"/>
+              <a:t> </a:t>
+            </a:r>
+            <a:r>
+              <a:rPr lang="uk-UA" sz="2400" dirty="0"/>
+              <a:t>в </a:t>
+            </a:r>
+            <a:r>
+              <a:rPr lang="ru-RU" sz="2400" dirty="0"/>
+              <a:t>некоторых браузерах</a:t>
+            </a:r>
+            <a:r>
+              <a:rPr lang="uk-UA" sz="2400" dirty="0"/>
+              <a:t>). </a:t>
+            </a:r>
+            <a:r>
+              <a:rPr lang="ru-RU" sz="2400" dirty="0"/>
+              <a:t>Закладка </a:t>
+            </a:r>
+            <a:r>
+              <a:rPr lang="en-US" sz="2400" b="1" dirty="0"/>
+              <a:t>Elements</a:t>
+            </a:r>
+            <a:r>
+              <a:rPr lang="en-US" sz="2400" dirty="0"/>
+              <a:t> </a:t>
+            </a:r>
+            <a:r>
+              <a:rPr lang="ru-RU" sz="2400" dirty="0"/>
+              <a:t>отображает текущую версию разметки (</a:t>
+            </a:r>
+            <a:r>
+              <a:rPr lang="en-US" sz="2400" b="1" dirty="0"/>
+              <a:t>HTML-</a:t>
+            </a:r>
+            <a:r>
+              <a:rPr lang="ru-RU" sz="2400" b="1" dirty="0"/>
+              <a:t>теги</a:t>
+            </a:r>
+            <a:r>
+              <a:rPr lang="ru-RU" sz="2400" dirty="0"/>
+              <a:t>, и связанны</a:t>
+            </a:r>
+            <a:r>
+              <a:rPr lang="uk-UA" sz="2400" dirty="0"/>
+              <a:t>е</a:t>
+            </a:r>
+            <a:r>
+              <a:rPr lang="en-US" sz="2400" dirty="0"/>
+              <a:t> </a:t>
+            </a:r>
+            <a:r>
+              <a:rPr lang="ru-RU" sz="2400" dirty="0"/>
+              <a:t>с ними </a:t>
+            </a:r>
+            <a:r>
+              <a:rPr lang="en-US" sz="2400" b="1" dirty="0"/>
+              <a:t>CSS-</a:t>
+            </a:r>
+            <a:r>
+              <a:rPr lang="uk-UA" sz="2400" b="1" dirty="0" err="1"/>
+              <a:t>стили</a:t>
+            </a:r>
+            <a:r>
+              <a:rPr lang="ru-RU" sz="2400" dirty="0"/>
+              <a:t>)</a:t>
+            </a:r>
+            <a:r>
+              <a:rPr lang="uk-UA" sz="2400" dirty="0"/>
+              <a:t>.</a:t>
+            </a:r>
+            <a:endParaRPr lang="ru-RU" sz="2400" dirty="0"/>
+          </a:p>
+        </p:txBody>
+      </p:sp>
       <p:pic>
         <p:nvPicPr>
-          <p:cNvPr id="2" name="Рисунок 1"/>
+          <p:cNvPr id="3" name="Рисунок 2"/>
           <p:cNvPicPr>
             <a:picLocks noChangeAspect="1"/>
           </p:cNvPicPr>
@@ -10858,8 +10971,8 @@
         </p:blipFill>
         <p:spPr>
           <a:xfrm>
-            <a:off x="0" y="2817515"/>
-            <a:ext cx="12192000" cy="4040485"/>
+            <a:off x="-1" y="2821836"/>
+            <a:ext cx="12192001" cy="4036163"/>
           </a:xfrm>
           <a:prstGeom prst="rect">
             <a:avLst/>
@@ -10876,148 +10989,10 @@
           </a:effectLst>
         </p:spPr>
       </p:pic>
-      <p:sp>
-        <p:nvSpPr>
-          <p:cNvPr id="6" name="TextBox 5"/>
-          <p:cNvSpPr txBox="1"/>
-          <p:nvPr/>
-        </p:nvSpPr>
-        <p:spPr>
-          <a:xfrm>
-            <a:off x="839416" y="1259315"/>
-            <a:ext cx="10801200" cy="1200329"/>
-          </a:xfrm>
-          <a:prstGeom prst="rect">
-            <a:avLst/>
-          </a:prstGeom>
-          <a:noFill/>
-        </p:spPr>
-        <p:txBody>
-          <a:bodyPr wrap="square" rtlCol="0">
-            <a:spAutoFit/>
-          </a:bodyPr>
-          <a:lstStyle/>
-          <a:p>
-            <a:r>
-              <a:rPr lang="uk-UA" sz="2400" dirty="0"/>
-              <a:t>Получить к ним доступ </a:t>
-            </a:r>
-            <a:r>
-              <a:rPr lang="ru-RU" sz="2400" dirty="0"/>
-              <a:t>можно</a:t>
-            </a:r>
-            <a:r>
-              <a:rPr lang="uk-UA" sz="2400" dirty="0"/>
-              <a:t> по </a:t>
-            </a:r>
-            <a:r>
-              <a:rPr lang="ru-RU" sz="2400" dirty="0"/>
-              <a:t>нажатию</a:t>
-            </a:r>
-            <a:r>
-              <a:rPr lang="uk-UA" sz="2400" dirty="0"/>
-              <a:t> </a:t>
-            </a:r>
-            <a:r>
-              <a:rPr lang="en-US" sz="2400" b="1" dirty="0"/>
-              <a:t>F12</a:t>
-            </a:r>
-            <a:r>
-              <a:rPr lang="uk-UA" sz="2400" b="1" dirty="0"/>
-              <a:t> </a:t>
-            </a:r>
-            <a:r>
-              <a:rPr lang="uk-UA" sz="2400" dirty="0"/>
-              <a:t>(</a:t>
-            </a:r>
-            <a:r>
-              <a:rPr lang="ru-RU" sz="2400" dirty="0"/>
-              <a:t>или</a:t>
-            </a:r>
-            <a:r>
-              <a:rPr lang="uk-UA" sz="2400" dirty="0"/>
-              <a:t> </a:t>
-            </a:r>
-            <a:r>
-              <a:rPr lang="en-US" sz="2400" b="1" dirty="0" err="1"/>
-              <a:t>Ctrl+Shift+I</a:t>
-            </a:r>
-            <a:r>
-              <a:rPr lang="en-US" sz="2400" b="1" dirty="0"/>
-              <a:t> </a:t>
-            </a:r>
-            <a:r>
-              <a:rPr lang="uk-UA" sz="2400" dirty="0"/>
-              <a:t>в </a:t>
-            </a:r>
-            <a:r>
-              <a:rPr lang="ru-RU" sz="2400" dirty="0"/>
-              <a:t>некоторых браузерах</a:t>
-            </a:r>
-            <a:r>
-              <a:rPr lang="uk-UA" sz="2400" dirty="0"/>
-              <a:t>). </a:t>
-            </a:r>
-            <a:r>
-              <a:rPr lang="ru-RU" sz="2400" dirty="0"/>
-              <a:t>Закладка </a:t>
-            </a:r>
-            <a:r>
-              <a:rPr lang="en-US" sz="2400" b="1" dirty="0"/>
-              <a:t>Network</a:t>
-            </a:r>
-            <a:r>
-              <a:rPr lang="en-US" sz="2400" dirty="0"/>
-              <a:t> </a:t>
-            </a:r>
-            <a:r>
-              <a:rPr lang="ru-RU" sz="2400" dirty="0"/>
-              <a:t>отображает все процессы связанные с выполнением </a:t>
-            </a:r>
-            <a:r>
-              <a:rPr lang="en-US" sz="2400" b="1" dirty="0"/>
-              <a:t>HTTP-</a:t>
-            </a:r>
-            <a:r>
-              <a:rPr lang="uk-UA" sz="2400" b="1" dirty="0" err="1"/>
-              <a:t>запросов</a:t>
-            </a:r>
-            <a:r>
-              <a:rPr lang="uk-UA" sz="2400" b="1" dirty="0"/>
-              <a:t> </a:t>
-            </a:r>
-            <a:r>
-              <a:rPr lang="uk-UA" sz="2400" dirty="0"/>
-              <a:t>(и </a:t>
-            </a:r>
-            <a:r>
-              <a:rPr lang="ru-RU" sz="2400" dirty="0"/>
-              <a:t>получения</a:t>
-            </a:r>
-            <a:r>
-              <a:rPr lang="uk-UA" sz="2400" dirty="0"/>
-              <a:t> </a:t>
-            </a:r>
-            <a:r>
-              <a:rPr lang="en-US" sz="2400" b="1" dirty="0"/>
-              <a:t>HTTP-</a:t>
-            </a:r>
-            <a:r>
-              <a:rPr lang="uk-UA" sz="2400" b="1" dirty="0" err="1"/>
-              <a:t>ответов</a:t>
-            </a:r>
-            <a:r>
-              <a:rPr lang="uk-UA" sz="2400" dirty="0"/>
-              <a:t>).</a:t>
-            </a:r>
-            <a:endParaRPr lang="ru-RU" sz="2400" dirty="0"/>
-          </a:p>
-        </p:txBody>
-      </p:sp>
     </p:spTree>
     <p:extLst>
       <p:ext uri="{BB962C8B-B14F-4D97-AF65-F5344CB8AC3E}">
-        <p14:creationId xmlns:p14="http://schemas.microsoft.com/office/powerpoint/2010/main" val="2375104630"/>
+        <p14:creationId xmlns:p14="http://schemas.microsoft.com/office/powerpoint/2010/main" val="2177473164"/>
       </p:ext>
     </p:extLst>
   </p:cSld>
@@ -11046,223 +11021,77 @@
       </p:grpSpPr>
       <p:sp>
         <p:nvSpPr>
-          <p:cNvPr id="5" name="TextBox 4"/>
-          <p:cNvSpPr txBox="1"/>
+          <p:cNvPr id="5" name="Прямоугольник 4"/>
+          <p:cNvSpPr/>
           <p:nvPr/>
         </p:nvSpPr>
         <p:spPr>
           <a:xfrm>
-            <a:off x="0" y="283295"/>
-            <a:ext cx="12192000" cy="769441"/>
+            <a:off x="0" y="0"/>
+            <a:ext cx="12192000" cy="6858000"/>
           </a:xfrm>
           <a:prstGeom prst="rect">
             <a:avLst/>
           </a:prstGeom>
-          <a:noFill/>
-        </p:spPr>
-        <p:txBody>
-          <a:bodyPr wrap="square" rtlCol="0">
-            <a:spAutoFit/>
-          </a:bodyPr>
+          <a:solidFill>
+            <a:schemeClr val="tx2">
+              <a:lumMod val="75000"/>
+            </a:schemeClr>
+          </a:solidFill>
+        </p:spPr>
+        <p:style>
+          <a:lnRef idx="2">
+            <a:schemeClr val="accent1">
+              <a:shade val="50000"/>
+            </a:schemeClr>
+          </a:lnRef>
+          <a:fillRef idx="1">
+            <a:schemeClr val="accent1"/>
+          </a:fillRef>
+          <a:effectRef idx="0">
+            <a:schemeClr val="accent1"/>
+          </a:effectRef>
+          <a:fontRef idx="minor">
+            <a:schemeClr val="lt1"/>
+          </a:fontRef>
+        </p:style>
+        <p:txBody>
+          <a:bodyPr rtlCol="0" anchor="ctr"/>
           <a:lstStyle/>
           <a:p>
             <a:pPr algn="ctr"/>
             <a:r>
-              <a:rPr lang="ru-RU" sz="4400" b="1" dirty="0"/>
-              <a:t>Инструменты разработчика (</a:t>
-            </a:r>
-            <a:r>
-              <a:rPr lang="en-US" sz="4400" b="1" dirty="0" err="1"/>
-              <a:t>WebDevTools</a:t>
-            </a:r>
-            <a:r>
-              <a:rPr lang="ru-RU" sz="4400" b="1" dirty="0"/>
-              <a:t>)</a:t>
-            </a:r>
-            <a:endParaRPr lang="uk-UA" sz="4400" b="1" dirty="0"/>
-          </a:p>
-        </p:txBody>
-      </p:sp>
-      <p:sp>
-        <p:nvSpPr>
-          <p:cNvPr id="6" name="TextBox 5"/>
-          <p:cNvSpPr txBox="1"/>
-          <p:nvPr/>
-        </p:nvSpPr>
-        <p:spPr>
-          <a:xfrm>
-            <a:off x="839416" y="1259315"/>
-            <a:ext cx="10801200" cy="1200329"/>
-          </a:xfrm>
-          <a:prstGeom prst="rect">
-            <a:avLst/>
-          </a:prstGeom>
-          <a:noFill/>
-        </p:spPr>
-        <p:txBody>
-          <a:bodyPr wrap="square" rtlCol="0">
-            <a:spAutoFit/>
-          </a:bodyPr>
-          <a:lstStyle/>
-          <a:p>
-            <a:r>
-              <a:rPr lang="uk-UA" sz="2400" dirty="0"/>
-              <a:t>Получить к ним доступ </a:t>
-            </a:r>
-            <a:r>
-              <a:rPr lang="ru-RU" sz="2400" dirty="0"/>
-              <a:t>можно</a:t>
-            </a:r>
-            <a:r>
-              <a:rPr lang="uk-UA" sz="2400" dirty="0"/>
-              <a:t> по </a:t>
-            </a:r>
-            <a:r>
-              <a:rPr lang="ru-RU" sz="2400" dirty="0"/>
-              <a:t>нажатию</a:t>
-            </a:r>
-            <a:r>
-              <a:rPr lang="uk-UA" sz="2400" dirty="0"/>
-              <a:t> </a:t>
-            </a:r>
-            <a:r>
-              <a:rPr lang="en-US" sz="2400" b="1" dirty="0"/>
-              <a:t>F12</a:t>
-            </a:r>
-            <a:r>
-              <a:rPr lang="uk-UA" sz="2400" b="1" dirty="0"/>
-              <a:t> </a:t>
-            </a:r>
-            <a:r>
-              <a:rPr lang="uk-UA" sz="2400" dirty="0"/>
-              <a:t>(</a:t>
-            </a:r>
-            <a:r>
-              <a:rPr lang="ru-RU" sz="2400" dirty="0"/>
-              <a:t>или</a:t>
-            </a:r>
-            <a:r>
-              <a:rPr lang="uk-UA" sz="2400" dirty="0"/>
-              <a:t> </a:t>
-            </a:r>
-            <a:r>
-              <a:rPr lang="en-US" sz="2400" b="1" dirty="0" err="1"/>
-              <a:t>Ctrl+Shift+I</a:t>
-            </a:r>
-            <a:r>
-              <a:rPr lang="en-US" sz="2400" b="1" dirty="0"/>
-              <a:t> </a:t>
-            </a:r>
-            <a:r>
-              <a:rPr lang="uk-UA" sz="2400" dirty="0"/>
-              <a:t>в </a:t>
-            </a:r>
-            <a:r>
-              <a:rPr lang="ru-RU" sz="2400" dirty="0"/>
-              <a:t>некоторых браузерах</a:t>
-            </a:r>
-            <a:r>
-              <a:rPr lang="uk-UA" sz="2400" dirty="0"/>
-              <a:t>). </a:t>
-            </a:r>
-            <a:r>
-              <a:rPr lang="ru-RU" sz="2400" dirty="0"/>
-              <a:t>Закладка </a:t>
-            </a:r>
-            <a:r>
-              <a:rPr lang="en-US" sz="2400" b="1" dirty="0"/>
-              <a:t>Elements</a:t>
-            </a:r>
-            <a:r>
-              <a:rPr lang="en-US" sz="2400" dirty="0"/>
-              <a:t> </a:t>
-            </a:r>
-            <a:r>
-              <a:rPr lang="ru-RU" sz="2400" dirty="0"/>
-              <a:t>отображает текущую версию разметки (</a:t>
-            </a:r>
-            <a:r>
-              <a:rPr lang="en-US" sz="2400" b="1" dirty="0"/>
-              <a:t>HTML-</a:t>
-            </a:r>
-            <a:r>
-              <a:rPr lang="ru-RU" sz="2400" b="1" dirty="0"/>
-              <a:t>теги</a:t>
-            </a:r>
-            <a:r>
-              <a:rPr lang="ru-RU" sz="2400" dirty="0"/>
-              <a:t>, и связанны</a:t>
-            </a:r>
-            <a:r>
-              <a:rPr lang="uk-UA" sz="2400" dirty="0"/>
-              <a:t>е</a:t>
-            </a:r>
-            <a:r>
-              <a:rPr lang="en-US" sz="2400" dirty="0"/>
-              <a:t> </a:t>
-            </a:r>
-            <a:r>
-              <a:rPr lang="ru-RU" sz="2400" dirty="0"/>
-              <a:t>с ними </a:t>
-            </a:r>
-            <a:r>
-              <a:rPr lang="en-US" sz="2400" b="1" dirty="0"/>
-              <a:t>CSS-</a:t>
-            </a:r>
-            <a:r>
-              <a:rPr lang="uk-UA" sz="2400" b="1" dirty="0" err="1"/>
-              <a:t>стили</a:t>
-            </a:r>
-            <a:r>
-              <a:rPr lang="ru-RU" sz="2400" dirty="0"/>
-              <a:t>)</a:t>
-            </a:r>
-            <a:r>
-              <a:rPr lang="uk-UA" sz="2400" dirty="0"/>
-              <a:t>.</a:t>
-            </a:r>
-            <a:endParaRPr lang="ru-RU" sz="2400" dirty="0"/>
-          </a:p>
-        </p:txBody>
-      </p:sp>
-      <p:pic>
-        <p:nvPicPr>
-          <p:cNvPr id="3" name="Рисунок 2"/>
-          <p:cNvPicPr>
-            <a:picLocks noChangeAspect="1"/>
-          </p:cNvPicPr>
-          <p:nvPr/>
-        </p:nvPicPr>
-        <p:blipFill>
-          <a:blip r:embed="rId2"/>
-          <a:stretch>
-            <a:fillRect/>
-          </a:stretch>
-        </p:blipFill>
-        <p:spPr>
-          <a:xfrm>
-            <a:off x="-1" y="2821836"/>
-            <a:ext cx="12192001" cy="4036163"/>
-          </a:xfrm>
-          <a:prstGeom prst="rect">
-            <a:avLst/>
-          </a:prstGeom>
-          <a:ln>
-            <a:noFill/>
-          </a:ln>
-          <a:effectLst>
-            <a:outerShdw blurRad="190500" algn="tl" rotWithShape="0">
-              <a:srgbClr val="000000">
-                <a:alpha val="70000"/>
-              </a:srgbClr>
-            </a:outerShdw>
-          </a:effectLst>
-        </p:spPr>
-      </p:pic>
+              <a:rPr lang="en-US" sz="6600" b="1" dirty="0"/>
+              <a:t>3</a:t>
+            </a:r>
+            <a:r>
+              <a:rPr lang="uk-UA" sz="6600" b="1" dirty="0"/>
+              <a:t>. </a:t>
+            </a:r>
+            <a:r>
+              <a:rPr lang="uk-UA" sz="6600" b="1" dirty="0" err="1"/>
+              <a:t>Строчно</a:t>
+            </a:r>
+            <a:r>
+              <a:rPr lang="uk-UA" sz="6600" b="1" dirty="0"/>
+              <a:t>/</a:t>
+            </a:r>
+            <a:r>
+              <a:rPr lang="uk-UA" sz="6600" b="1" dirty="0" err="1"/>
+              <a:t>блочная</a:t>
+            </a:r>
+            <a:r>
+              <a:rPr lang="uk-UA" sz="6600" b="1" dirty="0"/>
+              <a:t> модель</a:t>
+            </a:r>
+            <a:endParaRPr lang="en-US" sz="6600" b="1" dirty="0"/>
+          </a:p>
+        </p:txBody>
+      </p:sp>
     </p:spTree>
     <p:extLst>
       <p:ext uri="{BB962C8B-B14F-4D97-AF65-F5344CB8AC3E}">
-        <p14:creationId xmlns:p14="http://schemas.microsoft.com/office/powerpoint/2010/main" val="2177473164"/>
+        <p14:creationId xmlns:p14="http://schemas.microsoft.com/office/powerpoint/2010/main" val="3110395867"/>
       </p:ext>
     </p:extLst>
   </p:cSld>
